--- a/mockito-presentation.pptx
+++ b/mockito-presentation.pptx
@@ -6,10 +6,10 @@
     <p:sldMasterId id="2147483682" r:id="rId2"/>
   </p:sldMasterIdLst>
   <p:notesMasterIdLst>
-    <p:notesMasterId r:id="rId18"/>
+    <p:notesMasterId r:id="rId21"/>
   </p:notesMasterIdLst>
   <p:handoutMasterIdLst>
-    <p:handoutMasterId r:id="rId19"/>
+    <p:handoutMasterId r:id="rId22"/>
   </p:handoutMasterIdLst>
   <p:sldIdLst>
     <p:sldId id="259" r:id="rId3"/>
@@ -23,10 +23,13 @@
     <p:sldId id="265" r:id="rId11"/>
     <p:sldId id="266" r:id="rId12"/>
     <p:sldId id="271" r:id="rId13"/>
-    <p:sldId id="267" r:id="rId14"/>
-    <p:sldId id="268" r:id="rId15"/>
-    <p:sldId id="269" r:id="rId16"/>
-    <p:sldId id="257" r:id="rId17"/>
+    <p:sldId id="273" r:id="rId14"/>
+    <p:sldId id="274" r:id="rId15"/>
+    <p:sldId id="267" r:id="rId16"/>
+    <p:sldId id="268" r:id="rId17"/>
+    <p:sldId id="269" r:id="rId18"/>
+    <p:sldId id="275" r:id="rId19"/>
+    <p:sldId id="257" r:id="rId20"/>
   </p:sldIdLst>
   <p:sldSz cx="9144000" cy="6858000" type="screen4x3"/>
   <p:notesSz cx="6858000" cy="9144000"/>
@@ -241,7 +244,7 @@
             <a:fld id="{7FF124E7-E08C-4A1F-B4FC-72D6609097A9}" type="datetimeFigureOut">
               <a:rPr lang="en-US" smtClean="0"/>
               <a:pPr/>
-              <a:t>4/4/2014</a:t>
+              <a:t>4/7/2014</a:t>
             </a:fld>
             <a:endParaRPr lang="en-US"/>
           </a:p>
@@ -408,7 +411,7 @@
             <a:fld id="{C754077B-E038-4881-9183-8AE27FD3E7C1}" type="datetimeFigureOut">
               <a:rPr lang="en-US" smtClean="0"/>
               <a:pPr/>
-              <a:t>4/4/2014</a:t>
+              <a:t>4/7/2014</a:t>
             </a:fld>
             <a:endParaRPr lang="en-US"/>
           </a:p>
@@ -713,7 +716,7 @@
           <a:p>
             <a:fld id="{BB2F15DA-CD26-4F10-A17A-669B0BE31A12}" type="datetime1">
               <a:rPr lang="sv-SE" smtClean="0"/>
-              <a:t>2014-04-04</a:t>
+              <a:t>2014-04-07</a:t>
             </a:fld>
             <a:endParaRPr lang="en-US" dirty="0"/>
           </a:p>
@@ -898,6 +901,18 @@
   <p:clrMapOvr>
     <a:masterClrMapping/>
   </p:clrMapOvr>
+  <mc:AlternateContent xmlns:mc="http://schemas.openxmlformats.org/markup-compatibility/2006">
+    <mc:Choice xmlns:p14="http://schemas.microsoft.com/office/powerpoint/2010/main" Requires="p14">
+      <p:transition spd="med" p14:dur="700">
+        <p:fade/>
+      </p:transition>
+    </mc:Choice>
+    <mc:Fallback>
+      <p:transition spd="med">
+        <p:fade/>
+      </p:transition>
+    </mc:Fallback>
+  </mc:AlternateContent>
   <p:timing>
     <p:tnLst>
       <p:par>
@@ -942,7 +957,7 @@
           <a:p>
             <a:fld id="{E1107469-0E63-45AD-82AB-6878B61403D7}" type="datetime1">
               <a:rPr lang="sv-SE" smtClean="0"/>
-              <a:t>2014-04-04</a:t>
+              <a:t>2014-04-07</a:t>
             </a:fld>
             <a:endParaRPr lang="en-US"/>
           </a:p>
@@ -1738,6 +1753,18 @@
   <p:clrMapOvr>
     <a:masterClrMapping/>
   </p:clrMapOvr>
+  <mc:AlternateContent xmlns:mc="http://schemas.openxmlformats.org/markup-compatibility/2006">
+    <mc:Choice xmlns:p14="http://schemas.microsoft.com/office/powerpoint/2010/main" Requires="p14">
+      <p:transition spd="med" p14:dur="700">
+        <p:fade/>
+      </p:transition>
+    </mc:Choice>
+    <mc:Fallback>
+      <p:transition spd="med">
+        <p:fade/>
+      </p:transition>
+    </mc:Fallback>
+  </mc:AlternateContent>
   <p:timing>
     <p:tnLst>
       <p:par>
@@ -1782,7 +1809,7 @@
           <a:p>
             <a:fld id="{0138D373-B218-4ABB-A23B-B4E288587143}" type="datetime1">
               <a:rPr lang="sv-SE" smtClean="0"/>
-              <a:t>2014-04-04</a:t>
+              <a:t>2014-04-07</a:t>
             </a:fld>
             <a:endParaRPr lang="en-US"/>
           </a:p>
@@ -1915,6 +1942,18 @@
   <p:clrMapOvr>
     <a:masterClrMapping/>
   </p:clrMapOvr>
+  <mc:AlternateContent xmlns:mc="http://schemas.openxmlformats.org/markup-compatibility/2006">
+    <mc:Choice xmlns:p14="http://schemas.microsoft.com/office/powerpoint/2010/main" Requires="p14">
+      <p:transition spd="med" p14:dur="700">
+        <p:fade/>
+      </p:transition>
+    </mc:Choice>
+    <mc:Fallback>
+      <p:transition spd="med">
+        <p:fade/>
+      </p:transition>
+    </mc:Fallback>
+  </mc:AlternateContent>
   <p:timing>
     <p:tnLst>
       <p:par>
@@ -1959,7 +1998,7 @@
           <a:p>
             <a:fld id="{6304F3B4-786D-4A21-8A4B-CB2908F0DF2A}" type="datetime1">
               <a:rPr lang="sv-SE" smtClean="0"/>
-              <a:t>2014-04-04</a:t>
+              <a:t>2014-04-07</a:t>
             </a:fld>
             <a:endParaRPr lang="en-US"/>
           </a:p>
@@ -2197,6 +2236,18 @@
   <p:clrMapOvr>
     <a:masterClrMapping/>
   </p:clrMapOvr>
+  <mc:AlternateContent xmlns:mc="http://schemas.openxmlformats.org/markup-compatibility/2006">
+    <mc:Choice xmlns:p14="http://schemas.microsoft.com/office/powerpoint/2010/main" Requires="p14">
+      <p:transition spd="med" p14:dur="700">
+        <p:fade/>
+      </p:transition>
+    </mc:Choice>
+    <mc:Fallback>
+      <p:transition spd="med">
+        <p:fade/>
+      </p:transition>
+    </mc:Fallback>
+  </mc:AlternateContent>
   <p:timing>
     <p:tnLst>
       <p:par>
@@ -2241,7 +2292,7 @@
           <a:p>
             <a:fld id="{96701F8D-F9AE-40A4-9E3F-8179E4F6EB7F}" type="datetime1">
               <a:rPr lang="sv-SE" smtClean="0"/>
-              <a:t>2014-04-04</a:t>
+              <a:t>2014-04-07</a:t>
             </a:fld>
             <a:endParaRPr lang="en-US"/>
           </a:p>
@@ -2305,6 +2356,18 @@
   <p:clrMapOvr>
     <a:masterClrMapping/>
   </p:clrMapOvr>
+  <mc:AlternateContent xmlns:mc="http://schemas.openxmlformats.org/markup-compatibility/2006">
+    <mc:Choice xmlns:p14="http://schemas.microsoft.com/office/powerpoint/2010/main" Requires="p14">
+      <p:transition spd="med" p14:dur="700">
+        <p:fade/>
+      </p:transition>
+    </mc:Choice>
+    <mc:Fallback>
+      <p:transition spd="med">
+        <p:fade/>
+      </p:transition>
+    </mc:Fallback>
+  </mc:AlternateContent>
   <p:timing>
     <p:tnLst>
       <p:par>
@@ -2392,7 +2455,7 @@
           <a:p>
             <a:fld id="{B6EDA5A2-2229-4195-B779-AC8887551CA9}" type="datetime1">
               <a:rPr lang="sv-SE" smtClean="0"/>
-              <a:t>2014-04-04</a:t>
+              <a:t>2014-04-07</a:t>
             </a:fld>
             <a:endParaRPr lang="en-US"/>
           </a:p>
@@ -2544,6 +2607,18 @@
   <p:clrMapOvr>
     <a:masterClrMapping/>
   </p:clrMapOvr>
+  <mc:AlternateContent xmlns:mc="http://schemas.openxmlformats.org/markup-compatibility/2006">
+    <mc:Choice xmlns:p14="http://schemas.microsoft.com/office/powerpoint/2010/main" Requires="p14">
+      <p:transition spd="med" p14:dur="700">
+        <p:fade/>
+      </p:transition>
+    </mc:Choice>
+    <mc:Fallback>
+      <p:transition spd="med">
+        <p:fade/>
+      </p:transition>
+    </mc:Fallback>
+  </mc:AlternateContent>
   <p:timing>
     <p:tnLst>
       <p:par>
@@ -2588,7 +2663,7 @@
           <a:p>
             <a:fld id="{7B78EC91-18F0-438E-82D6-612BE058332E}" type="datetime1">
               <a:rPr lang="sv-SE" smtClean="0"/>
-              <a:t>2014-04-04</a:t>
+              <a:t>2014-04-07</a:t>
             </a:fld>
             <a:endParaRPr lang="en-US"/>
           </a:p>
@@ -2960,6 +3035,18 @@
   <p:clrMapOvr>
     <a:masterClrMapping/>
   </p:clrMapOvr>
+  <mc:AlternateContent xmlns:mc="http://schemas.openxmlformats.org/markup-compatibility/2006">
+    <mc:Choice xmlns:p14="http://schemas.microsoft.com/office/powerpoint/2010/main" Requires="p14">
+      <p:transition spd="med" p14:dur="700">
+        <p:fade/>
+      </p:transition>
+    </mc:Choice>
+    <mc:Fallback>
+      <p:transition spd="med">
+        <p:fade/>
+      </p:transition>
+    </mc:Fallback>
+  </mc:AlternateContent>
   <p:timing>
     <p:tnLst>
       <p:par>
@@ -3027,7 +3114,7 @@
           <a:p>
             <a:fld id="{C7FE8BB7-FDC7-44CE-A088-E22F788EE23C}" type="datetime1">
               <a:rPr lang="sv-SE" smtClean="0"/>
-              <a:t>2014-04-04</a:t>
+              <a:t>2014-04-07</a:t>
             </a:fld>
             <a:endParaRPr lang="en-US"/>
           </a:p>
@@ -3067,6 +3154,18 @@
   <p:clrMapOvr>
     <a:masterClrMapping/>
   </p:clrMapOvr>
+  <mc:AlternateContent xmlns:mc="http://schemas.openxmlformats.org/markup-compatibility/2006">
+    <mc:Choice xmlns:p14="http://schemas.microsoft.com/office/powerpoint/2010/main" Requires="p14">
+      <p:transition spd="med" p14:dur="700">
+        <p:fade/>
+      </p:transition>
+    </mc:Choice>
+    <mc:Fallback>
+      <p:transition spd="med">
+        <p:fade/>
+      </p:transition>
+    </mc:Fallback>
+  </mc:AlternateContent>
   <p:timing>
     <p:tnLst>
       <p:par>
@@ -3111,7 +3210,7 @@
           <a:p>
             <a:fld id="{EB6EE6DF-F95C-4D95-BC06-A14C6431D141}" type="datetime1">
               <a:rPr lang="sv-SE" smtClean="0"/>
-              <a:t>2014-04-04</a:t>
+              <a:t>2014-04-07</a:t>
             </a:fld>
             <a:endParaRPr lang="en-US"/>
           </a:p>
@@ -3333,6 +3432,18 @@
   <p:clrMapOvr>
     <a:masterClrMapping/>
   </p:clrMapOvr>
+  <mc:AlternateContent xmlns:mc="http://schemas.openxmlformats.org/markup-compatibility/2006">
+    <mc:Choice xmlns:p14="http://schemas.microsoft.com/office/powerpoint/2010/main" Requires="p14">
+      <p:transition spd="med" p14:dur="700">
+        <p:fade/>
+      </p:transition>
+    </mc:Choice>
+    <mc:Fallback>
+      <p:transition spd="med">
+        <p:fade/>
+      </p:transition>
+    </mc:Fallback>
+  </mc:AlternateContent>
   <p:timing>
     <p:tnLst>
       <p:par>
@@ -3377,7 +3488,7 @@
           <a:p>
             <a:fld id="{8149B227-7C22-4D7C-87D3-8A25707A5B3D}" type="datetime1">
               <a:rPr lang="sv-SE" smtClean="0"/>
-              <a:t>2014-04-04</a:t>
+              <a:t>2014-04-07</a:t>
             </a:fld>
             <a:endParaRPr lang="en-US" dirty="0"/>
           </a:p>
@@ -3538,6 +3649,18 @@
   <p:clrMapOvr>
     <a:masterClrMapping/>
   </p:clrMapOvr>
+  <mc:AlternateContent xmlns:mc="http://schemas.openxmlformats.org/markup-compatibility/2006">
+    <mc:Choice xmlns:p14="http://schemas.microsoft.com/office/powerpoint/2010/main" Requires="p14">
+      <p:transition spd="med" p14:dur="700">
+        <p:fade/>
+      </p:transition>
+    </mc:Choice>
+    <mc:Fallback>
+      <p:transition spd="med">
+        <p:fade/>
+      </p:transition>
+    </mc:Fallback>
+  </mc:AlternateContent>
   <p:timing>
     <p:tnLst>
       <p:par>
@@ -3582,7 +3705,7 @@
           <a:p>
             <a:fld id="{473B9B78-5BE3-4D5E-96C7-641B79BFB780}" type="datetime1">
               <a:rPr lang="sv-SE" smtClean="0"/>
-              <a:t>2014-04-04</a:t>
+              <a:t>2014-04-07</a:t>
             </a:fld>
             <a:endParaRPr lang="en-US" dirty="0"/>
           </a:p>
@@ -3646,6 +3769,18 @@
   <p:clrMapOvr>
     <a:masterClrMapping/>
   </p:clrMapOvr>
+  <mc:AlternateContent xmlns:mc="http://schemas.openxmlformats.org/markup-compatibility/2006">
+    <mc:Choice xmlns:p14="http://schemas.microsoft.com/office/powerpoint/2010/main" Requires="p14">
+      <p:transition spd="med" p14:dur="700">
+        <p:fade/>
+      </p:transition>
+    </mc:Choice>
+    <mc:Fallback>
+      <p:transition spd="med">
+        <p:fade/>
+      </p:transition>
+    </mc:Fallback>
+  </mc:AlternateContent>
   <p:timing>
     <p:tnLst>
       <p:par>
@@ -3690,7 +3825,7 @@
           <a:p>
             <a:fld id="{74EE0B27-396F-4399-A5C3-F89247484EDC}" type="datetime1">
               <a:rPr lang="sv-SE" smtClean="0"/>
-              <a:t>2014-04-04</a:t>
+              <a:t>2014-04-07</a:t>
             </a:fld>
             <a:endParaRPr lang="en-US" dirty="0"/>
           </a:p>
@@ -3826,6 +3961,18 @@
   <p:clrMapOvr>
     <a:masterClrMapping/>
   </p:clrMapOvr>
+  <mc:AlternateContent xmlns:mc="http://schemas.openxmlformats.org/markup-compatibility/2006">
+    <mc:Choice xmlns:p14="http://schemas.microsoft.com/office/powerpoint/2010/main" Requires="p14">
+      <p:transition spd="med" p14:dur="700">
+        <p:fade/>
+      </p:transition>
+    </mc:Choice>
+    <mc:Fallback>
+      <p:transition spd="med">
+        <p:fade/>
+      </p:transition>
+    </mc:Fallback>
+  </mc:AlternateContent>
   <p:timing>
     <p:tnLst>
       <p:par>
@@ -3870,7 +4017,7 @@
           <a:p>
             <a:fld id="{69ECEFFC-5899-414D-A895-DB8CD819531D}" type="datetime1">
               <a:rPr lang="sv-SE" smtClean="0"/>
-              <a:t>2014-04-04</a:t>
+              <a:t>2014-04-07</a:t>
             </a:fld>
             <a:endParaRPr lang="en-US" dirty="0"/>
           </a:p>
@@ -4148,6 +4295,18 @@
   <p:clrMapOvr>
     <a:masterClrMapping/>
   </p:clrMapOvr>
+  <mc:AlternateContent xmlns:mc="http://schemas.openxmlformats.org/markup-compatibility/2006">
+    <mc:Choice xmlns:p14="http://schemas.microsoft.com/office/powerpoint/2010/main" Requires="p14">
+      <p:transition spd="med" p14:dur="700">
+        <p:fade/>
+      </p:transition>
+    </mc:Choice>
+    <mc:Fallback>
+      <p:transition spd="med">
+        <p:fade/>
+      </p:transition>
+    </mc:Fallback>
+  </mc:AlternateContent>
   <p:timing>
     <p:tnLst>
       <p:par>
@@ -4192,7 +4351,7 @@
           <a:p>
             <a:fld id="{8C30DF56-5AFC-4D1F-A64B-10876D9B5A32}" type="datetime1">
               <a:rPr lang="sv-SE" smtClean="0"/>
-              <a:t>2014-04-04</a:t>
+              <a:t>2014-04-07</a:t>
             </a:fld>
             <a:endParaRPr lang="en-US" dirty="0"/>
           </a:p>
@@ -4612,6 +4771,18 @@
   <p:clrMapOvr>
     <a:masterClrMapping/>
   </p:clrMapOvr>
+  <mc:AlternateContent xmlns:mc="http://schemas.openxmlformats.org/markup-compatibility/2006">
+    <mc:Choice xmlns:p14="http://schemas.microsoft.com/office/powerpoint/2010/main" Requires="p14">
+      <p:transition spd="med" p14:dur="700">
+        <p:fade/>
+      </p:transition>
+    </mc:Choice>
+    <mc:Fallback>
+      <p:transition spd="med">
+        <p:fade/>
+      </p:transition>
+    </mc:Fallback>
+  </mc:AlternateContent>
   <p:timing>
     <p:tnLst>
       <p:par>
@@ -4679,7 +4850,7 @@
           <a:p>
             <a:fld id="{B50428A0-1002-4CB5-8581-CA0CD0B3AFF3}" type="datetime1">
               <a:rPr lang="sv-SE" smtClean="0"/>
-              <a:t>2014-04-04</a:t>
+              <a:t>2014-04-07</a:t>
             </a:fld>
             <a:endParaRPr lang="en-US" dirty="0"/>
           </a:p>
@@ -4719,6 +4890,18 @@
   <p:clrMapOvr>
     <a:masterClrMapping/>
   </p:clrMapOvr>
+  <mc:AlternateContent xmlns:mc="http://schemas.openxmlformats.org/markup-compatibility/2006">
+    <mc:Choice xmlns:p14="http://schemas.microsoft.com/office/powerpoint/2010/main" Requires="p14">
+      <p:transition spd="med" p14:dur="700">
+        <p:fade/>
+      </p:transition>
+    </mc:Choice>
+    <mc:Fallback>
+      <p:transition spd="med">
+        <p:fade/>
+      </p:transition>
+    </mc:Fallback>
+  </mc:AlternateContent>
   <p:timing>
     <p:tnLst>
       <p:par>
@@ -4763,7 +4946,7 @@
           <a:p>
             <a:fld id="{5D7E495D-B5D6-4A52-AEA7-47196AFA98DE}" type="datetime1">
               <a:rPr lang="sv-SE" smtClean="0"/>
-              <a:t>2014-04-04</a:t>
+              <a:t>2014-04-07</a:t>
             </a:fld>
             <a:endParaRPr lang="en-US" dirty="0"/>
           </a:p>
@@ -5009,6 +5192,18 @@
   <p:clrMapOvr>
     <a:masterClrMapping/>
   </p:clrMapOvr>
+  <mc:AlternateContent xmlns:mc="http://schemas.openxmlformats.org/markup-compatibility/2006">
+    <mc:Choice xmlns:p14="http://schemas.microsoft.com/office/powerpoint/2010/main" Requires="p14">
+      <p:transition spd="med" p14:dur="700">
+        <p:fade/>
+      </p:transition>
+    </mc:Choice>
+    <mc:Fallback>
+      <p:transition spd="med">
+        <p:fade/>
+      </p:transition>
+    </mc:Fallback>
+  </mc:AlternateContent>
   <p:timing>
     <p:tnLst>
       <p:par>
@@ -5053,7 +5248,7 @@
           <a:p>
             <a:fld id="{BF7D7031-45D4-4926-932E-6F44239CD5BE}" type="datetime1">
               <a:rPr lang="sv-SE" smtClean="0"/>
-              <a:t>2014-04-04</a:t>
+              <a:t>2014-04-07</a:t>
             </a:fld>
             <a:endParaRPr lang="en-US"/>
           </a:p>
@@ -5238,6 +5433,18 @@
   <p:clrMapOvr>
     <a:masterClrMapping/>
   </p:clrMapOvr>
+  <mc:AlternateContent xmlns:mc="http://schemas.openxmlformats.org/markup-compatibility/2006">
+    <mc:Choice xmlns:p14="http://schemas.microsoft.com/office/powerpoint/2010/main" Requires="p14">
+      <p:transition spd="med" p14:dur="700">
+        <p:fade/>
+      </p:transition>
+    </mc:Choice>
+    <mc:Fallback>
+      <p:transition spd="med">
+        <p:fade/>
+      </p:transition>
+    </mc:Fallback>
+  </mc:AlternateContent>
   <p:timing>
     <p:tnLst>
       <p:par>
@@ -5410,7 +5617,7 @@
           <a:p>
             <a:fld id="{80A7162C-D27F-401C-977B-08D8D142632F}" type="datetime1">
               <a:rPr lang="sv-SE" smtClean="0"/>
-              <a:t>2014-04-04</a:t>
+              <a:t>2014-04-07</a:t>
             </a:fld>
             <a:endParaRPr lang="en-US" dirty="0"/>
           </a:p>
@@ -5474,6 +5681,18 @@
     <p:sldLayoutId id="2147483726" r:id="rId7"/>
     <p:sldLayoutId id="2147483727" r:id="rId8"/>
   </p:sldLayoutIdLst>
+  <mc:AlternateContent xmlns:mc="http://schemas.openxmlformats.org/markup-compatibility/2006">
+    <mc:Choice xmlns:p14="http://schemas.microsoft.com/office/powerpoint/2010/main" Requires="p14">
+      <p:transition spd="med" p14:dur="700">
+        <p:fade/>
+      </p:transition>
+    </mc:Choice>
+    <mc:Fallback>
+      <p:transition spd="med">
+        <p:fade/>
+      </p:transition>
+    </mc:Fallback>
+  </mc:AlternateContent>
   <p:timing>
     <p:tnLst>
       <p:par>
@@ -5936,7 +6155,7 @@
           <a:p>
             <a:fld id="{3712D359-8E67-4AAC-A073-790C6B99EA2E}" type="datetime1">
               <a:rPr lang="sv-SE" smtClean="0"/>
-              <a:t>2014-04-04</a:t>
+              <a:t>2014-04-07</a:t>
             </a:fld>
             <a:endParaRPr lang="en-US"/>
           </a:p>
@@ -6025,6 +6244,18 @@
     <p:sldLayoutId id="2147483735" r:id="rId8"/>
     <p:sldLayoutId id="2147483736" r:id="rId9"/>
   </p:sldLayoutIdLst>
+  <mc:AlternateContent xmlns:mc="http://schemas.openxmlformats.org/markup-compatibility/2006">
+    <mc:Choice xmlns:p14="http://schemas.microsoft.com/office/powerpoint/2010/main" Requires="p14">
+      <p:transition spd="med" p14:dur="700">
+        <p:fade/>
+      </p:transition>
+    </mc:Choice>
+    <mc:Fallback>
+      <p:transition spd="med">
+        <p:fade/>
+      </p:transition>
+    </mc:Fallback>
+  </mc:AlternateContent>
   <p:timing>
     <p:tnLst>
       <p:par>
@@ -6415,6 +6646,18 @@
   <p:clrMapOvr>
     <a:masterClrMapping/>
   </p:clrMapOvr>
+  <mc:AlternateContent xmlns:mc="http://schemas.openxmlformats.org/markup-compatibility/2006">
+    <mc:Choice xmlns:p14="http://schemas.microsoft.com/office/powerpoint/2010/main" Requires="p14">
+      <p:transition spd="med" p14:dur="700">
+        <p:fade/>
+      </p:transition>
+    </mc:Choice>
+    <mc:Fallback>
+      <p:transition spd="med">
+        <p:fade/>
+      </p:transition>
+    </mc:Fallback>
+  </mc:AlternateContent>
   <p:timing>
     <p:tnLst>
       <p:par>
@@ -6638,28 +6881,30 @@
                 <a:latin typeface="Courier New" panose="02070309020205020404" pitchFamily="49" charset="0"/>
                 <a:cs typeface="Courier New" panose="02070309020205020404" pitchFamily="49" charset="0"/>
               </a:rPr>
-              <a:t>= </a:t>
-            </a:r>
-            <a:r>
-              <a:rPr lang="sv-SE" sz="2400" smtClean="0">
+              <a:t>= inOrder(</a:t>
+            </a:r>
+            <a:r>
+              <a:rPr lang="sv-SE" sz="2400" b="1" smtClean="0">
                 <a:solidFill>
                   <a:schemeClr val="tx1"/>
                 </a:solidFill>
                 <a:latin typeface="Courier New" panose="02070309020205020404" pitchFamily="49" charset="0"/>
                 <a:cs typeface="Courier New" panose="02070309020205020404" pitchFamily="49" charset="0"/>
               </a:rPr>
-              <a:t>inOrder(</a:t>
-            </a:r>
-            <a:r>
-              <a:rPr lang="sv-SE" sz="2400" b="1" smtClean="0">
+              <a:t>ctx</a:t>
+            </a:r>
+            <a:r>
+              <a:rPr lang="sv-SE" sz="2400" dirty="0" smtClean="0">
                 <a:solidFill>
                   <a:schemeClr val="tx1"/>
                 </a:solidFill>
                 <a:latin typeface="Courier New" panose="02070309020205020404" pitchFamily="49" charset="0"/>
                 <a:cs typeface="Courier New" panose="02070309020205020404" pitchFamily="49" charset="0"/>
               </a:rPr>
-              <a:t>ctx</a:t>
-            </a:r>
+              <a:t>);</a:t>
+            </a:r>
+          </a:p>
+          <a:p>
             <a:r>
               <a:rPr lang="sv-SE" sz="2400" dirty="0" smtClean="0">
                 <a:solidFill>
@@ -6668,91 +6913,69 @@
                 <a:latin typeface="Courier New" panose="02070309020205020404" pitchFamily="49" charset="0"/>
                 <a:cs typeface="Courier New" panose="02070309020205020404" pitchFamily="49" charset="0"/>
               </a:rPr>
-              <a:t>);</a:t>
-            </a:r>
-          </a:p>
-          <a:p>
-            <a:r>
-              <a:rPr lang="sv-SE" sz="2400" dirty="0" smtClean="0">
+              <a:t>io.verify(</a:t>
+            </a:r>
+            <a:r>
+              <a:rPr lang="sv-SE" sz="2400" b="1" dirty="0">
                 <a:solidFill>
                   <a:schemeClr val="tx1"/>
                 </a:solidFill>
                 <a:latin typeface="Courier New" panose="02070309020205020404" pitchFamily="49" charset="0"/>
                 <a:cs typeface="Courier New" panose="02070309020205020404" pitchFamily="49" charset="0"/>
               </a:rPr>
-              <a:t>io.verify(</a:t>
-            </a:r>
-            <a:r>
-              <a:rPr lang="sv-SE" sz="2400" b="1" dirty="0">
+              <a:t>ctx</a:t>
+            </a:r>
+            <a:r>
+              <a:rPr lang="sv-SE" sz="2400" dirty="0" smtClean="0">
                 <a:solidFill>
                   <a:schemeClr val="tx1"/>
                 </a:solidFill>
                 <a:latin typeface="Courier New" panose="02070309020205020404" pitchFamily="49" charset="0"/>
                 <a:cs typeface="Courier New" panose="02070309020205020404" pitchFamily="49" charset="0"/>
               </a:rPr>
-              <a:t>ctx</a:t>
-            </a:r>
-            <a:r>
-              <a:rPr lang="sv-SE" sz="2400" dirty="0" smtClean="0">
+              <a:t>).getResources();</a:t>
+            </a:r>
+          </a:p>
+          <a:p>
+            <a:r>
+              <a:rPr lang="sv-SE" sz="2400" dirty="0">
                 <a:solidFill>
                   <a:schemeClr val="tx1"/>
                 </a:solidFill>
                 <a:latin typeface="Courier New" panose="02070309020205020404" pitchFamily="49" charset="0"/>
                 <a:cs typeface="Courier New" panose="02070309020205020404" pitchFamily="49" charset="0"/>
               </a:rPr>
-              <a:t>).getResources();</a:t>
-            </a:r>
-          </a:p>
-          <a:p>
-            <a:r>
-              <a:rPr lang="sv-SE" sz="2400" dirty="0">
+              <a:t>io.verify(</a:t>
+            </a:r>
+            <a:r>
+              <a:rPr lang="sv-SE" sz="2400" b="1" dirty="0">
                 <a:solidFill>
                   <a:schemeClr val="tx1"/>
                 </a:solidFill>
                 <a:latin typeface="Courier New" panose="02070309020205020404" pitchFamily="49" charset="0"/>
                 <a:cs typeface="Courier New" panose="02070309020205020404" pitchFamily="49" charset="0"/>
               </a:rPr>
-              <a:t>io.verify(</a:t>
-            </a:r>
-            <a:r>
-              <a:rPr lang="sv-SE" sz="2400" b="1" dirty="0">
+              <a:t>ctx</a:t>
+            </a:r>
+            <a:r>
+              <a:rPr lang="sv-SE" sz="2400" dirty="0">
                 <a:solidFill>
                   <a:schemeClr val="tx1"/>
                 </a:solidFill>
                 <a:latin typeface="Courier New" panose="02070309020205020404" pitchFamily="49" charset="0"/>
                 <a:cs typeface="Courier New" panose="02070309020205020404" pitchFamily="49" charset="0"/>
               </a:rPr>
-              <a:t>ctx</a:t>
-            </a:r>
-            <a:r>
-              <a:rPr lang="sv-SE" sz="2400" dirty="0">
+              <a:t>).</a:t>
+            </a:r>
+            <a:r>
+              <a:rPr lang="sv-SE" sz="2400" dirty="0" smtClean="0">
                 <a:solidFill>
                   <a:schemeClr val="tx1"/>
                 </a:solidFill>
                 <a:latin typeface="Courier New" panose="02070309020205020404" pitchFamily="49" charset="0"/>
                 <a:cs typeface="Courier New" panose="02070309020205020404" pitchFamily="49" charset="0"/>
               </a:rPr>
-              <a:t>).</a:t>
-            </a:r>
-            <a:r>
-              <a:rPr lang="sv-SE" sz="2400" dirty="0" smtClean="0">
-                <a:solidFill>
-                  <a:schemeClr val="tx1"/>
-                </a:solidFill>
-                <a:latin typeface="Courier New" panose="02070309020205020404" pitchFamily="49" charset="0"/>
-                <a:cs typeface="Courier New" panose="02070309020205020404" pitchFamily="49" charset="0"/>
-              </a:rPr>
-              <a:t>getAssets</a:t>
-            </a:r>
-            <a:r>
-              <a:rPr lang="sv-SE" sz="2400" dirty="0" smtClean="0">
-                <a:solidFill>
-                  <a:schemeClr val="tx1"/>
-                </a:solidFill>
-                <a:latin typeface="Courier New" panose="02070309020205020404" pitchFamily="49" charset="0"/>
-                <a:cs typeface="Courier New" panose="02070309020205020404" pitchFamily="49" charset="0"/>
-              </a:rPr>
-              <a:t>();</a:t>
+              <a:t>getAssets();</a:t>
             </a:r>
             <a:endParaRPr lang="sv-SE" sz="2400" dirty="0">
               <a:solidFill>
@@ -6808,6 +7031,18 @@
   <p:clrMapOvr>
     <a:masterClrMapping/>
   </p:clrMapOvr>
+  <mc:AlternateContent xmlns:mc="http://schemas.openxmlformats.org/markup-compatibility/2006">
+    <mc:Choice xmlns:p14="http://schemas.microsoft.com/office/powerpoint/2010/main" Requires="p14">
+      <p:transition spd="med" p14:dur="700">
+        <p:fade/>
+      </p:transition>
+    </mc:Choice>
+    <mc:Fallback>
+      <p:transition spd="med">
+        <p:fade/>
+      </p:transition>
+    </mc:Fallback>
+  </mc:AlternateContent>
 </p:sld>
 </file>
 
@@ -6947,6 +7182,18 @@
   <p:clrMapOvr>
     <a:masterClrMapping/>
   </p:clrMapOvr>
+  <mc:AlternateContent xmlns:mc="http://schemas.openxmlformats.org/markup-compatibility/2006">
+    <mc:Choice xmlns:p14="http://schemas.microsoft.com/office/powerpoint/2010/main" Requires="p14">
+      <p:transition spd="med" p14:dur="700">
+        <p:fade/>
+      </p:transition>
+    </mc:Choice>
+    <mc:Fallback>
+      <p:transition spd="med">
+        <p:fade/>
+      </p:transition>
+    </mc:Fallback>
+  </mc:AlternateContent>
 </p:sld>
 </file>
 
@@ -6984,7 +7231,7 @@
           <a:p>
             <a:r>
               <a:rPr lang="sv-SE" dirty="0" smtClean="0"/>
-              <a:t>Mockito setup</a:t>
+              <a:t>Argument captors</a:t>
             </a:r>
             <a:endParaRPr lang="sv-SE" dirty="0"/>
           </a:p>
@@ -7002,18 +7249,12 @@
         </p:nvSpPr>
         <p:spPr/>
         <p:txBody>
-          <a:bodyPr/>
+          <a:bodyPr>
+            <a:normAutofit/>
+          </a:bodyPr>
           <a:lstStyle/>
           <a:p>
-            <a:r>
-              <a:rPr lang="sv-SE" dirty="0" smtClean="0">
-                <a:solidFill>
-                  <a:schemeClr val="tx1"/>
-                </a:solidFill>
-              </a:rPr>
-              <a:t>Some content</a:t>
-            </a:r>
-            <a:endParaRPr lang="sv-SE" dirty="0">
+            <a:endParaRPr lang="sv-SE" sz="2400" dirty="0">
               <a:solidFill>
                 <a:schemeClr val="tx1"/>
               </a:solidFill>
@@ -7024,13 +7265,25 @@
     </p:spTree>
     <p:extLst>
       <p:ext uri="{BB962C8B-B14F-4D97-AF65-F5344CB8AC3E}">
-        <p14:creationId xmlns:p14="http://schemas.microsoft.com/office/powerpoint/2010/main" val="3860852083"/>
+        <p14:creationId xmlns:p14="http://schemas.microsoft.com/office/powerpoint/2010/main" val="3223692089"/>
       </p:ext>
     </p:extLst>
   </p:cSld>
   <p:clrMapOvr>
     <a:masterClrMapping/>
   </p:clrMapOvr>
+  <mc:AlternateContent xmlns:mc="http://schemas.openxmlformats.org/markup-compatibility/2006">
+    <mc:Choice xmlns:p14="http://schemas.microsoft.com/office/powerpoint/2010/main" Requires="p14">
+      <p:transition spd="med" p14:dur="700">
+        <p:fade/>
+      </p:transition>
+    </mc:Choice>
+    <mc:Fallback>
+      <p:transition spd="med">
+        <p:fade/>
+      </p:transition>
+    </mc:Fallback>
+  </mc:AlternateContent>
 </p:sld>
 </file>
 
@@ -7068,7 +7321,7 @@
           <a:p>
             <a:r>
               <a:rPr lang="sv-SE" dirty="0" smtClean="0"/>
-              <a:t>Documentation</a:t>
+              <a:t>Spying- use with care</a:t>
             </a:r>
             <a:endParaRPr lang="sv-SE" dirty="0"/>
           </a:p>
@@ -7086,10 +7339,12 @@
         </p:nvSpPr>
         <p:spPr/>
         <p:txBody>
-          <a:bodyPr/>
+          <a:bodyPr>
+            <a:normAutofit/>
+          </a:bodyPr>
           <a:lstStyle/>
           <a:p>
-            <a:endParaRPr lang="sv-SE" dirty="0">
+            <a:endParaRPr lang="sv-SE" sz="2400" dirty="0">
               <a:solidFill>
                 <a:schemeClr val="tx1"/>
               </a:solidFill>
@@ -7100,13 +7355,25 @@
     </p:spTree>
     <p:extLst>
       <p:ext uri="{BB962C8B-B14F-4D97-AF65-F5344CB8AC3E}">
-        <p14:creationId xmlns:p14="http://schemas.microsoft.com/office/powerpoint/2010/main" val="3520522719"/>
+        <p14:creationId xmlns:p14="http://schemas.microsoft.com/office/powerpoint/2010/main" val="1339471588"/>
       </p:ext>
     </p:extLst>
   </p:cSld>
   <p:clrMapOvr>
     <a:masterClrMapping/>
   </p:clrMapOvr>
+  <mc:AlternateContent xmlns:mc="http://schemas.openxmlformats.org/markup-compatibility/2006">
+    <mc:Choice xmlns:p14="http://schemas.microsoft.com/office/powerpoint/2010/main" Requires="p14">
+      <p:transition spd="med" p14:dur="700">
+        <p:fade/>
+      </p:transition>
+    </mc:Choice>
+    <mc:Fallback>
+      <p:transition spd="med">
+        <p:fade/>
+      </p:transition>
+    </mc:Fallback>
+  </mc:AlternateContent>
 </p:sld>
 </file>
 
@@ -7144,6 +7411,244 @@
           <a:p>
             <a:r>
               <a:rPr lang="sv-SE" dirty="0" smtClean="0"/>
+              <a:t>Mockito setup</a:t>
+            </a:r>
+            <a:endParaRPr lang="sv-SE" dirty="0"/>
+          </a:p>
+        </p:txBody>
+      </p:sp>
+      <p:sp>
+        <p:nvSpPr>
+          <p:cNvPr id="3" name="Content Placeholder 2"/>
+          <p:cNvSpPr>
+            <a:spLocks noGrp="1"/>
+          </p:cNvSpPr>
+          <p:nvPr>
+            <p:ph idx="1"/>
+          </p:nvPr>
+        </p:nvSpPr>
+        <p:spPr/>
+        <p:txBody>
+          <a:bodyPr/>
+          <a:lstStyle/>
+          <a:p>
+            <a:r>
+              <a:rPr lang="sv-SE" dirty="0" smtClean="0">
+                <a:solidFill>
+                  <a:schemeClr val="tx1"/>
+                </a:solidFill>
+              </a:rPr>
+              <a:t>Normal Android test project and..</a:t>
+            </a:r>
+            <a:endParaRPr lang="sv-SE" dirty="0">
+              <a:solidFill>
+                <a:schemeClr val="tx1"/>
+              </a:solidFill>
+            </a:endParaRPr>
+          </a:p>
+          <a:p>
+            <a:endParaRPr lang="sv-SE" dirty="0" smtClean="0">
+              <a:solidFill>
+                <a:schemeClr val="tx1"/>
+              </a:solidFill>
+            </a:endParaRPr>
+          </a:p>
+          <a:p>
+            <a:pPr marL="457200" indent="-457200">
+              <a:buFont typeface="Arial" panose="020B0604020202020204" pitchFamily="34" charset="0"/>
+              <a:buChar char="•"/>
+            </a:pPr>
+            <a:r>
+              <a:rPr lang="sv-SE" dirty="0" smtClean="0">
+                <a:solidFill>
+                  <a:schemeClr val="tx1"/>
+                </a:solidFill>
+              </a:rPr>
+              <a:t>mockito-all-1.9.5.jar</a:t>
+            </a:r>
+          </a:p>
+          <a:p>
+            <a:pPr marL="457200" indent="-457200">
+              <a:buFont typeface="Arial" panose="020B0604020202020204" pitchFamily="34" charset="0"/>
+              <a:buChar char="•"/>
+            </a:pPr>
+            <a:r>
+              <a:rPr lang="sv-SE" dirty="0" smtClean="0">
+                <a:solidFill>
+                  <a:schemeClr val="tx1"/>
+                </a:solidFill>
+              </a:rPr>
+              <a:t>dexmaker-1.1.jar</a:t>
+            </a:r>
+          </a:p>
+          <a:p>
+            <a:pPr marL="457200" indent="-457200">
+              <a:buFont typeface="Arial" panose="020B0604020202020204" pitchFamily="34" charset="0"/>
+              <a:buChar char="•"/>
+            </a:pPr>
+            <a:r>
+              <a:rPr lang="sv-SE" dirty="0" smtClean="0">
+                <a:solidFill>
+                  <a:schemeClr val="tx1"/>
+                </a:solidFill>
+              </a:rPr>
+              <a:t>dexmaker-mockito-1.1.jar</a:t>
+            </a:r>
+            <a:endParaRPr lang="sv-SE" dirty="0" smtClean="0">
+              <a:solidFill>
+                <a:schemeClr val="tx1"/>
+              </a:solidFill>
+            </a:endParaRPr>
+          </a:p>
+        </p:txBody>
+      </p:sp>
+    </p:spTree>
+    <p:extLst>
+      <p:ext uri="{BB962C8B-B14F-4D97-AF65-F5344CB8AC3E}">
+        <p14:creationId xmlns:p14="http://schemas.microsoft.com/office/powerpoint/2010/main" val="3860852083"/>
+      </p:ext>
+    </p:extLst>
+  </p:cSld>
+  <p:clrMapOvr>
+    <a:masterClrMapping/>
+  </p:clrMapOvr>
+  <mc:AlternateContent xmlns:mc="http://schemas.openxmlformats.org/markup-compatibility/2006">
+    <mc:Choice xmlns:p14="http://schemas.microsoft.com/office/powerpoint/2010/main" Requires="p14">
+      <p:transition spd="med" p14:dur="700">
+        <p:fade/>
+      </p:transition>
+    </mc:Choice>
+    <mc:Fallback>
+      <p:transition spd="med">
+        <p:fade/>
+      </p:transition>
+    </mc:Fallback>
+  </mc:AlternateContent>
+</p:sld>
+</file>
+
+<file path=ppt/slides/slide15.xml><?xml version="1.0" encoding="utf-8"?>
+<p:sld xmlns:a="http://schemas.openxmlformats.org/drawingml/2006/main" xmlns:r="http://schemas.openxmlformats.org/officeDocument/2006/relationships" xmlns:p="http://schemas.openxmlformats.org/presentationml/2006/main">
+  <p:cSld>
+    <p:spTree>
+      <p:nvGrpSpPr>
+        <p:cNvPr id="1" name=""/>
+        <p:cNvGrpSpPr/>
+        <p:nvPr/>
+      </p:nvGrpSpPr>
+      <p:grpSpPr>
+        <a:xfrm>
+          <a:off x="0" y="0"/>
+          <a:ext cx="0" cy="0"/>
+          <a:chOff x="0" y="0"/>
+          <a:chExt cx="0" cy="0"/>
+        </a:xfrm>
+      </p:grpSpPr>
+      <p:sp>
+        <p:nvSpPr>
+          <p:cNvPr id="2" name="Title 1"/>
+          <p:cNvSpPr>
+            <a:spLocks noGrp="1"/>
+          </p:cNvSpPr>
+          <p:nvPr>
+            <p:ph type="title"/>
+          </p:nvPr>
+        </p:nvSpPr>
+        <p:spPr/>
+        <p:txBody>
+          <a:bodyPr/>
+          <a:lstStyle/>
+          <a:p>
+            <a:r>
+              <a:rPr lang="sv-SE" dirty="0" smtClean="0"/>
+              <a:t>Documentation</a:t>
+            </a:r>
+            <a:endParaRPr lang="sv-SE" dirty="0"/>
+          </a:p>
+        </p:txBody>
+      </p:sp>
+      <p:sp>
+        <p:nvSpPr>
+          <p:cNvPr id="3" name="Content Placeholder 2"/>
+          <p:cNvSpPr>
+            <a:spLocks noGrp="1"/>
+          </p:cNvSpPr>
+          <p:nvPr>
+            <p:ph idx="1"/>
+          </p:nvPr>
+        </p:nvSpPr>
+        <p:spPr/>
+        <p:txBody>
+          <a:bodyPr/>
+          <a:lstStyle/>
+          <a:p>
+            <a:endParaRPr lang="sv-SE" dirty="0">
+              <a:solidFill>
+                <a:schemeClr val="tx1"/>
+              </a:solidFill>
+            </a:endParaRPr>
+          </a:p>
+        </p:txBody>
+      </p:sp>
+    </p:spTree>
+    <p:extLst>
+      <p:ext uri="{BB962C8B-B14F-4D97-AF65-F5344CB8AC3E}">
+        <p14:creationId xmlns:p14="http://schemas.microsoft.com/office/powerpoint/2010/main" val="3520522719"/>
+      </p:ext>
+    </p:extLst>
+  </p:cSld>
+  <p:clrMapOvr>
+    <a:masterClrMapping/>
+  </p:clrMapOvr>
+  <mc:AlternateContent xmlns:mc="http://schemas.openxmlformats.org/markup-compatibility/2006">
+    <mc:Choice xmlns:p14="http://schemas.microsoft.com/office/powerpoint/2010/main" Requires="p14">
+      <p:transition spd="med" p14:dur="700">
+        <p:fade/>
+      </p:transition>
+    </mc:Choice>
+    <mc:Fallback>
+      <p:transition spd="med">
+        <p:fade/>
+      </p:transition>
+    </mc:Fallback>
+  </mc:AlternateContent>
+</p:sld>
+</file>
+
+<file path=ppt/slides/slide16.xml><?xml version="1.0" encoding="utf-8"?>
+<p:sld xmlns:a="http://schemas.openxmlformats.org/drawingml/2006/main" xmlns:r="http://schemas.openxmlformats.org/officeDocument/2006/relationships" xmlns:p="http://schemas.openxmlformats.org/presentationml/2006/main">
+  <p:cSld>
+    <p:spTree>
+      <p:nvGrpSpPr>
+        <p:cNvPr id="1" name=""/>
+        <p:cNvGrpSpPr/>
+        <p:nvPr/>
+      </p:nvGrpSpPr>
+      <p:grpSpPr>
+        <a:xfrm>
+          <a:off x="0" y="0"/>
+          <a:ext cx="0" cy="0"/>
+          <a:chOff x="0" y="0"/>
+          <a:chExt cx="0" cy="0"/>
+        </a:xfrm>
+      </p:grpSpPr>
+      <p:sp>
+        <p:nvSpPr>
+          <p:cNvPr id="2" name="Title 1"/>
+          <p:cNvSpPr>
+            <a:spLocks noGrp="1"/>
+          </p:cNvSpPr>
+          <p:nvPr>
+            <p:ph type="title"/>
+          </p:nvPr>
+        </p:nvSpPr>
+        <p:spPr/>
+        <p:txBody>
+          <a:bodyPr/>
+          <a:lstStyle/>
+          <a:p>
+            <a:r>
+              <a:rPr lang="sv-SE" dirty="0" smtClean="0"/>
               <a:t>Lab project</a:t>
             </a:r>
             <a:endParaRPr lang="sv-SE" dirty="0"/>
@@ -7191,10 +7696,203 @@
   <p:clrMapOvr>
     <a:masterClrMapping/>
   </p:clrMapOvr>
+  <mc:AlternateContent xmlns:mc="http://schemas.openxmlformats.org/markup-compatibility/2006">
+    <mc:Choice xmlns:p14="http://schemas.microsoft.com/office/powerpoint/2010/main" Requires="p14">
+      <p:transition spd="med" p14:dur="700">
+        <p:fade/>
+      </p:transition>
+    </mc:Choice>
+    <mc:Fallback>
+      <p:transition spd="med">
+        <p:fade/>
+      </p:transition>
+    </mc:Fallback>
+  </mc:AlternateContent>
 </p:sld>
 </file>
 
-<file path=ppt/slides/slide15.xml><?xml version="1.0" encoding="utf-8"?>
+<file path=ppt/slides/slide17.xml><?xml version="1.0" encoding="utf-8"?>
+<p:sld xmlns:a="http://schemas.openxmlformats.org/drawingml/2006/main" xmlns:r="http://schemas.openxmlformats.org/officeDocument/2006/relationships" xmlns:p="http://schemas.openxmlformats.org/presentationml/2006/main">
+  <p:cSld>
+    <p:spTree>
+      <p:nvGrpSpPr>
+        <p:cNvPr id="1" name=""/>
+        <p:cNvGrpSpPr/>
+        <p:nvPr/>
+      </p:nvGrpSpPr>
+      <p:grpSpPr>
+        <a:xfrm>
+          <a:off x="0" y="0"/>
+          <a:ext cx="0" cy="0"/>
+          <a:chOff x="0" y="0"/>
+          <a:chExt cx="0" cy="0"/>
+        </a:xfrm>
+      </p:grpSpPr>
+      <p:sp>
+        <p:nvSpPr>
+          <p:cNvPr id="2" name="Title 1"/>
+          <p:cNvSpPr>
+            <a:spLocks noGrp="1"/>
+          </p:cNvSpPr>
+          <p:nvPr>
+            <p:ph type="title"/>
+          </p:nvPr>
+        </p:nvSpPr>
+        <p:spPr/>
+        <p:txBody>
+          <a:bodyPr>
+            <a:normAutofit/>
+          </a:bodyPr>
+          <a:lstStyle/>
+          <a:p>
+            <a:r>
+              <a:rPr lang="sv-SE" dirty="0" smtClean="0"/>
+              <a:t>Lab </a:t>
+            </a:r>
+            <a:r>
+              <a:rPr lang="sv-SE" dirty="0" smtClean="0"/>
+              <a:t>exercises</a:t>
+            </a:r>
+            <a:endParaRPr lang="sv-SE" dirty="0"/>
+          </a:p>
+        </p:txBody>
+      </p:sp>
+      <p:sp>
+        <p:nvSpPr>
+          <p:cNvPr id="3" name="Content Placeholder 2"/>
+          <p:cNvSpPr>
+            <a:spLocks noGrp="1"/>
+          </p:cNvSpPr>
+          <p:nvPr>
+            <p:ph idx="1"/>
+          </p:nvPr>
+        </p:nvSpPr>
+        <p:spPr/>
+        <p:txBody>
+          <a:bodyPr/>
+          <a:lstStyle/>
+          <a:p>
+            <a:pPr marL="457200" indent="-457200">
+              <a:buFont typeface="Arial" panose="020B0604020202020204" pitchFamily="34" charset="0"/>
+              <a:buChar char="•"/>
+            </a:pPr>
+            <a:r>
+              <a:rPr lang="sv-SE" dirty="0" smtClean="0">
+                <a:solidFill>
+                  <a:schemeClr val="tx1"/>
+                </a:solidFill>
+              </a:rPr>
+              <a:t>Test update() when no network is availabe.</a:t>
+            </a:r>
+          </a:p>
+          <a:p>
+            <a:pPr marL="457200" indent="-457200">
+              <a:buFont typeface="Arial" panose="020B0604020202020204" pitchFamily="34" charset="0"/>
+              <a:buChar char="•"/>
+            </a:pPr>
+            <a:r>
+              <a:rPr lang="sv-SE" dirty="0" smtClean="0">
+                <a:solidFill>
+                  <a:schemeClr val="tx1"/>
+                </a:solidFill>
+              </a:rPr>
+              <a:t>Test update() when roaming.</a:t>
+            </a:r>
+          </a:p>
+          <a:p>
+            <a:pPr marL="457200" indent="-457200">
+              <a:buFont typeface="Arial" panose="020B0604020202020204" pitchFamily="34" charset="0"/>
+              <a:buChar char="•"/>
+            </a:pPr>
+            <a:r>
+              <a:rPr lang="sv-SE" dirty="0" smtClean="0">
+                <a:solidFill>
+                  <a:schemeClr val="tx1"/>
+                </a:solidFill>
+              </a:rPr>
+              <a:t>Test update() when already up to date.</a:t>
+            </a:r>
+          </a:p>
+          <a:p>
+            <a:pPr marL="457200" indent="-457200">
+              <a:buFont typeface="Arial" panose="020B0604020202020204" pitchFamily="34" charset="0"/>
+              <a:buChar char="•"/>
+            </a:pPr>
+            <a:r>
+              <a:rPr lang="sv-SE" dirty="0" smtClean="0">
+                <a:solidFill>
+                  <a:schemeClr val="tx1"/>
+                </a:solidFill>
+              </a:rPr>
+              <a:t>Test update() when invalid signature.</a:t>
+            </a:r>
+          </a:p>
+          <a:p>
+            <a:pPr marL="457200" indent="-457200">
+              <a:buFont typeface="Arial" panose="020B0604020202020204" pitchFamily="34" charset="0"/>
+              <a:buChar char="•"/>
+            </a:pPr>
+            <a:endParaRPr lang="sv-SE" dirty="0">
+              <a:solidFill>
+                <a:schemeClr val="tx1"/>
+              </a:solidFill>
+            </a:endParaRPr>
+          </a:p>
+          <a:p>
+            <a:pPr marL="457200" indent="-457200">
+              <a:buFont typeface="Arial" panose="020B0604020202020204" pitchFamily="34" charset="0"/>
+              <a:buChar char="•"/>
+            </a:pPr>
+            <a:r>
+              <a:rPr lang="sv-SE" dirty="0" smtClean="0">
+                <a:solidFill>
+                  <a:schemeClr val="tx1"/>
+                </a:solidFill>
+              </a:rPr>
+              <a:t>Play with other features </a:t>
+            </a:r>
+            <a:r>
+              <a:rPr lang="sv-SE" smtClean="0">
+                <a:solidFill>
+                  <a:schemeClr val="tx1"/>
+                </a:solidFill>
+              </a:rPr>
+              <a:t>of Mockito!</a:t>
+            </a:r>
+            <a:endParaRPr lang="sv-SE" dirty="0">
+              <a:solidFill>
+                <a:schemeClr val="tx1"/>
+              </a:solidFill>
+            </a:endParaRPr>
+          </a:p>
+        </p:txBody>
+      </p:sp>
+    </p:spTree>
+    <p:extLst>
+      <p:ext uri="{BB962C8B-B14F-4D97-AF65-F5344CB8AC3E}">
+        <p14:creationId xmlns:p14="http://schemas.microsoft.com/office/powerpoint/2010/main" val="3891848228"/>
+      </p:ext>
+    </p:extLst>
+  </p:cSld>
+  <p:clrMapOvr>
+    <a:masterClrMapping/>
+  </p:clrMapOvr>
+  <mc:AlternateContent xmlns:mc="http://schemas.openxmlformats.org/markup-compatibility/2006">
+    <mc:Choice xmlns:p14="http://schemas.microsoft.com/office/powerpoint/2010/main" Requires="p14">
+      <p:transition spd="med" p14:dur="700">
+        <p:fade/>
+      </p:transition>
+    </mc:Choice>
+    <mc:Fallback>
+      <p:transition spd="med">
+        <p:fade/>
+      </p:transition>
+    </mc:Fallback>
+  </mc:AlternateContent>
+</p:sld>
+</file>
+
+<file path=ppt/slides/slide18.xml><?xml version="1.0" encoding="utf-8"?>
 <p:sld xmlns:a="http://schemas.openxmlformats.org/drawingml/2006/main" xmlns:r="http://schemas.openxmlformats.org/officeDocument/2006/relationships" xmlns:p="http://schemas.openxmlformats.org/presentationml/2006/main">
   <p:cSld>
     <p:spTree>
@@ -7221,6 +7919,18 @@
   <p:clrMapOvr>
     <a:masterClrMapping/>
   </p:clrMapOvr>
+  <mc:AlternateContent xmlns:mc="http://schemas.openxmlformats.org/markup-compatibility/2006">
+    <mc:Choice xmlns:p14="http://schemas.microsoft.com/office/powerpoint/2010/main" Requires="p14">
+      <p:transition spd="med" p14:dur="700">
+        <p:fade/>
+      </p:transition>
+    </mc:Choice>
+    <mc:Fallback>
+      <p:transition spd="med">
+        <p:fade/>
+      </p:transition>
+    </mc:Fallback>
+  </mc:AlternateContent>
   <p:timing>
     <p:tnLst>
       <p:par>
@@ -7265,7 +7975,11 @@
           <a:p>
             <a:r>
               <a:rPr lang="sv-SE" dirty="0" smtClean="0"/>
-              <a:t>Motivation for mocking</a:t>
+              <a:t>Motivation for </a:t>
+            </a:r>
+            <a:r>
+              <a:rPr lang="sv-SE" dirty="0" smtClean="0"/>
+              <a:t>mocks and stubs</a:t>
             </a:r>
             <a:endParaRPr lang="sv-SE" dirty="0"/>
           </a:p>
@@ -7292,7 +8006,65 @@
                   <a:schemeClr val="tx1"/>
                 </a:solidFill>
               </a:rPr>
-              <a:t>One problematic case</a:t>
+              <a:t>How do you test</a:t>
+            </a:r>
+          </a:p>
+          <a:p>
+            <a:pPr marL="457200" indent="-457200">
+              <a:buFont typeface="Arial" panose="020B0604020202020204" pitchFamily="34" charset="0"/>
+              <a:buChar char="•"/>
+            </a:pPr>
+            <a:r>
+              <a:rPr lang="sv-SE" dirty="0">
+                <a:solidFill>
+                  <a:schemeClr val="tx1"/>
+                </a:solidFill>
+              </a:rPr>
+              <a:t>y</a:t>
+            </a:r>
+            <a:r>
+              <a:rPr lang="sv-SE" dirty="0" smtClean="0">
+                <a:solidFill>
+                  <a:schemeClr val="tx1"/>
+                </a:solidFill>
+              </a:rPr>
+              <a:t>et unimplemented modules?</a:t>
+            </a:r>
+          </a:p>
+          <a:p>
+            <a:pPr marL="457200" indent="-457200">
+              <a:buFont typeface="Arial" panose="020B0604020202020204" pitchFamily="34" charset="0"/>
+              <a:buChar char="•"/>
+            </a:pPr>
+            <a:r>
+              <a:rPr lang="sv-SE" dirty="0" smtClean="0">
+                <a:solidFill>
+                  <a:schemeClr val="tx1"/>
+                </a:solidFill>
+              </a:rPr>
+              <a:t>exceptional conditions?</a:t>
+            </a:r>
+          </a:p>
+          <a:p>
+            <a:pPr marL="457200" indent="-457200">
+              <a:buFont typeface="Arial" panose="020B0604020202020204" pitchFamily="34" charset="0"/>
+              <a:buChar char="•"/>
+            </a:pPr>
+            <a:r>
+              <a:rPr lang="sv-SE" dirty="0">
+                <a:solidFill>
+                  <a:schemeClr val="tx1"/>
+                </a:solidFill>
+              </a:rPr>
+              <a:t>e</a:t>
+            </a:r>
+            <a:r>
+              <a:rPr lang="sv-SE" dirty="0" smtClean="0">
+                <a:solidFill>
+                  <a:schemeClr val="tx1"/>
+                </a:solidFill>
+              </a:rPr>
+              <a:t>xternal dependencies?</a:t>
             </a:r>
             <a:endParaRPr lang="sv-SE" dirty="0">
               <a:solidFill>
@@ -7312,13 +8084,13 @@
   <p:clrMapOvr>
     <a:masterClrMapping/>
   </p:clrMapOvr>
-  <mc:AlternateContent xmlns:mc="http://schemas.openxmlformats.org/markup-compatibility/2006" xmlns:p14="http://schemas.microsoft.com/office/powerpoint/2010/main">
-    <mc:Choice Requires="p14">
+  <mc:AlternateContent xmlns:mc="http://schemas.openxmlformats.org/markup-compatibility/2006">
+    <mc:Choice xmlns:p14="http://schemas.microsoft.com/office/powerpoint/2010/main" Requires="p14">
       <p:transition spd="med" p14:dur="700">
         <p:fade/>
       </p:transition>
     </mc:Choice>
-    <mc:Fallback xmlns="">
+    <mc:Fallback>
       <p:transition spd="med">
         <p:fade/>
       </p:transition>
@@ -7384,18 +8156,31 @@
             <p:ph idx="1"/>
           </p:nvPr>
         </p:nvSpPr>
-        <p:spPr/>
+        <p:spPr>
+          <a:xfrm>
+            <a:off x="457200" y="1620720"/>
+            <a:ext cx="8229600" cy="4400568"/>
+          </a:xfrm>
+        </p:spPr>
         <p:txBody>
           <a:bodyPr/>
           <a:lstStyle/>
           <a:p>
             <a:r>
+              <a:rPr lang="sv-SE" b="1" dirty="0" smtClean="0">
+                <a:solidFill>
+                  <a:schemeClr val="tx1"/>
+                </a:solidFill>
+              </a:rPr>
+              <a:t>Mock</a:t>
+            </a:r>
+            <a:r>
               <a:rPr lang="sv-SE" dirty="0" smtClean="0">
                 <a:solidFill>
                   <a:schemeClr val="tx1"/>
                 </a:solidFill>
               </a:rPr>
-              <a:t>Mock object:</a:t>
+              <a:t> object:</a:t>
             </a:r>
           </a:p>
           <a:p>
@@ -7422,17 +8207,49 @@
                   <a:schemeClr val="tx1"/>
                 </a:solidFill>
               </a:rPr>
-              <a:t>Useful for verifying application flow.</a:t>
-            </a:r>
-          </a:p>
-          <a:p>
+              <a:t>Useful for </a:t>
+            </a:r>
             <a:r>
               <a:rPr lang="sv-SE" dirty="0" smtClean="0">
                 <a:solidFill>
                   <a:schemeClr val="tx1"/>
                 </a:solidFill>
               </a:rPr>
-              <a:t>Methods return null, 0, false etc.</a:t>
+              <a:t>recording and verifying </a:t>
+            </a:r>
+            <a:r>
+              <a:rPr lang="sv-SE" dirty="0" smtClean="0">
+                <a:solidFill>
+                  <a:schemeClr val="tx1"/>
+                </a:solidFill>
+              </a:rPr>
+              <a:t>application </a:t>
+            </a:r>
+            <a:r>
+              <a:rPr lang="sv-SE" dirty="0" smtClean="0">
+                <a:solidFill>
+                  <a:schemeClr val="tx1"/>
+                </a:solidFill>
+              </a:rPr>
+              <a:t>flow. </a:t>
+            </a:r>
+          </a:p>
+          <a:p>
+            <a:r>
+              <a:rPr lang="sv-SE" dirty="0" smtClean="0">
+                <a:solidFill>
+                  <a:schemeClr val="tx1"/>
+                </a:solidFill>
+              </a:rPr>
+              <a:t>Methods </a:t>
+            </a:r>
+            <a:r>
+              <a:rPr lang="sv-SE" dirty="0" smtClean="0">
+                <a:solidFill>
+                  <a:schemeClr val="tx1"/>
+                </a:solidFill>
+              </a:rPr>
+              <a:t>return null, 0, false etc.</a:t>
             </a:r>
           </a:p>
           <a:p>
@@ -7461,6 +8278,25 @@
   <p:clrMapOvr>
     <a:masterClrMapping/>
   </p:clrMapOvr>
+  <mc:AlternateContent xmlns:mc="http://schemas.openxmlformats.org/markup-compatibility/2006">
+    <mc:Choice xmlns:p14="http://schemas.microsoft.com/office/powerpoint/2010/main" Requires="p14">
+      <p:transition spd="med" p14:dur="700">
+        <p:fade/>
+      </p:transition>
+    </mc:Choice>
+    <mc:Fallback>
+      <p:transition spd="med">
+        <p:fade/>
+      </p:transition>
+    </mc:Fallback>
+  </mc:AlternateContent>
+  <p:timing>
+    <p:tnLst>
+      <p:par>
+        <p:cTn id="1" dur="indefinite" restart="never" nodeType="tmRoot"/>
+      </p:par>
+    </p:tnLst>
+  </p:timing>
 </p:sld>
 </file>
 
@@ -7520,25 +8356,21 @@
           <a:lstStyle/>
           <a:p>
             <a:r>
+              <a:rPr lang="sv-SE" b="1" dirty="0" smtClean="0">
+                <a:solidFill>
+                  <a:schemeClr val="tx1"/>
+                </a:solidFill>
+              </a:rPr>
+              <a:t>Stub</a:t>
+            </a:r>
+            <a:r>
               <a:rPr lang="sv-SE" dirty="0" smtClean="0">
                 <a:solidFill>
                   <a:schemeClr val="tx1"/>
                 </a:solidFill>
               </a:rPr>
-              <a:t>Stub object:</a:t>
-            </a:r>
-          </a:p>
-          <a:p>
-            <a:r>
-              <a:rPr lang="sv-SE" i="1" dirty="0" smtClean="0">
-                <a:solidFill>
-                  <a:schemeClr val="tx1"/>
-                </a:solidFill>
-              </a:rPr>
-              <a:t>Placeholder for real object that returns specified values on invocation.</a:t>
-            </a:r>
-          </a:p>
-          <a:p>
+              <a:t>:</a:t>
+            </a:r>
             <a:endParaRPr lang="sv-SE" dirty="0" smtClean="0">
               <a:solidFill>
                 <a:schemeClr val="tx1"/>
@@ -7547,12 +8379,45 @@
           </a:p>
           <a:p>
             <a:r>
+              <a:rPr lang="sv-SE" i="1" dirty="0" smtClean="0">
+                <a:solidFill>
+                  <a:schemeClr val="tx1"/>
+                </a:solidFill>
+              </a:rPr>
+              <a:t>Placeholder for real object that returns specified values on invocation.</a:t>
+            </a:r>
+          </a:p>
+          <a:p>
+            <a:endParaRPr lang="sv-SE" dirty="0" smtClean="0">
+              <a:solidFill>
+                <a:schemeClr val="tx1"/>
+              </a:solidFill>
+            </a:endParaRPr>
+          </a:p>
+          <a:p>
+            <a:r>
               <a:rPr lang="sv-SE" dirty="0" smtClean="0">
                 <a:solidFill>
                   <a:schemeClr val="tx1"/>
                 </a:solidFill>
               </a:rPr>
-              <a:t>Useful for simulating specific application/device states.</a:t>
+              <a:t>Useful for simulating specific </a:t>
+            </a:r>
+            <a:r>
+              <a:rPr lang="sv-SE" dirty="0" smtClean="0">
+                <a:solidFill>
+                  <a:schemeClr val="tx1"/>
+                </a:solidFill>
+              </a:rPr>
+              <a:t>application / device </a:t>
+            </a:r>
+            <a:r>
+              <a:rPr lang="sv-SE" dirty="0" smtClean="0">
+                <a:solidFill>
+                  <a:schemeClr val="tx1"/>
+                </a:solidFill>
+              </a:rPr>
+              <a:t>states.</a:t>
             </a:r>
             <a:endParaRPr lang="sv-SE" dirty="0">
               <a:solidFill>
@@ -7572,6 +8437,25 @@
   <p:clrMapOvr>
     <a:masterClrMapping/>
   </p:clrMapOvr>
+  <mc:AlternateContent xmlns:mc="http://schemas.openxmlformats.org/markup-compatibility/2006">
+    <mc:Choice xmlns:p14="http://schemas.microsoft.com/office/powerpoint/2010/main" Requires="p14">
+      <p:transition spd="med" p14:dur="700">
+        <p:fade/>
+      </p:transition>
+    </mc:Choice>
+    <mc:Fallback>
+      <p:transition spd="med">
+        <p:fade/>
+      </p:transition>
+    </mc:Fallback>
+  </mc:AlternateContent>
+  <p:timing>
+    <p:tnLst>
+      <p:par>
+        <p:cTn id="1" dur="indefinite" restart="never" nodeType="tmRoot"/>
+      </p:par>
+    </p:tnLst>
+  </p:timing>
 </p:sld>
 </file>
 
@@ -7865,6 +8749,25 @@
   <p:clrMapOvr>
     <a:masterClrMapping/>
   </p:clrMapOvr>
+  <mc:AlternateContent xmlns:mc="http://schemas.openxmlformats.org/markup-compatibility/2006">
+    <mc:Choice xmlns:p14="http://schemas.microsoft.com/office/powerpoint/2010/main" Requires="p14">
+      <p:transition spd="med" p14:dur="700">
+        <p:fade/>
+      </p:transition>
+    </mc:Choice>
+    <mc:Fallback>
+      <p:transition spd="med">
+        <p:fade/>
+      </p:transition>
+    </mc:Fallback>
+  </mc:AlternateContent>
+  <p:timing>
+    <p:tnLst>
+      <p:par>
+        <p:cTn id="1" dur="indefinite" restart="never" nodeType="tmRoot"/>
+      </p:par>
+    </p:tnLst>
+  </p:timing>
 </p:sld>
 </file>
 
@@ -8043,17 +8946,7 @@
                 <a:latin typeface="Courier New" panose="02070309020205020404" pitchFamily="49" charset="0"/>
                 <a:cs typeface="Courier New" panose="02070309020205020404" pitchFamily="49" charset="0"/>
               </a:rPr>
-              <a:t> </a:t>
-            </a:r>
-            <a:r>
-              <a:rPr lang="sv-SE" sz="2400" dirty="0" smtClean="0">
-                <a:solidFill>
-                  <a:schemeClr val="tx1"/>
-                </a:solidFill>
-                <a:latin typeface="Courier New" panose="02070309020205020404" pitchFamily="49" charset="0"/>
-                <a:cs typeface="Courier New" panose="02070309020205020404" pitchFamily="49" charset="0"/>
-              </a:rPr>
-              <a:t>.</a:t>
+              <a:t> .</a:t>
             </a:r>
             <a:r>
               <a:rPr lang="sv-SE" sz="2400" dirty="0">
@@ -8084,27 +8977,12 @@
             </a:endParaRPr>
           </a:p>
           <a:p>
-            <a:endParaRPr lang="sv-SE" sz="2400" dirty="0">
+            <a:endParaRPr lang="sv-SE" sz="2400" dirty="0" smtClean="0">
               <a:solidFill>
                 <a:schemeClr val="tx1"/>
               </a:solidFill>
               <a:latin typeface="Courier New" panose="02070309020205020404" pitchFamily="49" charset="0"/>
               <a:cs typeface="Courier New" panose="02070309020205020404" pitchFamily="49" charset="0"/>
-            </a:endParaRPr>
-          </a:p>
-          <a:p>
-            <a:r>
-              <a:rPr lang="sv-SE" dirty="0" smtClean="0">
-                <a:solidFill>
-                  <a:srgbClr val="FF0000"/>
-                </a:solidFill>
-              </a:rPr>
-              <a:t>getString() final</a:t>
-            </a:r>
-            <a:endParaRPr lang="sv-SE" dirty="0">
-              <a:solidFill>
-                <a:srgbClr val="FF0000"/>
-              </a:solidFill>
             </a:endParaRPr>
           </a:p>
         </p:txBody>
@@ -8119,6 +8997,25 @@
   <p:clrMapOvr>
     <a:masterClrMapping/>
   </p:clrMapOvr>
+  <mc:AlternateContent xmlns:mc="http://schemas.openxmlformats.org/markup-compatibility/2006">
+    <mc:Choice xmlns:p14="http://schemas.microsoft.com/office/powerpoint/2010/main" Requires="p14">
+      <p:transition spd="med" p14:dur="700">
+        <p:fade/>
+      </p:transition>
+    </mc:Choice>
+    <mc:Fallback>
+      <p:transition spd="med">
+        <p:fade/>
+      </p:transition>
+    </mc:Fallback>
+  </mc:AlternateContent>
+  <p:timing>
+    <p:tnLst>
+      <p:par>
+        <p:cTn id="1" dur="indefinite" restart="never" nodeType="tmRoot"/>
+      </p:par>
+    </p:tnLst>
+  </p:timing>
 </p:sld>
 </file>
 
@@ -8282,6 +9179,25 @@
   <p:clrMapOvr>
     <a:masterClrMapping/>
   </p:clrMapOvr>
+  <mc:AlternateContent xmlns:mc="http://schemas.openxmlformats.org/markup-compatibility/2006">
+    <mc:Choice xmlns:p14="http://schemas.microsoft.com/office/powerpoint/2010/main" Requires="p14">
+      <p:transition spd="med" p14:dur="700">
+        <p:fade/>
+      </p:transition>
+    </mc:Choice>
+    <mc:Fallback>
+      <p:transition spd="med">
+        <p:fade/>
+      </p:transition>
+    </mc:Fallback>
+  </mc:AlternateContent>
+  <p:timing>
+    <p:tnLst>
+      <p:par>
+        <p:cTn id="1" dur="indefinite" restart="never" nodeType="tmRoot"/>
+      </p:par>
+    </p:tnLst>
+  </p:timing>
 </p:sld>
 </file>
 
@@ -8511,17 +9427,7 @@
                 <a:latin typeface="Courier New" panose="02070309020205020404" pitchFamily="49" charset="0"/>
                 <a:cs typeface="Courier New" panose="02070309020205020404" pitchFamily="49" charset="0"/>
               </a:rPr>
-              <a:t>, never()).</a:t>
-            </a:r>
-            <a:r>
-              <a:rPr lang="sv-SE" sz="2400" dirty="0" smtClean="0">
-                <a:solidFill>
-                  <a:schemeClr val="tx1"/>
-                </a:solidFill>
-                <a:latin typeface="Courier New" panose="02070309020205020404" pitchFamily="49" charset="0"/>
-                <a:cs typeface="Courier New" panose="02070309020205020404" pitchFamily="49" charset="0"/>
-              </a:rPr>
-              <a:t>getAssets(); </a:t>
+              <a:t>, never()).getAssets(); </a:t>
             </a:r>
             <a:r>
               <a:rPr lang="sv-SE" b="1" dirty="0">
@@ -8667,6 +9573,25 @@
   <p:clrMapOvr>
     <a:masterClrMapping/>
   </p:clrMapOvr>
+  <mc:AlternateContent xmlns:mc="http://schemas.openxmlformats.org/markup-compatibility/2006">
+    <mc:Choice xmlns:p14="http://schemas.microsoft.com/office/powerpoint/2010/main" Requires="p14">
+      <p:transition spd="med" p14:dur="700">
+        <p:fade/>
+      </p:transition>
+    </mc:Choice>
+    <mc:Fallback>
+      <p:transition spd="med">
+        <p:fade/>
+      </p:transition>
+    </mc:Fallback>
+  </mc:AlternateContent>
+  <p:timing>
+    <p:tnLst>
+      <p:par>
+        <p:cTn id="1" dur="indefinite" restart="never" nodeType="tmRoot"/>
+      </p:par>
+    </p:tnLst>
+  </p:timing>
 </p:sld>
 </file>
 
@@ -8956,6 +9881,25 @@
   <p:clrMapOvr>
     <a:masterClrMapping/>
   </p:clrMapOvr>
+  <mc:AlternateContent xmlns:mc="http://schemas.openxmlformats.org/markup-compatibility/2006">
+    <mc:Choice xmlns:p14="http://schemas.microsoft.com/office/powerpoint/2010/main" Requires="p14">
+      <p:transition spd="med" p14:dur="700">
+        <p:fade/>
+      </p:transition>
+    </mc:Choice>
+    <mc:Fallback>
+      <p:transition spd="med">
+        <p:fade/>
+      </p:transition>
+    </mc:Fallback>
+  </mc:AlternateContent>
+  <p:timing>
+    <p:tnLst>
+      <p:par>
+        <p:cTn id="1" dur="indefinite" restart="never" nodeType="tmRoot"/>
+      </p:par>
+    </p:tnLst>
+  </p:timing>
 </p:sld>
 </file>
 

--- a/mockito-presentation.pptx
+++ b/mockito-presentation.pptx
@@ -6,10 +6,10 @@
     <p:sldMasterId id="2147483682" r:id="rId2"/>
   </p:sldMasterIdLst>
   <p:notesMasterIdLst>
-    <p:notesMasterId r:id="rId21"/>
+    <p:notesMasterId r:id="rId22"/>
   </p:notesMasterIdLst>
   <p:handoutMasterIdLst>
-    <p:handoutMasterId r:id="rId22"/>
+    <p:handoutMasterId r:id="rId23"/>
   </p:handoutMasterIdLst>
   <p:sldIdLst>
     <p:sldId id="259" r:id="rId3"/>
@@ -20,16 +20,17 @@
     <p:sldId id="263" r:id="rId8"/>
     <p:sldId id="272" r:id="rId9"/>
     <p:sldId id="264" r:id="rId10"/>
-    <p:sldId id="265" r:id="rId11"/>
-    <p:sldId id="266" r:id="rId12"/>
-    <p:sldId id="271" r:id="rId13"/>
-    <p:sldId id="273" r:id="rId14"/>
-    <p:sldId id="274" r:id="rId15"/>
-    <p:sldId id="267" r:id="rId16"/>
-    <p:sldId id="268" r:id="rId17"/>
-    <p:sldId id="269" r:id="rId18"/>
-    <p:sldId id="275" r:id="rId19"/>
-    <p:sldId id="257" r:id="rId20"/>
+    <p:sldId id="276" r:id="rId11"/>
+    <p:sldId id="265" r:id="rId12"/>
+    <p:sldId id="266" r:id="rId13"/>
+    <p:sldId id="271" r:id="rId14"/>
+    <p:sldId id="273" r:id="rId15"/>
+    <p:sldId id="274" r:id="rId16"/>
+    <p:sldId id="267" r:id="rId17"/>
+    <p:sldId id="268" r:id="rId18"/>
+    <p:sldId id="269" r:id="rId19"/>
+    <p:sldId id="275" r:id="rId20"/>
+    <p:sldId id="257" r:id="rId21"/>
   </p:sldIdLst>
   <p:sldSz cx="9144000" cy="6858000" type="screen4x3"/>
   <p:notesSz cx="6858000" cy="9144000"/>
@@ -244,7 +245,7 @@
             <a:fld id="{7FF124E7-E08C-4A1F-B4FC-72D6609097A9}" type="datetimeFigureOut">
               <a:rPr lang="en-US" smtClean="0"/>
               <a:pPr/>
-              <a:t>4/7/2014</a:t>
+              <a:t>4/8/2014</a:t>
             </a:fld>
             <a:endParaRPr lang="en-US"/>
           </a:p>
@@ -411,7 +412,7 @@
             <a:fld id="{C754077B-E038-4881-9183-8AE27FD3E7C1}" type="datetimeFigureOut">
               <a:rPr lang="en-US" smtClean="0"/>
               <a:pPr/>
-              <a:t>4/7/2014</a:t>
+              <a:t>4/8/2014</a:t>
             </a:fld>
             <a:endParaRPr lang="en-US"/>
           </a:p>
@@ -716,7 +717,7 @@
           <a:p>
             <a:fld id="{BB2F15DA-CD26-4F10-A17A-669B0BE31A12}" type="datetime1">
               <a:rPr lang="sv-SE" smtClean="0"/>
-              <a:t>2014-04-07</a:t>
+              <a:t>2014-04-08</a:t>
             </a:fld>
             <a:endParaRPr lang="en-US" dirty="0"/>
           </a:p>
@@ -901,18 +902,9 @@
   <p:clrMapOvr>
     <a:masterClrMapping/>
   </p:clrMapOvr>
-  <mc:AlternateContent xmlns:mc="http://schemas.openxmlformats.org/markup-compatibility/2006">
-    <mc:Choice xmlns:p14="http://schemas.microsoft.com/office/powerpoint/2010/main" Requires="p14">
-      <p:transition spd="med" p14:dur="700">
-        <p:fade/>
-      </p:transition>
-    </mc:Choice>
-    <mc:Fallback>
-      <p:transition spd="med">
-        <p:fade/>
-      </p:transition>
-    </mc:Fallback>
-  </mc:AlternateContent>
+  <p:transition>
+    <p:fade/>
+  </p:transition>
   <p:timing>
     <p:tnLst>
       <p:par>
@@ -957,7 +949,7 @@
           <a:p>
             <a:fld id="{E1107469-0E63-45AD-82AB-6878B61403D7}" type="datetime1">
               <a:rPr lang="sv-SE" smtClean="0"/>
-              <a:t>2014-04-07</a:t>
+              <a:t>2014-04-08</a:t>
             </a:fld>
             <a:endParaRPr lang="en-US"/>
           </a:p>
@@ -1753,18 +1745,9 @@
   <p:clrMapOvr>
     <a:masterClrMapping/>
   </p:clrMapOvr>
-  <mc:AlternateContent xmlns:mc="http://schemas.openxmlformats.org/markup-compatibility/2006">
-    <mc:Choice xmlns:p14="http://schemas.microsoft.com/office/powerpoint/2010/main" Requires="p14">
-      <p:transition spd="med" p14:dur="700">
-        <p:fade/>
-      </p:transition>
-    </mc:Choice>
-    <mc:Fallback>
-      <p:transition spd="med">
-        <p:fade/>
-      </p:transition>
-    </mc:Fallback>
-  </mc:AlternateContent>
+  <p:transition>
+    <p:fade/>
+  </p:transition>
   <p:timing>
     <p:tnLst>
       <p:par>
@@ -1809,7 +1792,7 @@
           <a:p>
             <a:fld id="{0138D373-B218-4ABB-A23B-B4E288587143}" type="datetime1">
               <a:rPr lang="sv-SE" smtClean="0"/>
-              <a:t>2014-04-07</a:t>
+              <a:t>2014-04-08</a:t>
             </a:fld>
             <a:endParaRPr lang="en-US"/>
           </a:p>
@@ -1942,18 +1925,9 @@
   <p:clrMapOvr>
     <a:masterClrMapping/>
   </p:clrMapOvr>
-  <mc:AlternateContent xmlns:mc="http://schemas.openxmlformats.org/markup-compatibility/2006">
-    <mc:Choice xmlns:p14="http://schemas.microsoft.com/office/powerpoint/2010/main" Requires="p14">
-      <p:transition spd="med" p14:dur="700">
-        <p:fade/>
-      </p:transition>
-    </mc:Choice>
-    <mc:Fallback>
-      <p:transition spd="med">
-        <p:fade/>
-      </p:transition>
-    </mc:Fallback>
-  </mc:AlternateContent>
+  <p:transition>
+    <p:fade/>
+  </p:transition>
   <p:timing>
     <p:tnLst>
       <p:par>
@@ -1998,7 +1972,7 @@
           <a:p>
             <a:fld id="{6304F3B4-786D-4A21-8A4B-CB2908F0DF2A}" type="datetime1">
               <a:rPr lang="sv-SE" smtClean="0"/>
-              <a:t>2014-04-07</a:t>
+              <a:t>2014-04-08</a:t>
             </a:fld>
             <a:endParaRPr lang="en-US"/>
           </a:p>
@@ -2236,18 +2210,9 @@
   <p:clrMapOvr>
     <a:masterClrMapping/>
   </p:clrMapOvr>
-  <mc:AlternateContent xmlns:mc="http://schemas.openxmlformats.org/markup-compatibility/2006">
-    <mc:Choice xmlns:p14="http://schemas.microsoft.com/office/powerpoint/2010/main" Requires="p14">
-      <p:transition spd="med" p14:dur="700">
-        <p:fade/>
-      </p:transition>
-    </mc:Choice>
-    <mc:Fallback>
-      <p:transition spd="med">
-        <p:fade/>
-      </p:transition>
-    </mc:Fallback>
-  </mc:AlternateContent>
+  <p:transition>
+    <p:fade/>
+  </p:transition>
   <p:timing>
     <p:tnLst>
       <p:par>
@@ -2292,7 +2257,7 @@
           <a:p>
             <a:fld id="{96701F8D-F9AE-40A4-9E3F-8179E4F6EB7F}" type="datetime1">
               <a:rPr lang="sv-SE" smtClean="0"/>
-              <a:t>2014-04-07</a:t>
+              <a:t>2014-04-08</a:t>
             </a:fld>
             <a:endParaRPr lang="en-US"/>
           </a:p>
@@ -2356,18 +2321,9 @@
   <p:clrMapOvr>
     <a:masterClrMapping/>
   </p:clrMapOvr>
-  <mc:AlternateContent xmlns:mc="http://schemas.openxmlformats.org/markup-compatibility/2006">
-    <mc:Choice xmlns:p14="http://schemas.microsoft.com/office/powerpoint/2010/main" Requires="p14">
-      <p:transition spd="med" p14:dur="700">
-        <p:fade/>
-      </p:transition>
-    </mc:Choice>
-    <mc:Fallback>
-      <p:transition spd="med">
-        <p:fade/>
-      </p:transition>
-    </mc:Fallback>
-  </mc:AlternateContent>
+  <p:transition>
+    <p:fade/>
+  </p:transition>
   <p:timing>
     <p:tnLst>
       <p:par>
@@ -2455,7 +2411,7 @@
           <a:p>
             <a:fld id="{B6EDA5A2-2229-4195-B779-AC8887551CA9}" type="datetime1">
               <a:rPr lang="sv-SE" smtClean="0"/>
-              <a:t>2014-04-07</a:t>
+              <a:t>2014-04-08</a:t>
             </a:fld>
             <a:endParaRPr lang="en-US"/>
           </a:p>
@@ -2607,18 +2563,9 @@
   <p:clrMapOvr>
     <a:masterClrMapping/>
   </p:clrMapOvr>
-  <mc:AlternateContent xmlns:mc="http://schemas.openxmlformats.org/markup-compatibility/2006">
-    <mc:Choice xmlns:p14="http://schemas.microsoft.com/office/powerpoint/2010/main" Requires="p14">
-      <p:transition spd="med" p14:dur="700">
-        <p:fade/>
-      </p:transition>
-    </mc:Choice>
-    <mc:Fallback>
-      <p:transition spd="med">
-        <p:fade/>
-      </p:transition>
-    </mc:Fallback>
-  </mc:AlternateContent>
+  <p:transition>
+    <p:fade/>
+  </p:transition>
   <p:timing>
     <p:tnLst>
       <p:par>
@@ -2663,7 +2610,7 @@
           <a:p>
             <a:fld id="{7B78EC91-18F0-438E-82D6-612BE058332E}" type="datetime1">
               <a:rPr lang="sv-SE" smtClean="0"/>
-              <a:t>2014-04-07</a:t>
+              <a:t>2014-04-08</a:t>
             </a:fld>
             <a:endParaRPr lang="en-US"/>
           </a:p>
@@ -3035,18 +2982,9 @@
   <p:clrMapOvr>
     <a:masterClrMapping/>
   </p:clrMapOvr>
-  <mc:AlternateContent xmlns:mc="http://schemas.openxmlformats.org/markup-compatibility/2006">
-    <mc:Choice xmlns:p14="http://schemas.microsoft.com/office/powerpoint/2010/main" Requires="p14">
-      <p:transition spd="med" p14:dur="700">
-        <p:fade/>
-      </p:transition>
-    </mc:Choice>
-    <mc:Fallback>
-      <p:transition spd="med">
-        <p:fade/>
-      </p:transition>
-    </mc:Fallback>
-  </mc:AlternateContent>
+  <p:transition>
+    <p:fade/>
+  </p:transition>
   <p:timing>
     <p:tnLst>
       <p:par>
@@ -3114,7 +3052,7 @@
           <a:p>
             <a:fld id="{C7FE8BB7-FDC7-44CE-A088-E22F788EE23C}" type="datetime1">
               <a:rPr lang="sv-SE" smtClean="0"/>
-              <a:t>2014-04-07</a:t>
+              <a:t>2014-04-08</a:t>
             </a:fld>
             <a:endParaRPr lang="en-US"/>
           </a:p>
@@ -3154,18 +3092,9 @@
   <p:clrMapOvr>
     <a:masterClrMapping/>
   </p:clrMapOvr>
-  <mc:AlternateContent xmlns:mc="http://schemas.openxmlformats.org/markup-compatibility/2006">
-    <mc:Choice xmlns:p14="http://schemas.microsoft.com/office/powerpoint/2010/main" Requires="p14">
-      <p:transition spd="med" p14:dur="700">
-        <p:fade/>
-      </p:transition>
-    </mc:Choice>
-    <mc:Fallback>
-      <p:transition spd="med">
-        <p:fade/>
-      </p:transition>
-    </mc:Fallback>
-  </mc:AlternateContent>
+  <p:transition>
+    <p:fade/>
+  </p:transition>
   <p:timing>
     <p:tnLst>
       <p:par>
@@ -3210,7 +3139,7 @@
           <a:p>
             <a:fld id="{EB6EE6DF-F95C-4D95-BC06-A14C6431D141}" type="datetime1">
               <a:rPr lang="sv-SE" smtClean="0"/>
-              <a:t>2014-04-07</a:t>
+              <a:t>2014-04-08</a:t>
             </a:fld>
             <a:endParaRPr lang="en-US"/>
           </a:p>
@@ -3432,18 +3361,9 @@
   <p:clrMapOvr>
     <a:masterClrMapping/>
   </p:clrMapOvr>
-  <mc:AlternateContent xmlns:mc="http://schemas.openxmlformats.org/markup-compatibility/2006">
-    <mc:Choice xmlns:p14="http://schemas.microsoft.com/office/powerpoint/2010/main" Requires="p14">
-      <p:transition spd="med" p14:dur="700">
-        <p:fade/>
-      </p:transition>
-    </mc:Choice>
-    <mc:Fallback>
-      <p:transition spd="med">
-        <p:fade/>
-      </p:transition>
-    </mc:Fallback>
-  </mc:AlternateContent>
+  <p:transition>
+    <p:fade/>
+  </p:transition>
   <p:timing>
     <p:tnLst>
       <p:par>
@@ -3488,7 +3408,7 @@
           <a:p>
             <a:fld id="{8149B227-7C22-4D7C-87D3-8A25707A5B3D}" type="datetime1">
               <a:rPr lang="sv-SE" smtClean="0"/>
-              <a:t>2014-04-07</a:t>
+              <a:t>2014-04-08</a:t>
             </a:fld>
             <a:endParaRPr lang="en-US" dirty="0"/>
           </a:p>
@@ -3649,18 +3569,9 @@
   <p:clrMapOvr>
     <a:masterClrMapping/>
   </p:clrMapOvr>
-  <mc:AlternateContent xmlns:mc="http://schemas.openxmlformats.org/markup-compatibility/2006">
-    <mc:Choice xmlns:p14="http://schemas.microsoft.com/office/powerpoint/2010/main" Requires="p14">
-      <p:transition spd="med" p14:dur="700">
-        <p:fade/>
-      </p:transition>
-    </mc:Choice>
-    <mc:Fallback>
-      <p:transition spd="med">
-        <p:fade/>
-      </p:transition>
-    </mc:Fallback>
-  </mc:AlternateContent>
+  <p:transition>
+    <p:fade/>
+  </p:transition>
   <p:timing>
     <p:tnLst>
       <p:par>
@@ -3705,7 +3616,7 @@
           <a:p>
             <a:fld id="{473B9B78-5BE3-4D5E-96C7-641B79BFB780}" type="datetime1">
               <a:rPr lang="sv-SE" smtClean="0"/>
-              <a:t>2014-04-07</a:t>
+              <a:t>2014-04-08</a:t>
             </a:fld>
             <a:endParaRPr lang="en-US" dirty="0"/>
           </a:p>
@@ -3769,18 +3680,9 @@
   <p:clrMapOvr>
     <a:masterClrMapping/>
   </p:clrMapOvr>
-  <mc:AlternateContent xmlns:mc="http://schemas.openxmlformats.org/markup-compatibility/2006">
-    <mc:Choice xmlns:p14="http://schemas.microsoft.com/office/powerpoint/2010/main" Requires="p14">
-      <p:transition spd="med" p14:dur="700">
-        <p:fade/>
-      </p:transition>
-    </mc:Choice>
-    <mc:Fallback>
-      <p:transition spd="med">
-        <p:fade/>
-      </p:transition>
-    </mc:Fallback>
-  </mc:AlternateContent>
+  <p:transition>
+    <p:fade/>
+  </p:transition>
   <p:timing>
     <p:tnLst>
       <p:par>
@@ -3825,7 +3727,7 @@
           <a:p>
             <a:fld id="{74EE0B27-396F-4399-A5C3-F89247484EDC}" type="datetime1">
               <a:rPr lang="sv-SE" smtClean="0"/>
-              <a:t>2014-04-07</a:t>
+              <a:t>2014-04-08</a:t>
             </a:fld>
             <a:endParaRPr lang="en-US" dirty="0"/>
           </a:p>
@@ -3961,18 +3863,9 @@
   <p:clrMapOvr>
     <a:masterClrMapping/>
   </p:clrMapOvr>
-  <mc:AlternateContent xmlns:mc="http://schemas.openxmlformats.org/markup-compatibility/2006">
-    <mc:Choice xmlns:p14="http://schemas.microsoft.com/office/powerpoint/2010/main" Requires="p14">
-      <p:transition spd="med" p14:dur="700">
-        <p:fade/>
-      </p:transition>
-    </mc:Choice>
-    <mc:Fallback>
-      <p:transition spd="med">
-        <p:fade/>
-      </p:transition>
-    </mc:Fallback>
-  </mc:AlternateContent>
+  <p:transition>
+    <p:fade/>
+  </p:transition>
   <p:timing>
     <p:tnLst>
       <p:par>
@@ -4017,7 +3910,7 @@
           <a:p>
             <a:fld id="{69ECEFFC-5899-414D-A895-DB8CD819531D}" type="datetime1">
               <a:rPr lang="sv-SE" smtClean="0"/>
-              <a:t>2014-04-07</a:t>
+              <a:t>2014-04-08</a:t>
             </a:fld>
             <a:endParaRPr lang="en-US" dirty="0"/>
           </a:p>
@@ -4295,18 +4188,9 @@
   <p:clrMapOvr>
     <a:masterClrMapping/>
   </p:clrMapOvr>
-  <mc:AlternateContent xmlns:mc="http://schemas.openxmlformats.org/markup-compatibility/2006">
-    <mc:Choice xmlns:p14="http://schemas.microsoft.com/office/powerpoint/2010/main" Requires="p14">
-      <p:transition spd="med" p14:dur="700">
-        <p:fade/>
-      </p:transition>
-    </mc:Choice>
-    <mc:Fallback>
-      <p:transition spd="med">
-        <p:fade/>
-      </p:transition>
-    </mc:Fallback>
-  </mc:AlternateContent>
+  <p:transition>
+    <p:fade/>
+  </p:transition>
   <p:timing>
     <p:tnLst>
       <p:par>
@@ -4351,7 +4235,7 @@
           <a:p>
             <a:fld id="{8C30DF56-5AFC-4D1F-A64B-10876D9B5A32}" type="datetime1">
               <a:rPr lang="sv-SE" smtClean="0"/>
-              <a:t>2014-04-07</a:t>
+              <a:t>2014-04-08</a:t>
             </a:fld>
             <a:endParaRPr lang="en-US" dirty="0"/>
           </a:p>
@@ -4771,18 +4655,9 @@
   <p:clrMapOvr>
     <a:masterClrMapping/>
   </p:clrMapOvr>
-  <mc:AlternateContent xmlns:mc="http://schemas.openxmlformats.org/markup-compatibility/2006">
-    <mc:Choice xmlns:p14="http://schemas.microsoft.com/office/powerpoint/2010/main" Requires="p14">
-      <p:transition spd="med" p14:dur="700">
-        <p:fade/>
-      </p:transition>
-    </mc:Choice>
-    <mc:Fallback>
-      <p:transition spd="med">
-        <p:fade/>
-      </p:transition>
-    </mc:Fallback>
-  </mc:AlternateContent>
+  <p:transition>
+    <p:fade/>
+  </p:transition>
   <p:timing>
     <p:tnLst>
       <p:par>
@@ -4850,7 +4725,7 @@
           <a:p>
             <a:fld id="{B50428A0-1002-4CB5-8581-CA0CD0B3AFF3}" type="datetime1">
               <a:rPr lang="sv-SE" smtClean="0"/>
-              <a:t>2014-04-07</a:t>
+              <a:t>2014-04-08</a:t>
             </a:fld>
             <a:endParaRPr lang="en-US" dirty="0"/>
           </a:p>
@@ -4890,18 +4765,9 @@
   <p:clrMapOvr>
     <a:masterClrMapping/>
   </p:clrMapOvr>
-  <mc:AlternateContent xmlns:mc="http://schemas.openxmlformats.org/markup-compatibility/2006">
-    <mc:Choice xmlns:p14="http://schemas.microsoft.com/office/powerpoint/2010/main" Requires="p14">
-      <p:transition spd="med" p14:dur="700">
-        <p:fade/>
-      </p:transition>
-    </mc:Choice>
-    <mc:Fallback>
-      <p:transition spd="med">
-        <p:fade/>
-      </p:transition>
-    </mc:Fallback>
-  </mc:AlternateContent>
+  <p:transition>
+    <p:fade/>
+  </p:transition>
   <p:timing>
     <p:tnLst>
       <p:par>
@@ -4946,7 +4812,7 @@
           <a:p>
             <a:fld id="{5D7E495D-B5D6-4A52-AEA7-47196AFA98DE}" type="datetime1">
               <a:rPr lang="sv-SE" smtClean="0"/>
-              <a:t>2014-04-07</a:t>
+              <a:t>2014-04-08</a:t>
             </a:fld>
             <a:endParaRPr lang="en-US" dirty="0"/>
           </a:p>
@@ -5192,18 +5058,9 @@
   <p:clrMapOvr>
     <a:masterClrMapping/>
   </p:clrMapOvr>
-  <mc:AlternateContent xmlns:mc="http://schemas.openxmlformats.org/markup-compatibility/2006">
-    <mc:Choice xmlns:p14="http://schemas.microsoft.com/office/powerpoint/2010/main" Requires="p14">
-      <p:transition spd="med" p14:dur="700">
-        <p:fade/>
-      </p:transition>
-    </mc:Choice>
-    <mc:Fallback>
-      <p:transition spd="med">
-        <p:fade/>
-      </p:transition>
-    </mc:Fallback>
-  </mc:AlternateContent>
+  <p:transition>
+    <p:fade/>
+  </p:transition>
   <p:timing>
     <p:tnLst>
       <p:par>
@@ -5248,7 +5105,7 @@
           <a:p>
             <a:fld id="{BF7D7031-45D4-4926-932E-6F44239CD5BE}" type="datetime1">
               <a:rPr lang="sv-SE" smtClean="0"/>
-              <a:t>2014-04-07</a:t>
+              <a:t>2014-04-08</a:t>
             </a:fld>
             <a:endParaRPr lang="en-US"/>
           </a:p>
@@ -5433,18 +5290,9 @@
   <p:clrMapOvr>
     <a:masterClrMapping/>
   </p:clrMapOvr>
-  <mc:AlternateContent xmlns:mc="http://schemas.openxmlformats.org/markup-compatibility/2006">
-    <mc:Choice xmlns:p14="http://schemas.microsoft.com/office/powerpoint/2010/main" Requires="p14">
-      <p:transition spd="med" p14:dur="700">
-        <p:fade/>
-      </p:transition>
-    </mc:Choice>
-    <mc:Fallback>
-      <p:transition spd="med">
-        <p:fade/>
-      </p:transition>
-    </mc:Fallback>
-  </mc:AlternateContent>
+  <p:transition>
+    <p:fade/>
+  </p:transition>
   <p:timing>
     <p:tnLst>
       <p:par>
@@ -5617,7 +5465,7 @@
           <a:p>
             <a:fld id="{80A7162C-D27F-401C-977B-08D8D142632F}" type="datetime1">
               <a:rPr lang="sv-SE" smtClean="0"/>
-              <a:t>2014-04-07</a:t>
+              <a:t>2014-04-08</a:t>
             </a:fld>
             <a:endParaRPr lang="en-US" dirty="0"/>
           </a:p>
@@ -5681,18 +5529,9 @@
     <p:sldLayoutId id="2147483726" r:id="rId7"/>
     <p:sldLayoutId id="2147483727" r:id="rId8"/>
   </p:sldLayoutIdLst>
-  <mc:AlternateContent xmlns:mc="http://schemas.openxmlformats.org/markup-compatibility/2006">
-    <mc:Choice xmlns:p14="http://schemas.microsoft.com/office/powerpoint/2010/main" Requires="p14">
-      <p:transition spd="med" p14:dur="700">
-        <p:fade/>
-      </p:transition>
-    </mc:Choice>
-    <mc:Fallback>
-      <p:transition spd="med">
-        <p:fade/>
-      </p:transition>
-    </mc:Fallback>
-  </mc:AlternateContent>
+  <p:transition>
+    <p:fade/>
+  </p:transition>
   <p:timing>
     <p:tnLst>
       <p:par>
@@ -6155,7 +5994,7 @@
           <a:p>
             <a:fld id="{3712D359-8E67-4AAC-A073-790C6B99EA2E}" type="datetime1">
               <a:rPr lang="sv-SE" smtClean="0"/>
-              <a:t>2014-04-07</a:t>
+              <a:t>2014-04-08</a:t>
             </a:fld>
             <a:endParaRPr lang="en-US"/>
           </a:p>
@@ -6244,18 +6083,9 @@
     <p:sldLayoutId id="2147483735" r:id="rId8"/>
     <p:sldLayoutId id="2147483736" r:id="rId9"/>
   </p:sldLayoutIdLst>
-  <mc:AlternateContent xmlns:mc="http://schemas.openxmlformats.org/markup-compatibility/2006">
-    <mc:Choice xmlns:p14="http://schemas.microsoft.com/office/powerpoint/2010/main" Requires="p14">
-      <p:transition spd="med" p14:dur="700">
-        <p:fade/>
-      </p:transition>
-    </mc:Choice>
-    <mc:Fallback>
-      <p:transition spd="med">
-        <p:fade/>
-      </p:transition>
-    </mc:Fallback>
-  </mc:AlternateContent>
+  <p:transition>
+    <p:fade/>
+  </p:transition>
   <p:timing>
     <p:tnLst>
       <p:par>
@@ -6632,7 +6462,6 @@
               <a:rPr lang="sv-SE" dirty="0" smtClean="0"/>
               <a:t>Introduction to the Mockito library</a:t>
             </a:r>
-            <a:endParaRPr lang="sv-SE" dirty="0"/>
           </a:p>
         </p:txBody>
       </p:sp>
@@ -6646,18 +6475,9 @@
   <p:clrMapOvr>
     <a:masterClrMapping/>
   </p:clrMapOvr>
-  <mc:AlternateContent xmlns:mc="http://schemas.openxmlformats.org/markup-compatibility/2006">
-    <mc:Choice xmlns:p14="http://schemas.microsoft.com/office/powerpoint/2010/main" Requires="p14">
-      <p:transition spd="med" p14:dur="700">
-        <p:fade/>
-      </p:transition>
-    </mc:Choice>
-    <mc:Fallback>
-      <p:transition spd="med">
-        <p:fade/>
-      </p:transition>
-    </mc:Fallback>
-  </mc:AlternateContent>
+  <p:transition>
+    <p:fade/>
+  </p:transition>
   <p:timing>
     <p:tnLst>
       <p:par>
@@ -6702,7 +6522,7 @@
           <a:p>
             <a:r>
               <a:rPr lang="sv-SE" dirty="0" smtClean="0"/>
-              <a:t>Verify order</a:t>
+              <a:t>Verify no interactions</a:t>
             </a:r>
             <a:endParaRPr lang="sv-SE" dirty="0"/>
           </a:p>
@@ -6720,7 +6540,9 @@
         </p:nvSpPr>
         <p:spPr/>
         <p:txBody>
-          <a:bodyPr/>
+          <a:bodyPr>
+            <a:normAutofit/>
+          </a:bodyPr>
           <a:lstStyle/>
           <a:p>
             <a:r>
@@ -6751,7 +6573,7 @@
                 <a:latin typeface="Courier New" panose="02070309020205020404" pitchFamily="49" charset="0"/>
                 <a:cs typeface="Courier New" panose="02070309020205020404" pitchFamily="49" charset="0"/>
               </a:rPr>
-              <a:t> = mock(Context.class</a:t>
+              <a:t> </a:t>
             </a:r>
             <a:r>
               <a:rPr lang="sv-SE" sz="2400" dirty="0" smtClean="0">
@@ -6761,11 +6583,11 @@
                 <a:latin typeface="Courier New" panose="02070309020205020404" pitchFamily="49" charset="0"/>
                 <a:cs typeface="Courier New" panose="02070309020205020404" pitchFamily="49" charset="0"/>
               </a:rPr>
-              <a:t>);</a:t>
-            </a:r>
-          </a:p>
-          <a:p>
-            <a:endParaRPr lang="sv-SE" sz="2400" b="1" dirty="0" smtClean="0">
+              <a:t>= mock(Context.class);</a:t>
+            </a:r>
+          </a:p>
+          <a:p>
+            <a:endParaRPr lang="sv-SE" sz="2400" dirty="0">
               <a:solidFill>
                 <a:schemeClr val="tx1"/>
               </a:solidFill>
@@ -6775,6 +6597,16 @@
           </a:p>
           <a:p>
             <a:r>
+              <a:rPr lang="sv-SE" sz="2400" dirty="0" smtClean="0">
+                <a:solidFill>
+                  <a:schemeClr val="tx1"/>
+                </a:solidFill>
+                <a:latin typeface="Courier New" panose="02070309020205020404" pitchFamily="49" charset="0"/>
+                <a:cs typeface="Courier New" panose="02070309020205020404" pitchFamily="49" charset="0"/>
+              </a:rPr>
+              <a:t>verifyZeroInteractions(</a:t>
+            </a:r>
+            <a:r>
               <a:rPr lang="sv-SE" sz="2400" b="1" dirty="0" smtClean="0">
                 <a:solidFill>
                   <a:schemeClr val="tx1"/>
@@ -6792,9 +6624,20 @@
                 <a:latin typeface="Courier New" panose="02070309020205020404" pitchFamily="49" charset="0"/>
                 <a:cs typeface="Courier New" panose="02070309020205020404" pitchFamily="49" charset="0"/>
               </a:rPr>
-              <a:t>.getResources();</a:t>
-            </a:r>
-            <a:endParaRPr lang="sv-SE" sz="2400" b="1" dirty="0" smtClean="0">
+              <a:t>); </a:t>
+            </a:r>
+            <a:r>
+              <a:rPr lang="sv-SE" b="1" dirty="0">
+                <a:solidFill>
+                  <a:srgbClr val="00B050"/>
+                </a:solidFill>
+                <a:latin typeface="Courier New" panose="02070309020205020404" pitchFamily="49" charset="0"/>
+                <a:cs typeface="Courier New" panose="02070309020205020404" pitchFamily="49" charset="0"/>
+                <a:sym typeface="Wingdings" panose="05000000000000000000" pitchFamily="2" charset="2"/>
+              </a:rPr>
+              <a:t></a:t>
+            </a:r>
+            <a:endParaRPr lang="sv-SE" dirty="0" smtClean="0">
               <a:solidFill>
                 <a:schemeClr val="tx1"/>
               </a:solidFill>
@@ -6803,27 +6646,7 @@
             </a:endParaRPr>
           </a:p>
           <a:p>
-            <a:r>
-              <a:rPr lang="sv-SE" sz="2400" b="1" dirty="0" smtClean="0">
-                <a:solidFill>
-                  <a:schemeClr val="tx1"/>
-                </a:solidFill>
-                <a:latin typeface="Courier New" panose="02070309020205020404" pitchFamily="49" charset="0"/>
-                <a:cs typeface="Courier New" panose="02070309020205020404" pitchFamily="49" charset="0"/>
-              </a:rPr>
-              <a:t>ctx</a:t>
-            </a:r>
-            <a:r>
-              <a:rPr lang="sv-SE" sz="2400" dirty="0" smtClean="0">
-                <a:solidFill>
-                  <a:schemeClr val="tx1"/>
-                </a:solidFill>
-                <a:latin typeface="Courier New" panose="02070309020205020404" pitchFamily="49" charset="0"/>
-                <a:cs typeface="Courier New" panose="02070309020205020404" pitchFamily="49" charset="0"/>
-              </a:rPr>
-              <a:t>.getCacheDir();</a:t>
-            </a:r>
-            <a:endParaRPr lang="sv-SE" sz="2400" b="1" dirty="0" smtClean="0">
+            <a:endParaRPr lang="sv-SE" sz="2400" dirty="0">
               <a:solidFill>
                 <a:schemeClr val="tx1"/>
               </a:solidFill>
@@ -6833,7 +6656,7 @@
           </a:p>
           <a:p>
             <a:r>
-              <a:rPr lang="sv-SE" sz="2400" b="1" dirty="0" smtClean="0">
+              <a:rPr lang="sv-SE" sz="2400" b="1" dirty="0">
                 <a:solidFill>
                   <a:schemeClr val="tx1"/>
                 </a:solidFill>
@@ -6843,14 +6666,14 @@
               <a:t>ctx</a:t>
             </a:r>
             <a:r>
-              <a:rPr lang="sv-SE" sz="2400" dirty="0" smtClean="0">
-                <a:solidFill>
-                  <a:schemeClr val="tx1"/>
-                </a:solidFill>
-                <a:latin typeface="Courier New" panose="02070309020205020404" pitchFamily="49" charset="0"/>
-                <a:cs typeface="Courier New" panose="02070309020205020404" pitchFamily="49" charset="0"/>
-              </a:rPr>
-              <a:t>.getAssets();</a:t>
+              <a:rPr lang="sv-SE" sz="2400" dirty="0">
+                <a:solidFill>
+                  <a:schemeClr val="tx1"/>
+                </a:solidFill>
+                <a:latin typeface="Courier New" panose="02070309020205020404" pitchFamily="49" charset="0"/>
+                <a:cs typeface="Courier New" panose="02070309020205020404" pitchFamily="49" charset="0"/>
+              </a:rPr>
+              <a:t>.getResources();</a:t>
             </a:r>
           </a:p>
           <a:p>
@@ -6864,6 +6687,26 @@
           </a:p>
           <a:p>
             <a:r>
+              <a:rPr lang="sv-SE" sz="2400" dirty="0">
+                <a:solidFill>
+                  <a:schemeClr val="tx1"/>
+                </a:solidFill>
+                <a:latin typeface="Courier New" panose="02070309020205020404" pitchFamily="49" charset="0"/>
+                <a:cs typeface="Courier New" panose="02070309020205020404" pitchFamily="49" charset="0"/>
+              </a:rPr>
+              <a:t>verifyZeroInteractions(</a:t>
+            </a:r>
+            <a:r>
+              <a:rPr lang="sv-SE" sz="2400" b="1" dirty="0">
+                <a:solidFill>
+                  <a:schemeClr val="tx1"/>
+                </a:solidFill>
+                <a:latin typeface="Courier New" panose="02070309020205020404" pitchFamily="49" charset="0"/>
+                <a:cs typeface="Courier New" panose="02070309020205020404" pitchFamily="49" charset="0"/>
+              </a:rPr>
+              <a:t>ctx</a:t>
+            </a:r>
+            <a:r>
               <a:rPr lang="sv-SE" sz="2400" dirty="0" smtClean="0">
                 <a:solidFill>
                   <a:schemeClr val="tx1"/>
@@ -6871,112 +6714,37 @@
                 <a:latin typeface="Courier New" panose="02070309020205020404" pitchFamily="49" charset="0"/>
                 <a:cs typeface="Courier New" panose="02070309020205020404" pitchFamily="49" charset="0"/>
               </a:rPr>
-              <a:t>InOrder io </a:t>
-            </a:r>
-            <a:r>
-              <a:rPr lang="sv-SE" sz="2400" smtClean="0">
-                <a:solidFill>
-                  <a:schemeClr val="tx1"/>
-                </a:solidFill>
-                <a:latin typeface="Courier New" panose="02070309020205020404" pitchFamily="49" charset="0"/>
-                <a:cs typeface="Courier New" panose="02070309020205020404" pitchFamily="49" charset="0"/>
-              </a:rPr>
-              <a:t>= inOrder(</a:t>
-            </a:r>
-            <a:r>
-              <a:rPr lang="sv-SE" sz="2400" b="1" smtClean="0">
-                <a:solidFill>
-                  <a:schemeClr val="tx1"/>
-                </a:solidFill>
-                <a:latin typeface="Courier New" panose="02070309020205020404" pitchFamily="49" charset="0"/>
-                <a:cs typeface="Courier New" panose="02070309020205020404" pitchFamily="49" charset="0"/>
-              </a:rPr>
-              <a:t>ctx</a:t>
-            </a:r>
-            <a:r>
-              <a:rPr lang="sv-SE" sz="2400" dirty="0" smtClean="0">
-                <a:solidFill>
-                  <a:schemeClr val="tx1"/>
-                </a:solidFill>
-                <a:latin typeface="Courier New" panose="02070309020205020404" pitchFamily="49" charset="0"/>
-                <a:cs typeface="Courier New" panose="02070309020205020404" pitchFamily="49" charset="0"/>
-              </a:rPr>
-              <a:t>);</a:t>
-            </a:r>
-          </a:p>
-          <a:p>
-            <a:r>
-              <a:rPr lang="sv-SE" sz="2400" dirty="0" smtClean="0">
-                <a:solidFill>
-                  <a:schemeClr val="tx1"/>
-                </a:solidFill>
-                <a:latin typeface="Courier New" panose="02070309020205020404" pitchFamily="49" charset="0"/>
-                <a:cs typeface="Courier New" panose="02070309020205020404" pitchFamily="49" charset="0"/>
-              </a:rPr>
-              <a:t>io.verify(</a:t>
-            </a:r>
-            <a:r>
-              <a:rPr lang="sv-SE" sz="2400" b="1" dirty="0">
-                <a:solidFill>
-                  <a:schemeClr val="tx1"/>
-                </a:solidFill>
-                <a:latin typeface="Courier New" panose="02070309020205020404" pitchFamily="49" charset="0"/>
-                <a:cs typeface="Courier New" panose="02070309020205020404" pitchFamily="49" charset="0"/>
-              </a:rPr>
-              <a:t>ctx</a:t>
-            </a:r>
-            <a:r>
-              <a:rPr lang="sv-SE" sz="2400" dirty="0" smtClean="0">
-                <a:solidFill>
-                  <a:schemeClr val="tx1"/>
-                </a:solidFill>
-                <a:latin typeface="Courier New" panose="02070309020205020404" pitchFamily="49" charset="0"/>
-                <a:cs typeface="Courier New" panose="02070309020205020404" pitchFamily="49" charset="0"/>
-              </a:rPr>
-              <a:t>).getResources();</a:t>
-            </a:r>
-          </a:p>
-          <a:p>
-            <a:r>
-              <a:rPr lang="sv-SE" sz="2400" dirty="0">
-                <a:solidFill>
-                  <a:schemeClr val="tx1"/>
-                </a:solidFill>
-                <a:latin typeface="Courier New" panose="02070309020205020404" pitchFamily="49" charset="0"/>
-                <a:cs typeface="Courier New" panose="02070309020205020404" pitchFamily="49" charset="0"/>
-              </a:rPr>
-              <a:t>io.verify(</a:t>
-            </a:r>
-            <a:r>
-              <a:rPr lang="sv-SE" sz="2400" b="1" dirty="0">
-                <a:solidFill>
-                  <a:schemeClr val="tx1"/>
-                </a:solidFill>
-                <a:latin typeface="Courier New" panose="02070309020205020404" pitchFamily="49" charset="0"/>
-                <a:cs typeface="Courier New" panose="02070309020205020404" pitchFamily="49" charset="0"/>
-              </a:rPr>
-              <a:t>ctx</a:t>
-            </a:r>
-            <a:r>
-              <a:rPr lang="sv-SE" sz="2400" dirty="0">
-                <a:solidFill>
-                  <a:schemeClr val="tx1"/>
-                </a:solidFill>
-                <a:latin typeface="Courier New" panose="02070309020205020404" pitchFamily="49" charset="0"/>
-                <a:cs typeface="Courier New" panose="02070309020205020404" pitchFamily="49" charset="0"/>
-              </a:rPr>
-              <a:t>).</a:t>
-            </a:r>
-            <a:r>
-              <a:rPr lang="sv-SE" sz="2400" dirty="0" smtClean="0">
-                <a:solidFill>
-                  <a:schemeClr val="tx1"/>
-                </a:solidFill>
-                <a:latin typeface="Courier New" panose="02070309020205020404" pitchFamily="49" charset="0"/>
-                <a:cs typeface="Courier New" panose="02070309020205020404" pitchFamily="49" charset="0"/>
-              </a:rPr>
-              <a:t>getAssets();</a:t>
-            </a:r>
+              <a:t>); </a:t>
+            </a:r>
+            <a:r>
+              <a:rPr lang="sv-SE" b="1" dirty="0">
+                <a:solidFill>
+                  <a:srgbClr val="FF0000"/>
+                </a:solidFill>
+                <a:latin typeface="Courier New" panose="02070309020205020404" pitchFamily="49" charset="0"/>
+                <a:cs typeface="Courier New" panose="02070309020205020404" pitchFamily="49" charset="0"/>
+                <a:sym typeface="Wingdings" panose="05000000000000000000" pitchFamily="2" charset="2"/>
+              </a:rPr>
+              <a:t></a:t>
+            </a:r>
+            <a:endParaRPr lang="sv-SE" b="1" dirty="0">
+              <a:solidFill>
+                <a:schemeClr val="tx1"/>
+              </a:solidFill>
+              <a:latin typeface="Courier New" panose="02070309020205020404" pitchFamily="49" charset="0"/>
+              <a:cs typeface="Courier New" panose="02070309020205020404" pitchFamily="49" charset="0"/>
+            </a:endParaRPr>
+          </a:p>
+          <a:p>
+            <a:endParaRPr lang="sv-SE" sz="2400" dirty="0" smtClean="0">
+              <a:solidFill>
+                <a:schemeClr val="tx1"/>
+              </a:solidFill>
+              <a:latin typeface="Courier New" panose="02070309020205020404" pitchFamily="49" charset="0"/>
+              <a:cs typeface="Courier New" panose="02070309020205020404" pitchFamily="49" charset="0"/>
+            </a:endParaRPr>
+          </a:p>
+          <a:p>
             <a:endParaRPr lang="sv-SE" sz="2400" dirty="0">
               <a:solidFill>
                 <a:schemeClr val="tx1"/>
@@ -6986,15 +6754,6 @@
             </a:endParaRPr>
           </a:p>
           <a:p>
-            <a:endParaRPr lang="sv-SE" sz="2400" dirty="0" smtClean="0">
-              <a:solidFill>
-                <a:schemeClr val="tx1"/>
-              </a:solidFill>
-              <a:latin typeface="Courier New" panose="02070309020205020404" pitchFamily="49" charset="0"/>
-              <a:cs typeface="Courier New" panose="02070309020205020404" pitchFamily="49" charset="0"/>
-            </a:endParaRPr>
-          </a:p>
-          <a:p>
             <a:endParaRPr lang="sv-SE" sz="2400" dirty="0">
               <a:solidFill>
                 <a:schemeClr val="tx1"/>
@@ -7003,46 +6762,28 @@
               <a:cs typeface="Courier New" panose="02070309020205020404" pitchFamily="49" charset="0"/>
             </a:endParaRPr>
           </a:p>
-          <a:p>
-            <a:endParaRPr lang="sv-SE" sz="2400" dirty="0">
-              <a:solidFill>
-                <a:schemeClr val="tx1"/>
-              </a:solidFill>
-              <a:latin typeface="Courier New" panose="02070309020205020404" pitchFamily="49" charset="0"/>
-              <a:cs typeface="Courier New" panose="02070309020205020404" pitchFamily="49" charset="0"/>
-            </a:endParaRPr>
-          </a:p>
-          <a:p>
-            <a:endParaRPr lang="sv-SE" dirty="0">
-              <a:solidFill>
-                <a:schemeClr val="tx1"/>
-              </a:solidFill>
-            </a:endParaRPr>
-          </a:p>
         </p:txBody>
       </p:sp>
     </p:spTree>
     <p:extLst>
       <p:ext uri="{BB962C8B-B14F-4D97-AF65-F5344CB8AC3E}">
-        <p14:creationId xmlns:p14="http://schemas.microsoft.com/office/powerpoint/2010/main" val="3611775395"/>
+        <p14:creationId xmlns:p14="http://schemas.microsoft.com/office/powerpoint/2010/main" val="1328686971"/>
       </p:ext>
     </p:extLst>
   </p:cSld>
   <p:clrMapOvr>
     <a:masterClrMapping/>
   </p:clrMapOvr>
-  <mc:AlternateContent xmlns:mc="http://schemas.openxmlformats.org/markup-compatibility/2006">
-    <mc:Choice xmlns:p14="http://schemas.microsoft.com/office/powerpoint/2010/main" Requires="p14">
-      <p:transition spd="med" p14:dur="700">
-        <p:fade/>
-      </p:transition>
-    </mc:Choice>
-    <mc:Fallback>
-      <p:transition spd="med">
-        <p:fade/>
-      </p:transition>
-    </mc:Fallback>
-  </mc:AlternateContent>
+  <p:transition>
+    <p:fade/>
+  </p:transition>
+  <p:timing>
+    <p:tnLst>
+      <p:par>
+        <p:cTn id="1" dur="indefinite" restart="never" nodeType="tmRoot"/>
+      </p:par>
+    </p:tnLst>
+  </p:timing>
 </p:sld>
 </file>
 
@@ -7080,7 +6821,7 @@
           <a:p>
             <a:r>
               <a:rPr lang="sv-SE" dirty="0" smtClean="0"/>
-              <a:t>Exceptions</a:t>
+              <a:t>Verify order</a:t>
             </a:r>
             <a:endParaRPr lang="sv-SE" dirty="0"/>
           </a:p>
@@ -7098,9 +6839,7 @@
         </p:nvSpPr>
         <p:spPr/>
         <p:txBody>
-          <a:bodyPr>
-            <a:normAutofit/>
-          </a:bodyPr>
+          <a:bodyPr/>
           <a:lstStyle/>
           <a:p>
             <a:r>
@@ -7131,7 +6870,7 @@
                 <a:latin typeface="Courier New" panose="02070309020205020404" pitchFamily="49" charset="0"/>
                 <a:cs typeface="Courier New" panose="02070309020205020404" pitchFamily="49" charset="0"/>
               </a:rPr>
-              <a:t> </a:t>
+              <a:t> = mock(Context.class</a:t>
             </a:r>
             <a:r>
               <a:rPr lang="sv-SE" sz="2400" dirty="0" smtClean="0">
@@ -7141,8 +6880,277 @@
                 <a:latin typeface="Courier New" panose="02070309020205020404" pitchFamily="49" charset="0"/>
                 <a:cs typeface="Courier New" panose="02070309020205020404" pitchFamily="49" charset="0"/>
               </a:rPr>
-              <a:t>= mock(Context.class);</a:t>
-            </a:r>
+              <a:t>);</a:t>
+            </a:r>
+          </a:p>
+          <a:p>
+            <a:endParaRPr lang="sv-SE" sz="2400" b="1" dirty="0" smtClean="0">
+              <a:solidFill>
+                <a:schemeClr val="tx1"/>
+              </a:solidFill>
+              <a:latin typeface="Courier New" panose="02070309020205020404" pitchFamily="49" charset="0"/>
+              <a:cs typeface="Courier New" panose="02070309020205020404" pitchFamily="49" charset="0"/>
+            </a:endParaRPr>
+          </a:p>
+          <a:p>
+            <a:r>
+              <a:rPr lang="sv-SE" sz="2400" b="1" dirty="0" smtClean="0">
+                <a:solidFill>
+                  <a:schemeClr val="tx1"/>
+                </a:solidFill>
+                <a:latin typeface="Courier New" panose="02070309020205020404" pitchFamily="49" charset="0"/>
+                <a:cs typeface="Courier New" panose="02070309020205020404" pitchFamily="49" charset="0"/>
+              </a:rPr>
+              <a:t>ctx</a:t>
+            </a:r>
+            <a:r>
+              <a:rPr lang="sv-SE" sz="2400" dirty="0" smtClean="0">
+                <a:solidFill>
+                  <a:schemeClr val="tx1"/>
+                </a:solidFill>
+                <a:latin typeface="Courier New" panose="02070309020205020404" pitchFamily="49" charset="0"/>
+                <a:cs typeface="Courier New" panose="02070309020205020404" pitchFamily="49" charset="0"/>
+              </a:rPr>
+              <a:t>.getResources();</a:t>
+            </a:r>
+            <a:endParaRPr lang="sv-SE" sz="2400" b="1" dirty="0" smtClean="0">
+              <a:solidFill>
+                <a:schemeClr val="tx1"/>
+              </a:solidFill>
+              <a:latin typeface="Courier New" panose="02070309020205020404" pitchFamily="49" charset="0"/>
+              <a:cs typeface="Courier New" panose="02070309020205020404" pitchFamily="49" charset="0"/>
+            </a:endParaRPr>
+          </a:p>
+          <a:p>
+            <a:r>
+              <a:rPr lang="sv-SE" sz="2400" b="1" dirty="0" smtClean="0">
+                <a:solidFill>
+                  <a:schemeClr val="tx1"/>
+                </a:solidFill>
+                <a:latin typeface="Courier New" panose="02070309020205020404" pitchFamily="49" charset="0"/>
+                <a:cs typeface="Courier New" panose="02070309020205020404" pitchFamily="49" charset="0"/>
+              </a:rPr>
+              <a:t>ctx</a:t>
+            </a:r>
+            <a:r>
+              <a:rPr lang="sv-SE" sz="2400" dirty="0" smtClean="0">
+                <a:solidFill>
+                  <a:schemeClr val="tx1"/>
+                </a:solidFill>
+                <a:latin typeface="Courier New" panose="02070309020205020404" pitchFamily="49" charset="0"/>
+                <a:cs typeface="Courier New" panose="02070309020205020404" pitchFamily="49" charset="0"/>
+              </a:rPr>
+              <a:t>.getCacheDir();</a:t>
+            </a:r>
+            <a:endParaRPr lang="sv-SE" sz="2400" b="1" dirty="0" smtClean="0">
+              <a:solidFill>
+                <a:schemeClr val="tx1"/>
+              </a:solidFill>
+              <a:latin typeface="Courier New" panose="02070309020205020404" pitchFamily="49" charset="0"/>
+              <a:cs typeface="Courier New" panose="02070309020205020404" pitchFamily="49" charset="0"/>
+            </a:endParaRPr>
+          </a:p>
+          <a:p>
+            <a:r>
+              <a:rPr lang="sv-SE" sz="2400" b="1" dirty="0" smtClean="0">
+                <a:solidFill>
+                  <a:schemeClr val="tx1"/>
+                </a:solidFill>
+                <a:latin typeface="Courier New" panose="02070309020205020404" pitchFamily="49" charset="0"/>
+                <a:cs typeface="Courier New" panose="02070309020205020404" pitchFamily="49" charset="0"/>
+              </a:rPr>
+              <a:t>ctx</a:t>
+            </a:r>
+            <a:r>
+              <a:rPr lang="sv-SE" sz="2400" dirty="0" smtClean="0">
+                <a:solidFill>
+                  <a:schemeClr val="tx1"/>
+                </a:solidFill>
+                <a:latin typeface="Courier New" panose="02070309020205020404" pitchFamily="49" charset="0"/>
+                <a:cs typeface="Courier New" panose="02070309020205020404" pitchFamily="49" charset="0"/>
+              </a:rPr>
+              <a:t>.getAssets();</a:t>
+            </a:r>
+          </a:p>
+          <a:p>
+            <a:endParaRPr lang="sv-SE" sz="2400" dirty="0" smtClean="0">
+              <a:solidFill>
+                <a:schemeClr val="tx1"/>
+              </a:solidFill>
+              <a:latin typeface="Courier New" panose="02070309020205020404" pitchFamily="49" charset="0"/>
+              <a:cs typeface="Courier New" panose="02070309020205020404" pitchFamily="49" charset="0"/>
+            </a:endParaRPr>
+          </a:p>
+          <a:p>
+            <a:r>
+              <a:rPr lang="sv-SE" sz="2400" dirty="0" smtClean="0">
+                <a:solidFill>
+                  <a:schemeClr val="tx1"/>
+                </a:solidFill>
+                <a:latin typeface="Courier New" panose="02070309020205020404" pitchFamily="49" charset="0"/>
+                <a:cs typeface="Courier New" panose="02070309020205020404" pitchFamily="49" charset="0"/>
+              </a:rPr>
+              <a:t>InOrder io = inOrder(</a:t>
+            </a:r>
+            <a:r>
+              <a:rPr lang="sv-SE" sz="2400" b="1" dirty="0" smtClean="0">
+                <a:solidFill>
+                  <a:schemeClr val="tx1"/>
+                </a:solidFill>
+                <a:latin typeface="Courier New" panose="02070309020205020404" pitchFamily="49" charset="0"/>
+                <a:cs typeface="Courier New" panose="02070309020205020404" pitchFamily="49" charset="0"/>
+              </a:rPr>
+              <a:t>ctx</a:t>
+            </a:r>
+            <a:r>
+              <a:rPr lang="sv-SE" sz="2400" dirty="0" smtClean="0">
+                <a:solidFill>
+                  <a:schemeClr val="tx1"/>
+                </a:solidFill>
+                <a:latin typeface="Courier New" panose="02070309020205020404" pitchFamily="49" charset="0"/>
+                <a:cs typeface="Courier New" panose="02070309020205020404" pitchFamily="49" charset="0"/>
+              </a:rPr>
+              <a:t>);</a:t>
+            </a:r>
+          </a:p>
+          <a:p>
+            <a:r>
+              <a:rPr lang="sv-SE" sz="2400" dirty="0" smtClean="0">
+                <a:solidFill>
+                  <a:schemeClr val="tx1"/>
+                </a:solidFill>
+                <a:latin typeface="Courier New" panose="02070309020205020404" pitchFamily="49" charset="0"/>
+                <a:cs typeface="Courier New" panose="02070309020205020404" pitchFamily="49" charset="0"/>
+              </a:rPr>
+              <a:t>io.verify(</a:t>
+            </a:r>
+            <a:r>
+              <a:rPr lang="sv-SE" sz="2400" b="1" dirty="0">
+                <a:solidFill>
+                  <a:schemeClr val="tx1"/>
+                </a:solidFill>
+                <a:latin typeface="Courier New" panose="02070309020205020404" pitchFamily="49" charset="0"/>
+                <a:cs typeface="Courier New" panose="02070309020205020404" pitchFamily="49" charset="0"/>
+              </a:rPr>
+              <a:t>ctx</a:t>
+            </a:r>
+            <a:r>
+              <a:rPr lang="sv-SE" sz="2400" dirty="0" smtClean="0">
+                <a:solidFill>
+                  <a:schemeClr val="tx1"/>
+                </a:solidFill>
+                <a:latin typeface="Courier New" panose="02070309020205020404" pitchFamily="49" charset="0"/>
+                <a:cs typeface="Courier New" panose="02070309020205020404" pitchFamily="49" charset="0"/>
+              </a:rPr>
+              <a:t>).getResources</a:t>
+            </a:r>
+            <a:r>
+              <a:rPr lang="sv-SE" sz="2400" dirty="0" smtClean="0">
+                <a:solidFill>
+                  <a:schemeClr val="tx1"/>
+                </a:solidFill>
+                <a:latin typeface="Courier New" panose="02070309020205020404" pitchFamily="49" charset="0"/>
+                <a:cs typeface="Courier New" panose="02070309020205020404" pitchFamily="49" charset="0"/>
+              </a:rPr>
+              <a:t>(); </a:t>
+            </a:r>
+            <a:r>
+              <a:rPr lang="sv-SE" b="1" dirty="0">
+                <a:solidFill>
+                  <a:srgbClr val="00B050"/>
+                </a:solidFill>
+                <a:latin typeface="Courier New" panose="02070309020205020404" pitchFamily="49" charset="0"/>
+                <a:cs typeface="Courier New" panose="02070309020205020404" pitchFamily="49" charset="0"/>
+                <a:sym typeface="Wingdings" panose="05000000000000000000" pitchFamily="2" charset="2"/>
+              </a:rPr>
+              <a:t></a:t>
+            </a:r>
+            <a:endParaRPr lang="sv-SE" dirty="0" smtClean="0">
+              <a:solidFill>
+                <a:schemeClr val="tx1"/>
+              </a:solidFill>
+              <a:latin typeface="Courier New" panose="02070309020205020404" pitchFamily="49" charset="0"/>
+              <a:cs typeface="Courier New" panose="02070309020205020404" pitchFamily="49" charset="0"/>
+            </a:endParaRPr>
+          </a:p>
+          <a:p>
+            <a:r>
+              <a:rPr lang="sv-SE" sz="2400" dirty="0">
+                <a:solidFill>
+                  <a:schemeClr val="tx1"/>
+                </a:solidFill>
+                <a:latin typeface="Courier New" panose="02070309020205020404" pitchFamily="49" charset="0"/>
+                <a:cs typeface="Courier New" panose="02070309020205020404" pitchFamily="49" charset="0"/>
+              </a:rPr>
+              <a:t>io.verify(</a:t>
+            </a:r>
+            <a:r>
+              <a:rPr lang="sv-SE" sz="2400" b="1" dirty="0">
+                <a:solidFill>
+                  <a:schemeClr val="tx1"/>
+                </a:solidFill>
+                <a:latin typeface="Courier New" panose="02070309020205020404" pitchFamily="49" charset="0"/>
+                <a:cs typeface="Courier New" panose="02070309020205020404" pitchFamily="49" charset="0"/>
+              </a:rPr>
+              <a:t>ctx</a:t>
+            </a:r>
+            <a:r>
+              <a:rPr lang="sv-SE" sz="2400" dirty="0">
+                <a:solidFill>
+                  <a:schemeClr val="tx1"/>
+                </a:solidFill>
+                <a:latin typeface="Courier New" panose="02070309020205020404" pitchFamily="49" charset="0"/>
+                <a:cs typeface="Courier New" panose="02070309020205020404" pitchFamily="49" charset="0"/>
+              </a:rPr>
+              <a:t>).</a:t>
+            </a:r>
+            <a:r>
+              <a:rPr lang="sv-SE" sz="2400" dirty="0" smtClean="0">
+                <a:solidFill>
+                  <a:schemeClr val="tx1"/>
+                </a:solidFill>
+                <a:latin typeface="Courier New" panose="02070309020205020404" pitchFamily="49" charset="0"/>
+                <a:cs typeface="Courier New" panose="02070309020205020404" pitchFamily="49" charset="0"/>
+              </a:rPr>
+              <a:t>getAssets</a:t>
+            </a:r>
+            <a:r>
+              <a:rPr lang="sv-SE" sz="2400" dirty="0" smtClean="0">
+                <a:solidFill>
+                  <a:schemeClr val="tx1"/>
+                </a:solidFill>
+                <a:latin typeface="Courier New" panose="02070309020205020404" pitchFamily="49" charset="0"/>
+                <a:cs typeface="Courier New" panose="02070309020205020404" pitchFamily="49" charset="0"/>
+              </a:rPr>
+              <a:t>(); </a:t>
+            </a:r>
+            <a:r>
+              <a:rPr lang="sv-SE" b="1" dirty="0">
+                <a:solidFill>
+                  <a:srgbClr val="00B050"/>
+                </a:solidFill>
+                <a:latin typeface="Courier New" panose="02070309020205020404" pitchFamily="49" charset="0"/>
+                <a:cs typeface="Courier New" panose="02070309020205020404" pitchFamily="49" charset="0"/>
+                <a:sym typeface="Wingdings" panose="05000000000000000000" pitchFamily="2" charset="2"/>
+              </a:rPr>
+              <a:t></a:t>
+            </a:r>
+            <a:endParaRPr lang="sv-SE" b="1" dirty="0">
+              <a:solidFill>
+                <a:srgbClr val="00B050"/>
+              </a:solidFill>
+              <a:latin typeface="Courier New" panose="02070309020205020404" pitchFamily="49" charset="0"/>
+              <a:cs typeface="Courier New" panose="02070309020205020404" pitchFamily="49" charset="0"/>
+            </a:endParaRPr>
+          </a:p>
+          <a:p>
+            <a:endParaRPr lang="sv-SE" sz="2400" dirty="0" smtClean="0">
+              <a:solidFill>
+                <a:schemeClr val="tx1"/>
+              </a:solidFill>
+              <a:latin typeface="Courier New" panose="02070309020205020404" pitchFamily="49" charset="0"/>
+              <a:cs typeface="Courier New" panose="02070309020205020404" pitchFamily="49" charset="0"/>
+            </a:endParaRPr>
           </a:p>
           <a:p>
             <a:endParaRPr lang="sv-SE" sz="2400" dirty="0">
@@ -7154,20 +7162,19 @@
             </a:endParaRPr>
           </a:p>
           <a:p>
-            <a:r>
-              <a:rPr lang="sv-SE" sz="2400" dirty="0" smtClean="0">
-                <a:solidFill>
-                  <a:schemeClr val="tx1"/>
-                </a:solidFill>
-                <a:latin typeface="Courier New" panose="02070309020205020404" pitchFamily="49" charset="0"/>
-                <a:cs typeface="Courier New" panose="02070309020205020404" pitchFamily="49" charset="0"/>
-              </a:rPr>
-              <a:t>when(ctx.openFileInput(anyString())).doThrow(new RuntimeException())</a:t>
-            </a:r>
             <a:endParaRPr lang="sv-SE" sz="2400" dirty="0">
               <a:solidFill>
                 <a:schemeClr val="tx1"/>
               </a:solidFill>
+              <a:latin typeface="Courier New" panose="02070309020205020404" pitchFamily="49" charset="0"/>
+              <a:cs typeface="Courier New" panose="02070309020205020404" pitchFamily="49" charset="0"/>
+            </a:endParaRPr>
+          </a:p>
+          <a:p>
+            <a:endParaRPr lang="sv-SE" dirty="0">
+              <a:solidFill>
+                <a:schemeClr val="tx1"/>
+              </a:solidFill>
             </a:endParaRPr>
           </a:p>
         </p:txBody>
@@ -7175,25 +7182,23 @@
     </p:spTree>
     <p:extLst>
       <p:ext uri="{BB962C8B-B14F-4D97-AF65-F5344CB8AC3E}">
-        <p14:creationId xmlns:p14="http://schemas.microsoft.com/office/powerpoint/2010/main" val="1077179457"/>
+        <p14:creationId xmlns:p14="http://schemas.microsoft.com/office/powerpoint/2010/main" val="3611775395"/>
       </p:ext>
     </p:extLst>
   </p:cSld>
   <p:clrMapOvr>
     <a:masterClrMapping/>
   </p:clrMapOvr>
-  <mc:AlternateContent xmlns:mc="http://schemas.openxmlformats.org/markup-compatibility/2006">
-    <mc:Choice xmlns:p14="http://schemas.microsoft.com/office/powerpoint/2010/main" Requires="p14">
-      <p:transition spd="med" p14:dur="700">
-        <p:fade/>
-      </p:transition>
-    </mc:Choice>
-    <mc:Fallback>
-      <p:transition spd="med">
-        <p:fade/>
-      </p:transition>
-    </mc:Fallback>
-  </mc:AlternateContent>
+  <p:transition>
+    <p:fade/>
+  </p:transition>
+  <p:timing>
+    <p:tnLst>
+      <p:par>
+        <p:cTn id="1" dur="indefinite" restart="never" nodeType="tmRoot"/>
+      </p:par>
+    </p:tnLst>
+  </p:timing>
 </p:sld>
 </file>
 
@@ -7231,7 +7236,7 @@
           <a:p>
             <a:r>
               <a:rPr lang="sv-SE" dirty="0" smtClean="0"/>
-              <a:t>Argument captors</a:t>
+              <a:t>Exceptions</a:t>
             </a:r>
             <a:endParaRPr lang="sv-SE" dirty="0"/>
           </a:p>
@@ -7253,6 +7258,89 @@
             <a:normAutofit/>
           </a:bodyPr>
           <a:lstStyle/>
+          <a:p>
+            <a:r>
+              <a:rPr lang="sv-SE" sz="2400" dirty="0">
+                <a:solidFill>
+                  <a:schemeClr val="tx1"/>
+                </a:solidFill>
+                <a:latin typeface="Courier New" panose="02070309020205020404" pitchFamily="49" charset="0"/>
+                <a:cs typeface="Courier New" panose="02070309020205020404" pitchFamily="49" charset="0"/>
+              </a:rPr>
+              <a:t>Context </a:t>
+            </a:r>
+            <a:r>
+              <a:rPr lang="sv-SE" sz="2400" b="1" dirty="0">
+                <a:solidFill>
+                  <a:schemeClr val="tx1"/>
+                </a:solidFill>
+                <a:latin typeface="Courier New" panose="02070309020205020404" pitchFamily="49" charset="0"/>
+                <a:cs typeface="Courier New" panose="02070309020205020404" pitchFamily="49" charset="0"/>
+              </a:rPr>
+              <a:t>ctx</a:t>
+            </a:r>
+            <a:r>
+              <a:rPr lang="sv-SE" sz="2400" dirty="0">
+                <a:solidFill>
+                  <a:schemeClr val="tx1"/>
+                </a:solidFill>
+                <a:latin typeface="Courier New" panose="02070309020205020404" pitchFamily="49" charset="0"/>
+                <a:cs typeface="Courier New" panose="02070309020205020404" pitchFamily="49" charset="0"/>
+              </a:rPr>
+              <a:t> </a:t>
+            </a:r>
+            <a:r>
+              <a:rPr lang="sv-SE" sz="2400" dirty="0" smtClean="0">
+                <a:solidFill>
+                  <a:schemeClr val="tx1"/>
+                </a:solidFill>
+                <a:latin typeface="Courier New" panose="02070309020205020404" pitchFamily="49" charset="0"/>
+                <a:cs typeface="Courier New" panose="02070309020205020404" pitchFamily="49" charset="0"/>
+              </a:rPr>
+              <a:t>= mock(Context.class);</a:t>
+            </a:r>
+          </a:p>
+          <a:p>
+            <a:endParaRPr lang="sv-SE" sz="2400" dirty="0">
+              <a:solidFill>
+                <a:schemeClr val="tx1"/>
+              </a:solidFill>
+              <a:latin typeface="Courier New" panose="02070309020205020404" pitchFamily="49" charset="0"/>
+              <a:cs typeface="Courier New" panose="02070309020205020404" pitchFamily="49" charset="0"/>
+            </a:endParaRPr>
+          </a:p>
+          <a:p>
+            <a:r>
+              <a:rPr lang="sv-SE" sz="2400" dirty="0" smtClean="0">
+                <a:solidFill>
+                  <a:schemeClr val="tx1"/>
+                </a:solidFill>
+                <a:latin typeface="Courier New" panose="02070309020205020404" pitchFamily="49" charset="0"/>
+                <a:cs typeface="Courier New" panose="02070309020205020404" pitchFamily="49" charset="0"/>
+              </a:rPr>
+              <a:t>when(ctx.openFileInput(anyString())).doThrow(new </a:t>
+            </a:r>
+            <a:r>
+              <a:rPr lang="sv-SE" sz="2400" dirty="0" smtClean="0">
+                <a:solidFill>
+                  <a:schemeClr val="tx1"/>
+                </a:solidFill>
+                <a:latin typeface="Courier New" panose="02070309020205020404" pitchFamily="49" charset="0"/>
+                <a:cs typeface="Courier New" panose="02070309020205020404" pitchFamily="49" charset="0"/>
+              </a:rPr>
+              <a:t>IOException</a:t>
+            </a:r>
+            <a:r>
+              <a:rPr lang="sv-SE" sz="2400" dirty="0" smtClean="0">
+                <a:solidFill>
+                  <a:schemeClr val="tx1"/>
+                </a:solidFill>
+                <a:latin typeface="Courier New" panose="02070309020205020404" pitchFamily="49" charset="0"/>
+                <a:cs typeface="Courier New" panose="02070309020205020404" pitchFamily="49" charset="0"/>
+              </a:rPr>
+              <a:t>())</a:t>
+            </a:r>
+          </a:p>
           <a:p>
             <a:endParaRPr lang="sv-SE" sz="2400" dirty="0">
               <a:solidFill>
@@ -7265,25 +7353,23 @@
     </p:spTree>
     <p:extLst>
       <p:ext uri="{BB962C8B-B14F-4D97-AF65-F5344CB8AC3E}">
-        <p14:creationId xmlns:p14="http://schemas.microsoft.com/office/powerpoint/2010/main" val="3223692089"/>
+        <p14:creationId xmlns:p14="http://schemas.microsoft.com/office/powerpoint/2010/main" val="1077179457"/>
       </p:ext>
     </p:extLst>
   </p:cSld>
   <p:clrMapOvr>
     <a:masterClrMapping/>
   </p:clrMapOvr>
-  <mc:AlternateContent xmlns:mc="http://schemas.openxmlformats.org/markup-compatibility/2006">
-    <mc:Choice xmlns:p14="http://schemas.microsoft.com/office/powerpoint/2010/main" Requires="p14">
-      <p:transition spd="med" p14:dur="700">
-        <p:fade/>
-      </p:transition>
-    </mc:Choice>
-    <mc:Fallback>
-      <p:transition spd="med">
-        <p:fade/>
-      </p:transition>
-    </mc:Fallback>
-  </mc:AlternateContent>
+  <p:transition>
+    <p:fade/>
+  </p:transition>
+  <p:timing>
+    <p:tnLst>
+      <p:par>
+        <p:cTn id="1" dur="indefinite" restart="never" nodeType="tmRoot"/>
+      </p:par>
+    </p:tnLst>
+  </p:timing>
 </p:sld>
 </file>
 
@@ -7321,7 +7407,7 @@
           <a:p>
             <a:r>
               <a:rPr lang="sv-SE" dirty="0" smtClean="0"/>
-              <a:t>Spying- use with care</a:t>
+              <a:t>Argument captors</a:t>
             </a:r>
             <a:endParaRPr lang="sv-SE" dirty="0"/>
           </a:p>
@@ -7344,10 +7430,249 @@
           </a:bodyPr>
           <a:lstStyle/>
           <a:p>
+            <a:r>
+              <a:rPr lang="sv-SE" sz="2400" dirty="0" smtClean="0">
+                <a:solidFill>
+                  <a:schemeClr val="tx1"/>
+                </a:solidFill>
+                <a:latin typeface="Courier New" panose="02070309020205020404" pitchFamily="49" charset="0"/>
+                <a:cs typeface="Courier New" panose="02070309020205020404" pitchFamily="49" charset="0"/>
+              </a:rPr>
+              <a:t>List&lt;String&gt; </a:t>
+            </a:r>
+            <a:r>
+              <a:rPr lang="sv-SE" sz="2400" b="1" dirty="0" smtClean="0">
+                <a:solidFill>
+                  <a:schemeClr val="tx1"/>
+                </a:solidFill>
+                <a:latin typeface="Courier New" panose="02070309020205020404" pitchFamily="49" charset="0"/>
+                <a:cs typeface="Courier New" panose="02070309020205020404" pitchFamily="49" charset="0"/>
+              </a:rPr>
+              <a:t>list</a:t>
+            </a:r>
+            <a:r>
+              <a:rPr lang="sv-SE" sz="2400" dirty="0" smtClean="0">
+                <a:solidFill>
+                  <a:schemeClr val="tx1"/>
+                </a:solidFill>
+                <a:latin typeface="Courier New" panose="02070309020205020404" pitchFamily="49" charset="0"/>
+                <a:cs typeface="Courier New" panose="02070309020205020404" pitchFamily="49" charset="0"/>
+              </a:rPr>
+              <a:t> = mock(ArrayList.class);</a:t>
+            </a:r>
+          </a:p>
+          <a:p>
+            <a:r>
+              <a:rPr lang="sv-SE" sz="2400" b="1" dirty="0">
+                <a:solidFill>
+                  <a:schemeClr val="tx1"/>
+                </a:solidFill>
+                <a:latin typeface="Courier New" panose="02070309020205020404" pitchFamily="49" charset="0"/>
+                <a:cs typeface="Courier New" panose="02070309020205020404" pitchFamily="49" charset="0"/>
+              </a:rPr>
+              <a:t>l</a:t>
+            </a:r>
+            <a:r>
+              <a:rPr lang="sv-SE" sz="2400" b="1" dirty="0" smtClean="0">
+                <a:solidFill>
+                  <a:schemeClr val="tx1"/>
+                </a:solidFill>
+                <a:latin typeface="Courier New" panose="02070309020205020404" pitchFamily="49" charset="0"/>
+                <a:cs typeface="Courier New" panose="02070309020205020404" pitchFamily="49" charset="0"/>
+              </a:rPr>
+              <a:t>ist</a:t>
+            </a:r>
+            <a:r>
+              <a:rPr lang="sv-SE" sz="2400" dirty="0" smtClean="0">
+                <a:solidFill>
+                  <a:schemeClr val="tx1"/>
+                </a:solidFill>
+                <a:latin typeface="Courier New" panose="02070309020205020404" pitchFamily="49" charset="0"/>
+                <a:cs typeface="Courier New" panose="02070309020205020404" pitchFamily="49" charset="0"/>
+              </a:rPr>
+              <a:t>.add(”hello”);</a:t>
+            </a:r>
+          </a:p>
+          <a:p>
             <a:endParaRPr lang="sv-SE" sz="2400" dirty="0">
               <a:solidFill>
                 <a:schemeClr val="tx1"/>
               </a:solidFill>
+              <a:latin typeface="Courier New" panose="02070309020205020404" pitchFamily="49" charset="0"/>
+              <a:cs typeface="Courier New" panose="02070309020205020404" pitchFamily="49" charset="0"/>
+            </a:endParaRPr>
+          </a:p>
+          <a:p>
+            <a:r>
+              <a:rPr lang="sv-SE" sz="2400" dirty="0" smtClean="0">
+                <a:solidFill>
+                  <a:schemeClr val="tx1"/>
+                </a:solidFill>
+                <a:latin typeface="Courier New" panose="02070309020205020404" pitchFamily="49" charset="0"/>
+                <a:cs typeface="Courier New" panose="02070309020205020404" pitchFamily="49" charset="0"/>
+              </a:rPr>
+              <a:t>verify(</a:t>
+            </a:r>
+            <a:r>
+              <a:rPr lang="sv-SE" sz="2400" b="1" dirty="0" smtClean="0">
+                <a:solidFill>
+                  <a:schemeClr val="tx1"/>
+                </a:solidFill>
+                <a:latin typeface="Courier New" panose="02070309020205020404" pitchFamily="49" charset="0"/>
+                <a:cs typeface="Courier New" panose="02070309020205020404" pitchFamily="49" charset="0"/>
+              </a:rPr>
+              <a:t>list</a:t>
+            </a:r>
+            <a:r>
+              <a:rPr lang="sv-SE" sz="2400" dirty="0" smtClean="0">
+                <a:solidFill>
+                  <a:schemeClr val="tx1"/>
+                </a:solidFill>
+                <a:latin typeface="Courier New" panose="02070309020205020404" pitchFamily="49" charset="0"/>
+                <a:cs typeface="Courier New" panose="02070309020205020404" pitchFamily="49" charset="0"/>
+              </a:rPr>
+              <a:t>).add(”hello”);</a:t>
+            </a:r>
+          </a:p>
+          <a:p>
+            <a:endParaRPr lang="sv-SE" sz="2400" dirty="0">
+              <a:solidFill>
+                <a:schemeClr val="tx1"/>
+              </a:solidFill>
+              <a:latin typeface="Courier New" panose="02070309020205020404" pitchFamily="49" charset="0"/>
+              <a:cs typeface="Courier New" panose="02070309020205020404" pitchFamily="49" charset="0"/>
+            </a:endParaRPr>
+          </a:p>
+          <a:p>
+            <a:r>
+              <a:rPr lang="sv-SE" sz="2400" dirty="0" smtClean="0">
+                <a:solidFill>
+                  <a:schemeClr val="tx1"/>
+                </a:solidFill>
+                <a:latin typeface="Courier New" panose="02070309020205020404" pitchFamily="49" charset="0"/>
+                <a:cs typeface="Courier New" panose="02070309020205020404" pitchFamily="49" charset="0"/>
+              </a:rPr>
+              <a:t>ArgumentCaptor&lt;String&gt; </a:t>
+            </a:r>
+            <a:r>
+              <a:rPr lang="sv-SE" sz="2400" b="1" dirty="0" smtClean="0">
+                <a:solidFill>
+                  <a:schemeClr val="tx1"/>
+                </a:solidFill>
+                <a:latin typeface="Courier New" panose="02070309020205020404" pitchFamily="49" charset="0"/>
+                <a:cs typeface="Courier New" panose="02070309020205020404" pitchFamily="49" charset="0"/>
+              </a:rPr>
+              <a:t>argCaptor</a:t>
+            </a:r>
+            <a:r>
+              <a:rPr lang="sv-SE" sz="2400" dirty="0" smtClean="0">
+                <a:solidFill>
+                  <a:schemeClr val="tx1"/>
+                </a:solidFill>
+                <a:latin typeface="Courier New" panose="02070309020205020404" pitchFamily="49" charset="0"/>
+                <a:cs typeface="Courier New" panose="02070309020205020404" pitchFamily="49" charset="0"/>
+              </a:rPr>
+              <a:t> = ArgumentCaptor.forClass(String.class);</a:t>
+            </a:r>
+          </a:p>
+          <a:p>
+            <a:r>
+              <a:rPr lang="sv-SE" sz="2400" dirty="0" smtClean="0">
+                <a:solidFill>
+                  <a:schemeClr val="tx1"/>
+                </a:solidFill>
+                <a:latin typeface="Courier New" panose="02070309020205020404" pitchFamily="49" charset="0"/>
+                <a:cs typeface="Courier New" panose="02070309020205020404" pitchFamily="49" charset="0"/>
+              </a:rPr>
+              <a:t>verify(</a:t>
+            </a:r>
+            <a:r>
+              <a:rPr lang="sv-SE" sz="2400" b="1" dirty="0" smtClean="0">
+                <a:solidFill>
+                  <a:schemeClr val="tx1"/>
+                </a:solidFill>
+                <a:latin typeface="Courier New" panose="02070309020205020404" pitchFamily="49" charset="0"/>
+                <a:cs typeface="Courier New" panose="02070309020205020404" pitchFamily="49" charset="0"/>
+              </a:rPr>
+              <a:t>list</a:t>
+            </a:r>
+            <a:r>
+              <a:rPr lang="sv-SE" sz="2400" dirty="0" smtClean="0">
+                <a:solidFill>
+                  <a:schemeClr val="tx1"/>
+                </a:solidFill>
+                <a:latin typeface="Courier New" panose="02070309020205020404" pitchFamily="49" charset="0"/>
+                <a:cs typeface="Courier New" panose="02070309020205020404" pitchFamily="49" charset="0"/>
+              </a:rPr>
+              <a:t>).add(</a:t>
+            </a:r>
+            <a:r>
+              <a:rPr lang="sv-SE" sz="2400" b="1" dirty="0" smtClean="0">
+                <a:solidFill>
+                  <a:schemeClr val="tx1"/>
+                </a:solidFill>
+                <a:latin typeface="Courier New" panose="02070309020205020404" pitchFamily="49" charset="0"/>
+                <a:cs typeface="Courier New" panose="02070309020205020404" pitchFamily="49" charset="0"/>
+              </a:rPr>
+              <a:t>argCaptor</a:t>
+            </a:r>
+            <a:r>
+              <a:rPr lang="sv-SE" sz="2400" dirty="0" smtClean="0">
+                <a:solidFill>
+                  <a:schemeClr val="tx1"/>
+                </a:solidFill>
+                <a:latin typeface="Courier New" panose="02070309020205020404" pitchFamily="49" charset="0"/>
+                <a:cs typeface="Courier New" panose="02070309020205020404" pitchFamily="49" charset="0"/>
+              </a:rPr>
+              <a:t>.capture());</a:t>
+            </a:r>
+          </a:p>
+          <a:p>
+            <a:endParaRPr lang="sv-SE" sz="2400" dirty="0">
+              <a:solidFill>
+                <a:schemeClr val="tx1"/>
+              </a:solidFill>
+              <a:latin typeface="Courier New" panose="02070309020205020404" pitchFamily="49" charset="0"/>
+              <a:cs typeface="Courier New" panose="02070309020205020404" pitchFamily="49" charset="0"/>
+            </a:endParaRPr>
+          </a:p>
+          <a:p>
+            <a:r>
+              <a:rPr lang="sv-SE" sz="2400" dirty="0" smtClean="0">
+                <a:solidFill>
+                  <a:schemeClr val="tx1"/>
+                </a:solidFill>
+                <a:latin typeface="Courier New" panose="02070309020205020404" pitchFamily="49" charset="0"/>
+                <a:cs typeface="Courier New" panose="02070309020205020404" pitchFamily="49" charset="0"/>
+              </a:rPr>
+              <a:t>assertEquals(”hello”, </a:t>
+            </a:r>
+            <a:r>
+              <a:rPr lang="sv-SE" sz="2400" b="1" dirty="0" smtClean="0">
+                <a:solidFill>
+                  <a:schemeClr val="tx1"/>
+                </a:solidFill>
+                <a:latin typeface="Courier New" panose="02070309020205020404" pitchFamily="49" charset="0"/>
+                <a:cs typeface="Courier New" panose="02070309020205020404" pitchFamily="49" charset="0"/>
+              </a:rPr>
+              <a:t>argCaptor</a:t>
+            </a:r>
+            <a:r>
+              <a:rPr lang="sv-SE" sz="2400" dirty="0" smtClean="0">
+                <a:solidFill>
+                  <a:schemeClr val="tx1"/>
+                </a:solidFill>
+                <a:latin typeface="Courier New" panose="02070309020205020404" pitchFamily="49" charset="0"/>
+                <a:cs typeface="Courier New" panose="02070309020205020404" pitchFamily="49" charset="0"/>
+              </a:rPr>
+              <a:t>.getValue());</a:t>
+            </a:r>
+            <a:endParaRPr lang="sv-SE" sz="2400" dirty="0">
+              <a:solidFill>
+                <a:schemeClr val="tx1"/>
+              </a:solidFill>
+              <a:latin typeface="Courier New" panose="02070309020205020404" pitchFamily="49" charset="0"/>
+              <a:cs typeface="Courier New" panose="02070309020205020404" pitchFamily="49" charset="0"/>
             </a:endParaRPr>
           </a:p>
         </p:txBody>
@@ -7355,25 +7680,23 @@
     </p:spTree>
     <p:extLst>
       <p:ext uri="{BB962C8B-B14F-4D97-AF65-F5344CB8AC3E}">
-        <p14:creationId xmlns:p14="http://schemas.microsoft.com/office/powerpoint/2010/main" val="1339471588"/>
+        <p14:creationId xmlns:p14="http://schemas.microsoft.com/office/powerpoint/2010/main" val="3223692089"/>
       </p:ext>
     </p:extLst>
   </p:cSld>
   <p:clrMapOvr>
     <a:masterClrMapping/>
   </p:clrMapOvr>
-  <mc:AlternateContent xmlns:mc="http://schemas.openxmlformats.org/markup-compatibility/2006">
-    <mc:Choice xmlns:p14="http://schemas.microsoft.com/office/powerpoint/2010/main" Requires="p14">
-      <p:transition spd="med" p14:dur="700">
-        <p:fade/>
-      </p:transition>
-    </mc:Choice>
-    <mc:Fallback>
-      <p:transition spd="med">
-        <p:fade/>
-      </p:transition>
-    </mc:Fallback>
-  </mc:AlternateContent>
+  <p:transition>
+    <p:fade/>
+  </p:transition>
+  <p:timing>
+    <p:tnLst>
+      <p:par>
+        <p:cTn id="1" dur="indefinite" restart="never" nodeType="tmRoot"/>
+      </p:par>
+    </p:tnLst>
+  </p:timing>
 </p:sld>
 </file>
 
@@ -7411,7 +7734,7 @@
           <a:p>
             <a:r>
               <a:rPr lang="sv-SE" dirty="0" smtClean="0"/>
-              <a:t>Mockito setup</a:t>
+              <a:t>Spying- use with care</a:t>
             </a:r>
             <a:endParaRPr lang="sv-SE" dirty="0"/>
           </a:p>
@@ -7429,75 +7752,215 @@
         </p:nvSpPr>
         <p:spPr/>
         <p:txBody>
-          <a:bodyPr/>
+          <a:bodyPr>
+            <a:normAutofit/>
+          </a:bodyPr>
           <a:lstStyle/>
           <a:p>
             <a:r>
-              <a:rPr lang="sv-SE" dirty="0" smtClean="0">
-                <a:solidFill>
-                  <a:schemeClr val="tx1"/>
-                </a:solidFill>
-              </a:rPr>
-              <a:t>Normal Android test project and..</a:t>
-            </a:r>
-            <a:endParaRPr lang="sv-SE" dirty="0">
+              <a:rPr lang="sv-SE" sz="2400" dirty="0" smtClean="0">
+                <a:solidFill>
+                  <a:schemeClr val="tx1"/>
+                </a:solidFill>
+                <a:latin typeface="Courier New" panose="02070309020205020404" pitchFamily="49" charset="0"/>
+                <a:cs typeface="Courier New" panose="02070309020205020404" pitchFamily="49" charset="0"/>
+              </a:rPr>
+              <a:t>List&lt;String&gt; </a:t>
+            </a:r>
+            <a:r>
+              <a:rPr lang="sv-SE" sz="2400" b="1" dirty="0" smtClean="0">
+                <a:solidFill>
+                  <a:schemeClr val="tx1"/>
+                </a:solidFill>
+                <a:latin typeface="Courier New" panose="02070309020205020404" pitchFamily="49" charset="0"/>
+                <a:cs typeface="Courier New" panose="02070309020205020404" pitchFamily="49" charset="0"/>
+              </a:rPr>
+              <a:t>list</a:t>
+            </a:r>
+            <a:r>
+              <a:rPr lang="sv-SE" sz="2400" dirty="0" smtClean="0">
+                <a:solidFill>
+                  <a:schemeClr val="tx1"/>
+                </a:solidFill>
+                <a:latin typeface="Courier New" panose="02070309020205020404" pitchFamily="49" charset="0"/>
+                <a:cs typeface="Courier New" panose="02070309020205020404" pitchFamily="49" charset="0"/>
+              </a:rPr>
+              <a:t> = new ArrayList&lt;String&gt;();</a:t>
+            </a:r>
+          </a:p>
+          <a:p>
+            <a:endParaRPr lang="sv-SE" sz="2400" dirty="0" smtClean="0">
               <a:solidFill>
                 <a:schemeClr val="tx1"/>
               </a:solidFill>
+              <a:latin typeface="Courier New" panose="02070309020205020404" pitchFamily="49" charset="0"/>
+              <a:cs typeface="Courier New" panose="02070309020205020404" pitchFamily="49" charset="0"/>
             </a:endParaRPr>
           </a:p>
           <a:p>
-            <a:endParaRPr lang="sv-SE" dirty="0" smtClean="0">
+            <a:r>
+              <a:rPr lang="sv-SE" sz="2400" dirty="0" smtClean="0">
+                <a:solidFill>
+                  <a:schemeClr val="tx1"/>
+                </a:solidFill>
+                <a:latin typeface="Courier New" panose="02070309020205020404" pitchFamily="49" charset="0"/>
+                <a:cs typeface="Courier New" panose="02070309020205020404" pitchFamily="49" charset="0"/>
+              </a:rPr>
+              <a:t>List&lt;String&gt; </a:t>
+            </a:r>
+            <a:r>
+              <a:rPr lang="sv-SE" sz="2400" b="1" dirty="0" smtClean="0">
+                <a:solidFill>
+                  <a:schemeClr val="tx1"/>
+                </a:solidFill>
+                <a:latin typeface="Courier New" panose="02070309020205020404" pitchFamily="49" charset="0"/>
+                <a:cs typeface="Courier New" panose="02070309020205020404" pitchFamily="49" charset="0"/>
+              </a:rPr>
+              <a:t>spiedList</a:t>
+            </a:r>
+            <a:r>
+              <a:rPr lang="sv-SE" sz="2400" dirty="0" smtClean="0">
+                <a:solidFill>
+                  <a:schemeClr val="tx1"/>
+                </a:solidFill>
+                <a:latin typeface="Courier New" panose="02070309020205020404" pitchFamily="49" charset="0"/>
+                <a:cs typeface="Courier New" panose="02070309020205020404" pitchFamily="49" charset="0"/>
+              </a:rPr>
+              <a:t> = spy(</a:t>
+            </a:r>
+            <a:r>
+              <a:rPr lang="sv-SE" sz="2400" b="1" dirty="0" smtClean="0">
+                <a:solidFill>
+                  <a:schemeClr val="tx1"/>
+                </a:solidFill>
+                <a:latin typeface="Courier New" panose="02070309020205020404" pitchFamily="49" charset="0"/>
+                <a:cs typeface="Courier New" panose="02070309020205020404" pitchFamily="49" charset="0"/>
+              </a:rPr>
+              <a:t>list</a:t>
+            </a:r>
+            <a:r>
+              <a:rPr lang="sv-SE" sz="2400" dirty="0" smtClean="0">
+                <a:solidFill>
+                  <a:schemeClr val="tx1"/>
+                </a:solidFill>
+                <a:latin typeface="Courier New" panose="02070309020205020404" pitchFamily="49" charset="0"/>
+                <a:cs typeface="Courier New" panose="02070309020205020404" pitchFamily="49" charset="0"/>
+              </a:rPr>
+              <a:t>);</a:t>
+            </a:r>
+          </a:p>
+          <a:p>
+            <a:endParaRPr lang="sv-SE" sz="2400" dirty="0">
               <a:solidFill>
                 <a:schemeClr val="tx1"/>
               </a:solidFill>
+              <a:latin typeface="Courier New" panose="02070309020205020404" pitchFamily="49" charset="0"/>
+              <a:cs typeface="Courier New" panose="02070309020205020404" pitchFamily="49" charset="0"/>
             </a:endParaRPr>
           </a:p>
           <a:p>
-            <a:pPr marL="457200" indent="-457200">
-              <a:buFont typeface="Arial" panose="020B0604020202020204" pitchFamily="34" charset="0"/>
-              <a:buChar char="•"/>
-            </a:pPr>
-            <a:r>
-              <a:rPr lang="sv-SE" dirty="0" smtClean="0">
-                <a:solidFill>
-                  <a:schemeClr val="tx1"/>
-                </a:solidFill>
-              </a:rPr>
-              <a:t>mockito-all-1.9.5.jar</a:t>
-            </a:r>
-          </a:p>
-          <a:p>
-            <a:pPr marL="457200" indent="-457200">
-              <a:buFont typeface="Arial" panose="020B0604020202020204" pitchFamily="34" charset="0"/>
-              <a:buChar char="•"/>
-            </a:pPr>
-            <a:r>
-              <a:rPr lang="sv-SE" dirty="0" smtClean="0">
-                <a:solidFill>
-                  <a:schemeClr val="tx1"/>
-                </a:solidFill>
-              </a:rPr>
-              <a:t>dexmaker-1.1.jar</a:t>
-            </a:r>
-          </a:p>
-          <a:p>
-            <a:pPr marL="457200" indent="-457200">
-              <a:buFont typeface="Arial" panose="020B0604020202020204" pitchFamily="34" charset="0"/>
-              <a:buChar char="•"/>
-            </a:pPr>
-            <a:r>
-              <a:rPr lang="sv-SE" dirty="0" smtClean="0">
-                <a:solidFill>
-                  <a:schemeClr val="tx1"/>
-                </a:solidFill>
-              </a:rPr>
-              <a:t>dexmaker-mockito-1.1.jar</a:t>
-            </a:r>
-            <a:endParaRPr lang="sv-SE" dirty="0" smtClean="0">
+            <a:r>
+              <a:rPr lang="sv-SE" sz="2400" b="1" dirty="0" smtClean="0">
+                <a:solidFill>
+                  <a:schemeClr val="tx1"/>
+                </a:solidFill>
+                <a:latin typeface="Courier New" panose="02070309020205020404" pitchFamily="49" charset="0"/>
+                <a:cs typeface="Courier New" panose="02070309020205020404" pitchFamily="49" charset="0"/>
+              </a:rPr>
+              <a:t>spiedList</a:t>
+            </a:r>
+            <a:r>
+              <a:rPr lang="sv-SE" sz="2400" dirty="0" smtClean="0">
+                <a:solidFill>
+                  <a:schemeClr val="tx1"/>
+                </a:solidFill>
+                <a:latin typeface="Courier New" panose="02070309020205020404" pitchFamily="49" charset="0"/>
+                <a:cs typeface="Courier New" panose="02070309020205020404" pitchFamily="49" charset="0"/>
+              </a:rPr>
+              <a:t>.add(”hello”);</a:t>
+            </a:r>
+          </a:p>
+          <a:p>
+            <a:endParaRPr lang="sv-SE" sz="2400" dirty="0">
               <a:solidFill>
                 <a:schemeClr val="tx1"/>
               </a:solidFill>
+              <a:latin typeface="Courier New" panose="02070309020205020404" pitchFamily="49" charset="0"/>
+              <a:cs typeface="Courier New" panose="02070309020205020404" pitchFamily="49" charset="0"/>
+            </a:endParaRPr>
+          </a:p>
+          <a:p>
+            <a:r>
+              <a:rPr lang="sv-SE" sz="2400" b="1" dirty="0" smtClean="0">
+                <a:solidFill>
+                  <a:schemeClr val="tx1"/>
+                </a:solidFill>
+                <a:latin typeface="Courier New" panose="02070309020205020404" pitchFamily="49" charset="0"/>
+                <a:cs typeface="Courier New" panose="02070309020205020404" pitchFamily="49" charset="0"/>
+              </a:rPr>
+              <a:t>spiedList</a:t>
+            </a:r>
+            <a:r>
+              <a:rPr lang="sv-SE" sz="2400" dirty="0" smtClean="0">
+                <a:solidFill>
+                  <a:schemeClr val="tx1"/>
+                </a:solidFill>
+                <a:latin typeface="Courier New" panose="02070309020205020404" pitchFamily="49" charset="0"/>
+                <a:cs typeface="Courier New" panose="02070309020205020404" pitchFamily="49" charset="0"/>
+              </a:rPr>
+              <a:t>.size() </a:t>
+            </a:r>
+            <a:r>
+              <a:rPr lang="sv-SE" sz="2400" dirty="0" smtClean="0">
+                <a:solidFill>
+                  <a:schemeClr val="tx1"/>
+                </a:solidFill>
+                <a:latin typeface="Courier New" panose="02070309020205020404" pitchFamily="49" charset="0"/>
+                <a:cs typeface="Courier New" panose="02070309020205020404" pitchFamily="49" charset="0"/>
+                <a:sym typeface="Wingdings" panose="05000000000000000000" pitchFamily="2" charset="2"/>
+              </a:rPr>
+              <a:t> 1</a:t>
+            </a:r>
+          </a:p>
+          <a:p>
+            <a:endParaRPr lang="sv-SE" sz="2400" dirty="0">
+              <a:solidFill>
+                <a:schemeClr val="tx1"/>
+              </a:solidFill>
+              <a:latin typeface="Courier New" panose="02070309020205020404" pitchFamily="49" charset="0"/>
+              <a:cs typeface="Courier New" panose="02070309020205020404" pitchFamily="49" charset="0"/>
+              <a:sym typeface="Wingdings" panose="05000000000000000000" pitchFamily="2" charset="2"/>
+            </a:endParaRPr>
+          </a:p>
+          <a:p>
+            <a:r>
+              <a:rPr lang="sv-SE" sz="2400" b="1" dirty="0" smtClean="0">
+                <a:solidFill>
+                  <a:schemeClr val="tx1"/>
+                </a:solidFill>
+                <a:latin typeface="Courier New" panose="02070309020205020404" pitchFamily="49" charset="0"/>
+                <a:cs typeface="Courier New" panose="02070309020205020404" pitchFamily="49" charset="0"/>
+                <a:sym typeface="Wingdings" panose="05000000000000000000" pitchFamily="2" charset="2"/>
+              </a:rPr>
+              <a:t>list</a:t>
+            </a:r>
+            <a:r>
+              <a:rPr lang="sv-SE" sz="2400" dirty="0" smtClean="0">
+                <a:solidFill>
+                  <a:schemeClr val="tx1"/>
+                </a:solidFill>
+                <a:latin typeface="Courier New" panose="02070309020205020404" pitchFamily="49" charset="0"/>
+                <a:cs typeface="Courier New" panose="02070309020205020404" pitchFamily="49" charset="0"/>
+                <a:sym typeface="Wingdings" panose="05000000000000000000" pitchFamily="2" charset="2"/>
+              </a:rPr>
+              <a:t>.size()  0</a:t>
+            </a:r>
+            <a:endParaRPr lang="sv-SE" sz="2400" dirty="0">
+              <a:solidFill>
+                <a:schemeClr val="tx1"/>
+              </a:solidFill>
+              <a:latin typeface="Courier New" panose="02070309020205020404" pitchFamily="49" charset="0"/>
+              <a:cs typeface="Courier New" panose="02070309020205020404" pitchFamily="49" charset="0"/>
             </a:endParaRPr>
           </a:p>
         </p:txBody>
@@ -7505,25 +7968,23 @@
     </p:spTree>
     <p:extLst>
       <p:ext uri="{BB962C8B-B14F-4D97-AF65-F5344CB8AC3E}">
-        <p14:creationId xmlns:p14="http://schemas.microsoft.com/office/powerpoint/2010/main" val="3860852083"/>
+        <p14:creationId xmlns:p14="http://schemas.microsoft.com/office/powerpoint/2010/main" val="1339471588"/>
       </p:ext>
     </p:extLst>
   </p:cSld>
   <p:clrMapOvr>
     <a:masterClrMapping/>
   </p:clrMapOvr>
-  <mc:AlternateContent xmlns:mc="http://schemas.openxmlformats.org/markup-compatibility/2006">
-    <mc:Choice xmlns:p14="http://schemas.microsoft.com/office/powerpoint/2010/main" Requires="p14">
-      <p:transition spd="med" p14:dur="700">
-        <p:fade/>
-      </p:transition>
-    </mc:Choice>
-    <mc:Fallback>
-      <p:transition spd="med">
-        <p:fade/>
-      </p:transition>
-    </mc:Fallback>
-  </mc:AlternateContent>
+  <p:transition>
+    <p:fade/>
+  </p:transition>
+  <p:timing>
+    <p:tnLst>
+      <p:par>
+        <p:cTn id="1" dur="indefinite" restart="never" nodeType="tmRoot"/>
+      </p:par>
+    </p:tnLst>
+  </p:timing>
 </p:sld>
 </file>
 
@@ -7561,7 +8022,7 @@
           <a:p>
             <a:r>
               <a:rPr lang="sv-SE" dirty="0" smtClean="0"/>
-              <a:t>Documentation</a:t>
+              <a:t>Mockito setup</a:t>
             </a:r>
             <a:endParaRPr lang="sv-SE" dirty="0"/>
           </a:p>
@@ -7582,36 +8043,91 @@
           <a:bodyPr/>
           <a:lstStyle/>
           <a:p>
+            <a:r>
+              <a:rPr lang="sv-SE" dirty="0" smtClean="0">
+                <a:solidFill>
+                  <a:schemeClr val="tx1"/>
+                </a:solidFill>
+              </a:rPr>
+              <a:t>Normal Android test project and..</a:t>
+            </a:r>
             <a:endParaRPr lang="sv-SE" dirty="0">
               <a:solidFill>
                 <a:schemeClr val="tx1"/>
               </a:solidFill>
             </a:endParaRPr>
           </a:p>
+          <a:p>
+            <a:endParaRPr lang="sv-SE" dirty="0" smtClean="0">
+              <a:solidFill>
+                <a:schemeClr val="tx1"/>
+              </a:solidFill>
+            </a:endParaRPr>
+          </a:p>
+          <a:p>
+            <a:pPr marL="457200" indent="-457200">
+              <a:buFont typeface="Arial" panose="020B0604020202020204" pitchFamily="34" charset="0"/>
+              <a:buChar char="•"/>
+            </a:pPr>
+            <a:r>
+              <a:rPr lang="sv-SE" dirty="0" smtClean="0">
+                <a:solidFill>
+                  <a:schemeClr val="tx1"/>
+                </a:solidFill>
+              </a:rPr>
+              <a:t>mockito-all-1.9.5.jar</a:t>
+            </a:r>
+          </a:p>
+          <a:p>
+            <a:pPr marL="457200" indent="-457200">
+              <a:buFont typeface="Arial" panose="020B0604020202020204" pitchFamily="34" charset="0"/>
+              <a:buChar char="•"/>
+            </a:pPr>
+            <a:r>
+              <a:rPr lang="sv-SE" dirty="0" smtClean="0">
+                <a:solidFill>
+                  <a:schemeClr val="tx1"/>
+                </a:solidFill>
+              </a:rPr>
+              <a:t>dexmaker-1.1.jar</a:t>
+            </a:r>
+          </a:p>
+          <a:p>
+            <a:pPr marL="457200" indent="-457200">
+              <a:buFont typeface="Arial" panose="020B0604020202020204" pitchFamily="34" charset="0"/>
+              <a:buChar char="•"/>
+            </a:pPr>
+            <a:r>
+              <a:rPr lang="sv-SE" dirty="0" smtClean="0">
+                <a:solidFill>
+                  <a:schemeClr val="tx1"/>
+                </a:solidFill>
+              </a:rPr>
+              <a:t>dexmaker-mockito-1.1.jar</a:t>
+            </a:r>
+          </a:p>
         </p:txBody>
       </p:sp>
     </p:spTree>
     <p:extLst>
       <p:ext uri="{BB962C8B-B14F-4D97-AF65-F5344CB8AC3E}">
-        <p14:creationId xmlns:p14="http://schemas.microsoft.com/office/powerpoint/2010/main" val="3520522719"/>
+        <p14:creationId xmlns:p14="http://schemas.microsoft.com/office/powerpoint/2010/main" val="3860852083"/>
       </p:ext>
     </p:extLst>
   </p:cSld>
   <p:clrMapOvr>
     <a:masterClrMapping/>
   </p:clrMapOvr>
-  <mc:AlternateContent xmlns:mc="http://schemas.openxmlformats.org/markup-compatibility/2006">
-    <mc:Choice xmlns:p14="http://schemas.microsoft.com/office/powerpoint/2010/main" Requires="p14">
-      <p:transition spd="med" p14:dur="700">
-        <p:fade/>
-      </p:transition>
-    </mc:Choice>
-    <mc:Fallback>
-      <p:transition spd="med">
-        <p:fade/>
-      </p:transition>
-    </mc:Fallback>
-  </mc:AlternateContent>
+  <p:transition>
+    <p:fade/>
+  </p:transition>
+  <p:timing>
+    <p:tnLst>
+      <p:par>
+        <p:cTn id="1" dur="indefinite" restart="never" nodeType="tmRoot"/>
+      </p:par>
+    </p:tnLst>
+  </p:timing>
 </p:sld>
 </file>
 
@@ -7649,7 +8165,7 @@
           <a:p>
             <a:r>
               <a:rPr lang="sv-SE" dirty="0" smtClean="0"/>
-              <a:t>Lab project</a:t>
+              <a:t>Documentation</a:t>
             </a:r>
             <a:endParaRPr lang="sv-SE" dirty="0"/>
           </a:p>
@@ -7676,7 +8192,558 @@
                   <a:schemeClr val="tx1"/>
                 </a:solidFill>
               </a:rPr>
-              <a:t>Some content</a:t>
+              <a:t>Excellent documentation in Javadoc!</a:t>
+            </a:r>
+            <a:endParaRPr lang="sv-SE" dirty="0">
+              <a:solidFill>
+                <a:schemeClr val="tx1"/>
+              </a:solidFill>
+            </a:endParaRPr>
+          </a:p>
+        </p:txBody>
+      </p:sp>
+      <p:pic>
+        <p:nvPicPr>
+          <p:cNvPr id="5" name="Picture 4"/>
+          <p:cNvPicPr>
+            <a:picLocks noChangeAspect="1"/>
+          </p:cNvPicPr>
+          <p:nvPr/>
+        </p:nvPicPr>
+        <p:blipFill>
+          <a:blip r:embed="rId2"/>
+          <a:stretch>
+            <a:fillRect/>
+          </a:stretch>
+        </p:blipFill>
+        <p:spPr>
+          <a:xfrm>
+            <a:off x="2248384" y="2276872"/>
+            <a:ext cx="4647232" cy="3629681"/>
+          </a:xfrm>
+          <a:prstGeom prst="rect">
+            <a:avLst/>
+          </a:prstGeom>
+          <a:effectLst>
+            <a:softEdge rad="127000"/>
+          </a:effectLst>
+        </p:spPr>
+      </p:pic>
+    </p:spTree>
+    <p:extLst>
+      <p:ext uri="{BB962C8B-B14F-4D97-AF65-F5344CB8AC3E}">
+        <p14:creationId xmlns:p14="http://schemas.microsoft.com/office/powerpoint/2010/main" val="3520522719"/>
+      </p:ext>
+    </p:extLst>
+  </p:cSld>
+  <p:clrMapOvr>
+    <a:masterClrMapping/>
+  </p:clrMapOvr>
+  <p:transition>
+    <p:fade/>
+  </p:transition>
+  <p:timing>
+    <p:tnLst>
+      <p:par>
+        <p:cTn id="1" dur="indefinite" restart="never" nodeType="tmRoot"/>
+      </p:par>
+    </p:tnLst>
+  </p:timing>
+</p:sld>
+</file>
+
+<file path=ppt/slides/slide17.xml><?xml version="1.0" encoding="utf-8"?>
+<p:sld xmlns:a="http://schemas.openxmlformats.org/drawingml/2006/main" xmlns:r="http://schemas.openxmlformats.org/officeDocument/2006/relationships" xmlns:p="http://schemas.openxmlformats.org/presentationml/2006/main">
+  <p:cSld>
+    <p:bg>
+      <p:bgPr>
+        <a:solidFill>
+          <a:schemeClr val="bg1"/>
+        </a:solidFill>
+        <a:effectLst/>
+      </p:bgPr>
+    </p:bg>
+    <p:spTree>
+      <p:nvGrpSpPr>
+        <p:cNvPr id="1" name=""/>
+        <p:cNvGrpSpPr/>
+        <p:nvPr/>
+      </p:nvGrpSpPr>
+      <p:grpSpPr>
+        <a:xfrm>
+          <a:off x="0" y="0"/>
+          <a:ext cx="0" cy="0"/>
+          <a:chOff x="0" y="0"/>
+          <a:chExt cx="0" cy="0"/>
+        </a:xfrm>
+      </p:grpSpPr>
+      <p:sp>
+        <p:nvSpPr>
+          <p:cNvPr id="2" name="Title 1"/>
+          <p:cNvSpPr>
+            <a:spLocks noGrp="1"/>
+          </p:cNvSpPr>
+          <p:nvPr>
+            <p:ph type="title"/>
+          </p:nvPr>
+        </p:nvSpPr>
+        <p:spPr/>
+        <p:txBody>
+          <a:bodyPr/>
+          <a:lstStyle/>
+          <a:p>
+            <a:r>
+              <a:rPr lang="sv-SE" dirty="0" smtClean="0"/>
+              <a:t>Lab project</a:t>
+            </a:r>
+            <a:endParaRPr lang="sv-SE" dirty="0"/>
+          </a:p>
+        </p:txBody>
+      </p:sp>
+      <p:sp>
+        <p:nvSpPr>
+          <p:cNvPr id="4" name="Rounded Rectangle 3"/>
+          <p:cNvSpPr/>
+          <p:nvPr/>
+        </p:nvSpPr>
+        <p:spPr>
+          <a:xfrm>
+            <a:off x="2483768" y="3529607"/>
+            <a:ext cx="2304256" cy="1008112"/>
+          </a:xfrm>
+          <a:prstGeom prst="roundRect">
+            <a:avLst/>
+          </a:prstGeom>
+          <a:solidFill>
+            <a:srgbClr val="FFFF00"/>
+          </a:solidFill>
+          <a:ln>
+            <a:noFill/>
+          </a:ln>
+          <a:effectLst/>
+        </p:spPr>
+        <p:style>
+          <a:lnRef idx="2">
+            <a:schemeClr val="accent1">
+              <a:shade val="50000"/>
+            </a:schemeClr>
+          </a:lnRef>
+          <a:fillRef idx="1">
+            <a:schemeClr val="accent1"/>
+          </a:fillRef>
+          <a:effectRef idx="0">
+            <a:schemeClr val="accent1"/>
+          </a:effectRef>
+          <a:fontRef idx="minor">
+            <a:schemeClr val="lt1"/>
+          </a:fontRef>
+        </p:style>
+        <p:txBody>
+          <a:bodyPr rtlCol="0" anchor="ctr"/>
+          <a:lstStyle/>
+          <a:p>
+            <a:pPr algn="ctr"/>
+            <a:r>
+              <a:rPr lang="sv-SE" b="1" dirty="0" smtClean="0"/>
+              <a:t>SoftwareUpdater</a:t>
+            </a:r>
+          </a:p>
+          <a:p>
+            <a:pPr algn="ctr"/>
+            <a:r>
+              <a:rPr lang="sv-SE" dirty="0" smtClean="0"/>
+              <a:t>update()</a:t>
+            </a:r>
+            <a:endParaRPr lang="sv-SE" dirty="0"/>
+          </a:p>
+        </p:txBody>
+      </p:sp>
+      <p:sp>
+        <p:nvSpPr>
+          <p:cNvPr id="7" name="Rounded Rectangle 6"/>
+          <p:cNvSpPr/>
+          <p:nvPr/>
+        </p:nvSpPr>
+        <p:spPr>
+          <a:xfrm>
+            <a:off x="5508104" y="1894238"/>
+            <a:ext cx="2952328" cy="936104"/>
+          </a:xfrm>
+          <a:prstGeom prst="roundRect">
+            <a:avLst/>
+          </a:prstGeom>
+          <a:solidFill>
+            <a:schemeClr val="accent4"/>
+          </a:solidFill>
+          <a:ln>
+            <a:noFill/>
+          </a:ln>
+          <a:effectLst/>
+        </p:spPr>
+        <p:style>
+          <a:lnRef idx="2">
+            <a:schemeClr val="accent1">
+              <a:shade val="50000"/>
+            </a:schemeClr>
+          </a:lnRef>
+          <a:fillRef idx="1">
+            <a:schemeClr val="accent1"/>
+          </a:fillRef>
+          <a:effectRef idx="0">
+            <a:schemeClr val="accent1"/>
+          </a:effectRef>
+          <a:fontRef idx="minor">
+            <a:schemeClr val="lt1"/>
+          </a:fontRef>
+        </p:style>
+        <p:txBody>
+          <a:bodyPr rtlCol="0" anchor="ctr"/>
+          <a:lstStyle/>
+          <a:p>
+            <a:pPr algn="ctr"/>
+            <a:r>
+              <a:rPr lang="sv-SE" b="1" dirty="0" smtClean="0"/>
+              <a:t>RemoteSoftwareRepo</a:t>
+            </a:r>
+            <a:endParaRPr lang="sv-SE" dirty="0" smtClean="0"/>
+          </a:p>
+          <a:p>
+            <a:pPr algn="ctr"/>
+            <a:r>
+              <a:rPr lang="sv-SE" dirty="0" smtClean="0"/>
+              <a:t>getLatestVersion()</a:t>
+            </a:r>
+          </a:p>
+          <a:p>
+            <a:pPr algn="ctr"/>
+            <a:r>
+              <a:rPr lang="sv-SE" dirty="0" smtClean="0"/>
+              <a:t>downloadLatestVersion()</a:t>
+            </a:r>
+            <a:endParaRPr lang="sv-SE" dirty="0"/>
+          </a:p>
+        </p:txBody>
+      </p:sp>
+      <p:sp>
+        <p:nvSpPr>
+          <p:cNvPr id="8" name="Rounded Rectangle 7"/>
+          <p:cNvSpPr/>
+          <p:nvPr/>
+        </p:nvSpPr>
+        <p:spPr>
+          <a:xfrm>
+            <a:off x="611560" y="2276872"/>
+            <a:ext cx="2160240" cy="1080120"/>
+          </a:xfrm>
+          <a:prstGeom prst="roundRect">
+            <a:avLst/>
+          </a:prstGeom>
+          <a:solidFill>
+            <a:schemeClr val="accent4"/>
+          </a:solidFill>
+          <a:ln>
+            <a:noFill/>
+          </a:ln>
+          <a:effectLst/>
+        </p:spPr>
+        <p:style>
+          <a:lnRef idx="2">
+            <a:schemeClr val="accent1">
+              <a:shade val="50000"/>
+            </a:schemeClr>
+          </a:lnRef>
+          <a:fillRef idx="1">
+            <a:schemeClr val="accent1"/>
+          </a:fillRef>
+          <a:effectRef idx="0">
+            <a:schemeClr val="accent1"/>
+          </a:effectRef>
+          <a:fontRef idx="minor">
+            <a:schemeClr val="lt1"/>
+          </a:fontRef>
+        </p:style>
+        <p:txBody>
+          <a:bodyPr rtlCol="0" anchor="ctr"/>
+          <a:lstStyle/>
+          <a:p>
+            <a:pPr algn="ctr"/>
+            <a:r>
+              <a:rPr lang="sv-SE" b="1" dirty="0" smtClean="0"/>
+              <a:t>SignatureVerifier</a:t>
+            </a:r>
+          </a:p>
+          <a:p>
+            <a:pPr algn="ctr"/>
+            <a:r>
+              <a:rPr lang="sv-SE" dirty="0" smtClean="0"/>
+              <a:t>verifySignature()</a:t>
+            </a:r>
+            <a:endParaRPr lang="sv-SE" dirty="0"/>
+          </a:p>
+        </p:txBody>
+      </p:sp>
+      <p:sp>
+        <p:nvSpPr>
+          <p:cNvPr id="9" name="Rounded Rectangle 8"/>
+          <p:cNvSpPr/>
+          <p:nvPr/>
+        </p:nvSpPr>
+        <p:spPr>
+          <a:xfrm>
+            <a:off x="1439652" y="4912745"/>
+            <a:ext cx="2664296" cy="1080120"/>
+          </a:xfrm>
+          <a:prstGeom prst="roundRect">
+            <a:avLst/>
+          </a:prstGeom>
+          <a:solidFill>
+            <a:schemeClr val="accent4"/>
+          </a:solidFill>
+          <a:ln>
+            <a:noFill/>
+          </a:ln>
+          <a:effectLst/>
+        </p:spPr>
+        <p:style>
+          <a:lnRef idx="2">
+            <a:schemeClr val="accent1">
+              <a:shade val="50000"/>
+            </a:schemeClr>
+          </a:lnRef>
+          <a:fillRef idx="1">
+            <a:schemeClr val="accent1"/>
+          </a:fillRef>
+          <a:effectRef idx="0">
+            <a:schemeClr val="accent1"/>
+          </a:effectRef>
+          <a:fontRef idx="minor">
+            <a:schemeClr val="lt1"/>
+          </a:fontRef>
+        </p:style>
+        <p:txBody>
+          <a:bodyPr rtlCol="0" anchor="ctr"/>
+          <a:lstStyle/>
+          <a:p>
+            <a:pPr algn="ctr"/>
+            <a:r>
+              <a:rPr lang="sv-SE" b="1" dirty="0" smtClean="0"/>
+              <a:t>NetworkInfo</a:t>
+            </a:r>
+          </a:p>
+          <a:p>
+            <a:pPr algn="ctr"/>
+            <a:r>
+              <a:rPr lang="sv-SE" dirty="0" smtClean="0"/>
+              <a:t>isConnected()</a:t>
+            </a:r>
+          </a:p>
+          <a:p>
+            <a:pPr algn="ctr"/>
+            <a:r>
+              <a:rPr lang="sv-SE" dirty="0" smtClean="0"/>
+              <a:t>isRoaming()</a:t>
+            </a:r>
+            <a:endParaRPr lang="sv-SE" dirty="0"/>
+          </a:p>
+        </p:txBody>
+      </p:sp>
+      <p:cxnSp>
+        <p:nvCxnSpPr>
+          <p:cNvPr id="11" name="Curved Connector 10"/>
+          <p:cNvCxnSpPr>
+            <a:stCxn id="4" idx="1"/>
+            <a:endCxn id="8" idx="2"/>
+          </p:cNvCxnSpPr>
+          <p:nvPr/>
+        </p:nvCxnSpPr>
+        <p:spPr>
+          <a:xfrm rot="10800000">
+            <a:off x="1691680" y="3356993"/>
+            <a:ext cx="792088" cy="676671"/>
+          </a:xfrm>
+          <a:prstGeom prst="curvedConnector2">
+            <a:avLst/>
+          </a:prstGeom>
+        </p:spPr>
+        <p:style>
+          <a:lnRef idx="1">
+            <a:schemeClr val="accent1"/>
+          </a:lnRef>
+          <a:fillRef idx="0">
+            <a:schemeClr val="accent1"/>
+          </a:fillRef>
+          <a:effectRef idx="0">
+            <a:schemeClr val="accent1"/>
+          </a:effectRef>
+          <a:fontRef idx="minor">
+            <a:schemeClr val="tx1"/>
+          </a:fontRef>
+        </p:style>
+      </p:cxnSp>
+      <p:cxnSp>
+        <p:nvCxnSpPr>
+          <p:cNvPr id="13" name="Curved Connector 12"/>
+          <p:cNvCxnSpPr>
+            <a:stCxn id="4" idx="0"/>
+            <a:endCxn id="7" idx="2"/>
+          </p:cNvCxnSpPr>
+          <p:nvPr/>
+        </p:nvCxnSpPr>
+        <p:spPr>
+          <a:xfrm rot="5400000" flipH="1" flipV="1">
+            <a:off x="4960450" y="1505789"/>
+            <a:ext cx="699265" cy="3348372"/>
+          </a:xfrm>
+          <a:prstGeom prst="curvedConnector3">
+            <a:avLst/>
+          </a:prstGeom>
+          <a:effectLst/>
+        </p:spPr>
+        <p:style>
+          <a:lnRef idx="1">
+            <a:schemeClr val="accent1"/>
+          </a:lnRef>
+          <a:fillRef idx="0">
+            <a:schemeClr val="accent1"/>
+          </a:fillRef>
+          <a:effectRef idx="0">
+            <a:schemeClr val="accent1"/>
+          </a:effectRef>
+          <a:fontRef idx="minor">
+            <a:schemeClr val="tx1"/>
+          </a:fontRef>
+        </p:style>
+      </p:cxnSp>
+      <p:cxnSp>
+        <p:nvCxnSpPr>
+          <p:cNvPr id="15" name="Curved Connector 14"/>
+          <p:cNvCxnSpPr>
+            <a:stCxn id="4" idx="2"/>
+            <a:endCxn id="9" idx="3"/>
+          </p:cNvCxnSpPr>
+          <p:nvPr/>
+        </p:nvCxnSpPr>
+        <p:spPr>
+          <a:xfrm rot="16200000" flipH="1">
+            <a:off x="3412379" y="4761236"/>
+            <a:ext cx="915086" cy="468052"/>
+          </a:xfrm>
+          <a:prstGeom prst="curvedConnector4">
+            <a:avLst>
+              <a:gd name="adj1" fmla="val 20491"/>
+              <a:gd name="adj2" fmla="val 294995"/>
+            </a:avLst>
+          </a:prstGeom>
+        </p:spPr>
+        <p:style>
+          <a:lnRef idx="1">
+            <a:schemeClr val="accent1"/>
+          </a:lnRef>
+          <a:fillRef idx="0">
+            <a:schemeClr val="accent1"/>
+          </a:fillRef>
+          <a:effectRef idx="0">
+            <a:schemeClr val="accent1"/>
+          </a:effectRef>
+          <a:fontRef idx="minor">
+            <a:schemeClr val="tx1"/>
+          </a:fontRef>
+        </p:style>
+      </p:cxnSp>
+      <p:sp>
+        <p:nvSpPr>
+          <p:cNvPr id="18" name="Oval Callout 17"/>
+          <p:cNvSpPr/>
+          <p:nvPr/>
+        </p:nvSpPr>
+        <p:spPr>
+          <a:xfrm>
+            <a:off x="5144901" y="4132855"/>
+            <a:ext cx="3333056" cy="1724812"/>
+          </a:xfrm>
+          <a:prstGeom prst="wedgeEllipseCallout">
+            <a:avLst>
+              <a:gd name="adj1" fmla="val 3806"/>
+              <a:gd name="adj2" fmla="val 73864"/>
+            </a:avLst>
+          </a:prstGeom>
+          <a:solidFill>
+            <a:srgbClr val="65ABD6">
+              <a:alpha val="50000"/>
+            </a:srgbClr>
+          </a:solidFill>
+          <a:ln>
+            <a:noFill/>
+          </a:ln>
+        </p:spPr>
+        <p:style>
+          <a:lnRef idx="2">
+            <a:schemeClr val="accent1">
+              <a:shade val="50000"/>
+            </a:schemeClr>
+          </a:lnRef>
+          <a:fillRef idx="1">
+            <a:schemeClr val="accent1"/>
+          </a:fillRef>
+          <a:effectRef idx="0">
+            <a:schemeClr val="accent1"/>
+          </a:effectRef>
+          <a:fontRef idx="minor">
+            <a:schemeClr val="lt1"/>
+          </a:fontRef>
+        </p:style>
+        <p:txBody>
+          <a:bodyPr rtlCol="0" anchor="ctr"/>
+          <a:lstStyle/>
+          <a:p>
+            <a:pPr algn="ctr"/>
+            <a:r>
+              <a:rPr lang="sv-SE" dirty="0" smtClean="0">
+                <a:solidFill>
+                  <a:schemeClr val="tx1"/>
+                </a:solidFill>
+              </a:rPr>
+              <a:t>In some software,</a:t>
+            </a:r>
+            <a:r>
+              <a:rPr lang="sv-SE" dirty="0" smtClean="0">
+                <a:solidFill>
+                  <a:schemeClr val="tx1"/>
+                </a:solidFill>
+              </a:rPr>
+              <a:t> b</a:t>
+            </a:r>
+            <a:r>
+              <a:rPr lang="sv-SE" dirty="0" smtClean="0">
+                <a:solidFill>
+                  <a:schemeClr val="tx1"/>
+                </a:solidFill>
+              </a:rPr>
+              <a:t>ugs </a:t>
+            </a:r>
+            <a:r>
+              <a:rPr lang="sv-SE" dirty="0" smtClean="0">
+                <a:solidFill>
+                  <a:schemeClr val="tx1"/>
+                </a:solidFill>
+              </a:rPr>
+              <a:t>are </a:t>
+            </a:r>
+            <a:r>
+              <a:rPr lang="sv-SE" b="1" dirty="0" smtClean="0">
+                <a:solidFill>
+                  <a:schemeClr val="tx1"/>
+                </a:solidFill>
+              </a:rPr>
+              <a:t>very</a:t>
+            </a:r>
+            <a:r>
+              <a:rPr lang="sv-SE" dirty="0" smtClean="0">
+                <a:solidFill>
+                  <a:schemeClr val="tx1"/>
+                </a:solidFill>
+              </a:rPr>
+              <a:t> costly!</a:t>
             </a:r>
             <a:endParaRPr lang="sv-SE" dirty="0">
               <a:solidFill>
@@ -7696,22 +8763,20 @@
   <p:clrMapOvr>
     <a:masterClrMapping/>
   </p:clrMapOvr>
-  <mc:AlternateContent xmlns:mc="http://schemas.openxmlformats.org/markup-compatibility/2006">
-    <mc:Choice xmlns:p14="http://schemas.microsoft.com/office/powerpoint/2010/main" Requires="p14">
-      <p:transition spd="med" p14:dur="700">
-        <p:fade/>
-      </p:transition>
-    </mc:Choice>
-    <mc:Fallback>
-      <p:transition spd="med">
-        <p:fade/>
-      </p:transition>
-    </mc:Fallback>
-  </mc:AlternateContent>
+  <p:transition>
+    <p:fade/>
+  </p:transition>
+  <p:timing>
+    <p:tnLst>
+      <p:par>
+        <p:cTn id="1" dur="indefinite" restart="never" nodeType="tmRoot"/>
+      </p:par>
+    </p:tnLst>
+  </p:timing>
 </p:sld>
 </file>
 
-<file path=ppt/slides/slide17.xml><?xml version="1.0" encoding="utf-8"?>
+<file path=ppt/slides/slide18.xml><?xml version="1.0" encoding="utf-8"?>
 <p:sld xmlns:a="http://schemas.openxmlformats.org/drawingml/2006/main" xmlns:r="http://schemas.openxmlformats.org/officeDocument/2006/relationships" xmlns:p="http://schemas.openxmlformats.org/presentationml/2006/main">
   <p:cSld>
     <p:spTree>
@@ -7747,11 +8812,7 @@
           <a:p>
             <a:r>
               <a:rPr lang="sv-SE" dirty="0" smtClean="0"/>
-              <a:t>Lab </a:t>
-            </a:r>
-            <a:r>
-              <a:rPr lang="sv-SE" dirty="0" smtClean="0"/>
-              <a:t>exercises</a:t>
+              <a:t>Lab exercises</a:t>
             </a:r>
             <a:endParaRPr lang="sv-SE" dirty="0"/>
           </a:p>
@@ -7782,7 +8843,23 @@
                   <a:schemeClr val="tx1"/>
                 </a:solidFill>
               </a:rPr>
-              <a:t>Test update() when no network is availabe.</a:t>
+              <a:t>Test update() when </a:t>
+            </a:r>
+            <a:r>
+              <a:rPr lang="sv-SE" b="1" dirty="0" smtClean="0">
+                <a:solidFill>
+                  <a:schemeClr val="tx1"/>
+                </a:solidFill>
+              </a:rPr>
+              <a:t>no network</a:t>
+            </a:r>
+            <a:r>
+              <a:rPr lang="sv-SE" dirty="0" smtClean="0">
+                <a:solidFill>
+                  <a:schemeClr val="tx1"/>
+                </a:solidFill>
+              </a:rPr>
+              <a:t> is availabe.</a:t>
             </a:r>
           </a:p>
           <a:p>
@@ -7796,7 +8873,23 @@
                   <a:schemeClr val="tx1"/>
                 </a:solidFill>
               </a:rPr>
-              <a:t>Test update() when roaming.</a:t>
+              <a:t>Test update() when </a:t>
+            </a:r>
+            <a:r>
+              <a:rPr lang="sv-SE" b="1" dirty="0" smtClean="0">
+                <a:solidFill>
+                  <a:schemeClr val="tx1"/>
+                </a:solidFill>
+              </a:rPr>
+              <a:t>roaming</a:t>
+            </a:r>
+            <a:r>
+              <a:rPr lang="sv-SE" dirty="0" smtClean="0">
+                <a:solidFill>
+                  <a:schemeClr val="tx1"/>
+                </a:solidFill>
+              </a:rPr>
+              <a:t>.</a:t>
             </a:r>
           </a:p>
           <a:p>
@@ -7810,7 +8903,23 @@
                   <a:schemeClr val="tx1"/>
                 </a:solidFill>
               </a:rPr>
-              <a:t>Test update() when already up to date.</a:t>
+              <a:t>Test update() when </a:t>
+            </a:r>
+            <a:r>
+              <a:rPr lang="sv-SE" b="1" dirty="0" smtClean="0">
+                <a:solidFill>
+                  <a:schemeClr val="tx1"/>
+                </a:solidFill>
+              </a:rPr>
+              <a:t>already up to date</a:t>
+            </a:r>
+            <a:r>
+              <a:rPr lang="sv-SE" dirty="0" smtClean="0">
+                <a:solidFill>
+                  <a:schemeClr val="tx1"/>
+                </a:solidFill>
+              </a:rPr>
+              <a:t>.</a:t>
             </a:r>
           </a:p>
           <a:p>
@@ -7824,7 +8933,23 @@
                   <a:schemeClr val="tx1"/>
                 </a:solidFill>
               </a:rPr>
-              <a:t>Test update() when invalid signature.</a:t>
+              <a:t>Test update() when </a:t>
+            </a:r>
+            <a:r>
+              <a:rPr lang="sv-SE" b="1" dirty="0" smtClean="0">
+                <a:solidFill>
+                  <a:schemeClr val="tx1"/>
+                </a:solidFill>
+              </a:rPr>
+              <a:t>invalid signature</a:t>
+            </a:r>
+            <a:r>
+              <a:rPr lang="sv-SE" dirty="0" smtClean="0">
+                <a:solidFill>
+                  <a:schemeClr val="tx1"/>
+                </a:solidFill>
+              </a:rPr>
+              <a:t>.</a:t>
             </a:r>
           </a:p>
           <a:p>
@@ -7849,15 +8974,7 @@
                   <a:schemeClr val="tx1"/>
                 </a:solidFill>
               </a:rPr>
-              <a:t>Play with other features </a:t>
-            </a:r>
-            <a:r>
-              <a:rPr lang="sv-SE" smtClean="0">
-                <a:solidFill>
-                  <a:schemeClr val="tx1"/>
-                </a:solidFill>
-              </a:rPr>
-              <a:t>of Mockito!</a:t>
+              <a:t>Play with other features of Mockito!</a:t>
             </a:r>
             <a:endParaRPr lang="sv-SE" dirty="0">
               <a:solidFill>
@@ -7877,22 +8994,20 @@
   <p:clrMapOvr>
     <a:masterClrMapping/>
   </p:clrMapOvr>
-  <mc:AlternateContent xmlns:mc="http://schemas.openxmlformats.org/markup-compatibility/2006">
-    <mc:Choice xmlns:p14="http://schemas.microsoft.com/office/powerpoint/2010/main" Requires="p14">
-      <p:transition spd="med" p14:dur="700">
-        <p:fade/>
-      </p:transition>
-    </mc:Choice>
-    <mc:Fallback>
-      <p:transition spd="med">
-        <p:fade/>
-      </p:transition>
-    </mc:Fallback>
-  </mc:AlternateContent>
+  <p:transition>
+    <p:fade/>
+  </p:transition>
+  <p:timing>
+    <p:tnLst>
+      <p:par>
+        <p:cTn id="1" dur="indefinite" restart="never" nodeType="tmRoot"/>
+      </p:par>
+    </p:tnLst>
+  </p:timing>
 </p:sld>
 </file>
 
-<file path=ppt/slides/slide18.xml><?xml version="1.0" encoding="utf-8"?>
+<file path=ppt/slides/slide19.xml><?xml version="1.0" encoding="utf-8"?>
 <p:sld xmlns:a="http://schemas.openxmlformats.org/drawingml/2006/main" xmlns:r="http://schemas.openxmlformats.org/officeDocument/2006/relationships" xmlns:p="http://schemas.openxmlformats.org/presentationml/2006/main">
   <p:cSld>
     <p:spTree>
@@ -7919,18 +9034,9 @@
   <p:clrMapOvr>
     <a:masterClrMapping/>
   </p:clrMapOvr>
-  <mc:AlternateContent xmlns:mc="http://schemas.openxmlformats.org/markup-compatibility/2006">
-    <mc:Choice xmlns:p14="http://schemas.microsoft.com/office/powerpoint/2010/main" Requires="p14">
-      <p:transition spd="med" p14:dur="700">
-        <p:fade/>
-      </p:transition>
-    </mc:Choice>
-    <mc:Fallback>
-      <p:transition spd="med">
-        <p:fade/>
-      </p:transition>
-    </mc:Fallback>
-  </mc:AlternateContent>
+  <p:transition>
+    <p:fade/>
+  </p:transition>
   <p:timing>
     <p:tnLst>
       <p:par>
@@ -7975,11 +9081,7 @@
           <a:p>
             <a:r>
               <a:rPr lang="sv-SE" dirty="0" smtClean="0"/>
-              <a:t>Motivation for </a:t>
-            </a:r>
-            <a:r>
-              <a:rPr lang="sv-SE" dirty="0" smtClean="0"/>
-              <a:t>mocks and stubs</a:t>
+              <a:t>Motivation for mocks and stubs</a:t>
             </a:r>
             <a:endParaRPr lang="sv-SE" dirty="0"/>
           </a:p>
@@ -8065,6 +9167,28 @@
                 </a:solidFill>
               </a:rPr>
               <a:t>xternal dependencies?</a:t>
+            </a:r>
+          </a:p>
+          <a:p>
+            <a:pPr marL="457200" indent="-457200">
+              <a:buFont typeface="Arial" panose="020B0604020202020204" pitchFamily="34" charset="0"/>
+              <a:buChar char="•"/>
+            </a:pPr>
+            <a:endParaRPr lang="sv-SE" dirty="0">
+              <a:solidFill>
+                <a:schemeClr val="tx1"/>
+              </a:solidFill>
+            </a:endParaRPr>
+          </a:p>
+          <a:p>
+            <a:pPr marL="0" indent="0"/>
+            <a:r>
+              <a:rPr lang="sv-SE" dirty="0" smtClean="0">
+                <a:solidFill>
+                  <a:schemeClr val="tx1"/>
+                </a:solidFill>
+              </a:rPr>
+              <a:t>One of many tools in your toolbox.</a:t>
             </a:r>
             <a:endParaRPr lang="sv-SE" dirty="0">
               <a:solidFill>
@@ -8084,18 +9208,9 @@
   <p:clrMapOvr>
     <a:masterClrMapping/>
   </p:clrMapOvr>
-  <mc:AlternateContent xmlns:mc="http://schemas.openxmlformats.org/markup-compatibility/2006">
-    <mc:Choice xmlns:p14="http://schemas.microsoft.com/office/powerpoint/2010/main" Requires="p14">
-      <p:transition spd="med" p14:dur="700">
-        <p:fade/>
-      </p:transition>
-    </mc:Choice>
-    <mc:Fallback>
-      <p:transition spd="med">
-        <p:fade/>
-      </p:transition>
-    </mc:Fallback>
-  </mc:AlternateContent>
+  <p:transition>
+    <p:fade/>
+  </p:transition>
   <p:timing>
     <p:tnLst>
       <p:par>
@@ -8207,49 +9322,17 @@
                   <a:schemeClr val="tx1"/>
                 </a:solidFill>
               </a:rPr>
-              <a:t>Useful for </a:t>
-            </a:r>
+              <a:t>Useful for recording and verifying application flow. </a:t>
+            </a:r>
+          </a:p>
+          <a:p>
             <a:r>
               <a:rPr lang="sv-SE" dirty="0" smtClean="0">
                 <a:solidFill>
                   <a:schemeClr val="tx1"/>
                 </a:solidFill>
               </a:rPr>
-              <a:t>recording and verifying </a:t>
-            </a:r>
-            <a:r>
-              <a:rPr lang="sv-SE" dirty="0" smtClean="0">
-                <a:solidFill>
-                  <a:schemeClr val="tx1"/>
-                </a:solidFill>
-              </a:rPr>
-              <a:t>application </a:t>
-            </a:r>
-            <a:r>
-              <a:rPr lang="sv-SE" dirty="0" smtClean="0">
-                <a:solidFill>
-                  <a:schemeClr val="tx1"/>
-                </a:solidFill>
-              </a:rPr>
-              <a:t>flow. </a:t>
-            </a:r>
-          </a:p>
-          <a:p>
-            <a:r>
-              <a:rPr lang="sv-SE" dirty="0" smtClean="0">
-                <a:solidFill>
-                  <a:schemeClr val="tx1"/>
-                </a:solidFill>
-              </a:rPr>
-              <a:t>Methods </a:t>
-            </a:r>
-            <a:r>
-              <a:rPr lang="sv-SE" dirty="0" smtClean="0">
-                <a:solidFill>
-                  <a:schemeClr val="tx1"/>
-                </a:solidFill>
-              </a:rPr>
-              <a:t>return null, 0, false etc.</a:t>
+              <a:t>Methods return null, 0, false etc.</a:t>
             </a:r>
           </a:p>
           <a:p>
@@ -8278,18 +9361,9 @@
   <p:clrMapOvr>
     <a:masterClrMapping/>
   </p:clrMapOvr>
-  <mc:AlternateContent xmlns:mc="http://schemas.openxmlformats.org/markup-compatibility/2006">
-    <mc:Choice xmlns:p14="http://schemas.microsoft.com/office/powerpoint/2010/main" Requires="p14">
-      <p:transition spd="med" p14:dur="700">
-        <p:fade/>
-      </p:transition>
-    </mc:Choice>
-    <mc:Fallback>
-      <p:transition spd="med">
-        <p:fade/>
-      </p:transition>
-    </mc:Fallback>
-  </mc:AlternateContent>
+  <p:transition>
+    <p:fade/>
+  </p:transition>
   <p:timing>
     <p:tnLst>
       <p:par>
@@ -8371,6 +9445,18 @@
               </a:rPr>
               <a:t>:</a:t>
             </a:r>
+          </a:p>
+          <a:p>
+            <a:r>
+              <a:rPr lang="sv-SE" i="1" dirty="0" smtClean="0">
+                <a:solidFill>
+                  <a:schemeClr val="tx1"/>
+                </a:solidFill>
+              </a:rPr>
+              <a:t>Placeholder for real object that returns specified values on invocation.</a:t>
+            </a:r>
+          </a:p>
+          <a:p>
             <a:endParaRPr lang="sv-SE" dirty="0" smtClean="0">
               <a:solidFill>
                 <a:schemeClr val="tx1"/>
@@ -8379,45 +9465,12 @@
           </a:p>
           <a:p>
             <a:r>
-              <a:rPr lang="sv-SE" i="1" dirty="0" smtClean="0">
-                <a:solidFill>
-                  <a:schemeClr val="tx1"/>
-                </a:solidFill>
-              </a:rPr>
-              <a:t>Placeholder for real object that returns specified values on invocation.</a:t>
-            </a:r>
-          </a:p>
-          <a:p>
-            <a:endParaRPr lang="sv-SE" dirty="0" smtClean="0">
-              <a:solidFill>
-                <a:schemeClr val="tx1"/>
-              </a:solidFill>
-            </a:endParaRPr>
-          </a:p>
-          <a:p>
-            <a:r>
               <a:rPr lang="sv-SE" dirty="0" smtClean="0">
                 <a:solidFill>
                   <a:schemeClr val="tx1"/>
                 </a:solidFill>
               </a:rPr>
-              <a:t>Useful for simulating specific </a:t>
-            </a:r>
-            <a:r>
-              <a:rPr lang="sv-SE" dirty="0" smtClean="0">
-                <a:solidFill>
-                  <a:schemeClr val="tx1"/>
-                </a:solidFill>
-              </a:rPr>
-              <a:t>application / device </a:t>
-            </a:r>
-            <a:r>
-              <a:rPr lang="sv-SE" dirty="0" smtClean="0">
-                <a:solidFill>
-                  <a:schemeClr val="tx1"/>
-                </a:solidFill>
-              </a:rPr>
-              <a:t>states.</a:t>
+              <a:t>Useful for simulating specific application / device states.</a:t>
             </a:r>
             <a:endParaRPr lang="sv-SE" dirty="0">
               <a:solidFill>
@@ -8437,18 +9490,9 @@
   <p:clrMapOvr>
     <a:masterClrMapping/>
   </p:clrMapOvr>
-  <mc:AlternateContent xmlns:mc="http://schemas.openxmlformats.org/markup-compatibility/2006">
-    <mc:Choice xmlns:p14="http://schemas.microsoft.com/office/powerpoint/2010/main" Requires="p14">
-      <p:transition spd="med" p14:dur="700">
-        <p:fade/>
-      </p:transition>
-    </mc:Choice>
-    <mc:Fallback>
-      <p:transition spd="med">
-        <p:fade/>
-      </p:transition>
-    </mc:Fallback>
-  </mc:AlternateContent>
+  <p:transition>
+    <p:fade/>
+  </p:transition>
   <p:timing>
     <p:tnLst>
       <p:par>
@@ -8685,30 +9729,41 @@
       </p:sp>
       <p:sp>
         <p:nvSpPr>
-          <p:cNvPr id="6" name="Cloud Callout 5"/>
+          <p:cNvPr id="5" name="Oval Callout 4"/>
           <p:cNvSpPr/>
           <p:nvPr/>
         </p:nvSpPr>
         <p:spPr>
           <a:xfrm>
-            <a:off x="5508104" y="1417638"/>
-            <a:ext cx="3538736" cy="648072"/>
+            <a:off x="3563888" y="5157192"/>
+            <a:ext cx="3729100" cy="1095622"/>
           </a:xfrm>
-          <a:prstGeom prst="cloudCallout">
-            <a:avLst/>
+          <a:prstGeom prst="wedgeEllipseCallout">
+            <a:avLst>
+              <a:gd name="adj1" fmla="val 40514"/>
+              <a:gd name="adj2" fmla="val 49155"/>
+            </a:avLst>
           </a:prstGeom>
+          <a:solidFill>
+            <a:srgbClr val="65ABD6">
+              <a:alpha val="50000"/>
+            </a:srgbClr>
+          </a:solidFill>
+          <a:ln>
+            <a:noFill/>
+          </a:ln>
         </p:spPr>
         <p:style>
           <a:lnRef idx="2">
-            <a:schemeClr val="dk1">
+            <a:schemeClr val="accent1">
               <a:shade val="50000"/>
             </a:schemeClr>
           </a:lnRef>
           <a:fillRef idx="1">
-            <a:schemeClr val="dk1"/>
+            <a:schemeClr val="accent1"/>
           </a:fillRef>
           <a:effectRef idx="0">
-            <a:schemeClr val="dk1"/>
+            <a:schemeClr val="accent1"/>
           </a:effectRef>
           <a:fontRef idx="minor">
             <a:schemeClr val="lt1"/>
@@ -8720,20 +9775,16 @@
           <a:p>
             <a:pPr algn="ctr"/>
             <a:r>
-              <a:rPr lang="sv-SE" sz="2400" dirty="0" smtClean="0">
-                <a:solidFill>
-                  <a:schemeClr val="bg1">
-                    <a:lumMod val="65000"/>
-                  </a:schemeClr>
-                </a:solidFill>
-              </a:rPr>
-              <a:t>abstract class</a:t>
-            </a:r>
-            <a:endParaRPr lang="sv-SE" sz="2400" dirty="0">
+              <a:rPr lang="sv-SE" dirty="0" smtClean="0">
+                <a:solidFill>
+                  <a:schemeClr val="tx1"/>
+                </a:solidFill>
+              </a:rPr>
+              <a:t>Abstract class? No problem!</a:t>
+            </a:r>
+            <a:endParaRPr lang="sv-SE" dirty="0">
               <a:solidFill>
-                <a:schemeClr val="bg1">
-                  <a:lumMod val="65000"/>
-                </a:schemeClr>
+                <a:schemeClr val="tx1"/>
               </a:solidFill>
             </a:endParaRPr>
           </a:p>
@@ -8749,18 +9800,9 @@
   <p:clrMapOvr>
     <a:masterClrMapping/>
   </p:clrMapOvr>
-  <mc:AlternateContent xmlns:mc="http://schemas.openxmlformats.org/markup-compatibility/2006">
-    <mc:Choice xmlns:p14="http://schemas.microsoft.com/office/powerpoint/2010/main" Requires="p14">
-      <p:transition spd="med" p14:dur="700">
-        <p:fade/>
-      </p:transition>
-    </mc:Choice>
-    <mc:Fallback>
-      <p:transition spd="med">
-        <p:fade/>
-      </p:transition>
-    </mc:Fallback>
-  </mc:AlternateContent>
+  <p:transition>
+    <p:fade/>
+  </p:transition>
   <p:timing>
     <p:tnLst>
       <p:par>
@@ -8828,8 +9870,17 @@
           </a:bodyPr>
           <a:lstStyle/>
           <a:p>
-            <a:r>
-              <a:rPr lang="sv-SE" sz="2400" dirty="0">
+            <a:endParaRPr lang="sv-SE" sz="2400" dirty="0" smtClean="0">
+              <a:solidFill>
+                <a:schemeClr val="tx1"/>
+              </a:solidFill>
+              <a:latin typeface="Courier New" panose="02070309020205020404" pitchFamily="49" charset="0"/>
+              <a:cs typeface="Courier New" panose="02070309020205020404" pitchFamily="49" charset="0"/>
+            </a:endParaRPr>
+          </a:p>
+          <a:p>
+            <a:r>
+              <a:rPr lang="sv-SE" sz="2400" dirty="0" smtClean="0">
                 <a:solidFill>
                   <a:schemeClr val="tx1"/>
                 </a:solidFill>
@@ -8997,18 +10048,9 @@
   <p:clrMapOvr>
     <a:masterClrMapping/>
   </p:clrMapOvr>
-  <mc:AlternateContent xmlns:mc="http://schemas.openxmlformats.org/markup-compatibility/2006">
-    <mc:Choice xmlns:p14="http://schemas.microsoft.com/office/powerpoint/2010/main" Requires="p14">
-      <p:transition spd="med" p14:dur="700">
-        <p:fade/>
-      </p:transition>
-    </mc:Choice>
-    <mc:Fallback>
-      <p:transition spd="med">
-        <p:fade/>
-      </p:transition>
-    </mc:Fallback>
-  </mc:AlternateContent>
+  <p:transition>
+    <p:fade/>
+  </p:transition>
   <p:timing>
     <p:tnLst>
       <p:par>
@@ -9159,7 +10201,23 @@
                   <a:schemeClr val="tx1"/>
                 </a:solidFill>
               </a:rPr>
-              <a:t>Will be used in presentation from here.</a:t>
+              <a:t>Will be used in presentation </a:t>
+            </a:r>
+            <a:r>
+              <a:rPr lang="sv-SE" smtClean="0">
+                <a:solidFill>
+                  <a:schemeClr val="tx1"/>
+                </a:solidFill>
+              </a:rPr>
+              <a:t>from </a:t>
+            </a:r>
+            <a:r>
+              <a:rPr lang="sv-SE" smtClean="0">
+                <a:solidFill>
+                  <a:schemeClr val="tx1"/>
+                </a:solidFill>
+              </a:rPr>
+              <a:t>here on.</a:t>
             </a:r>
             <a:endParaRPr lang="sv-SE" dirty="0">
               <a:solidFill>
@@ -9179,18 +10237,9 @@
   <p:clrMapOvr>
     <a:masterClrMapping/>
   </p:clrMapOvr>
-  <mc:AlternateContent xmlns:mc="http://schemas.openxmlformats.org/markup-compatibility/2006">
-    <mc:Choice xmlns:p14="http://schemas.microsoft.com/office/powerpoint/2010/main" Requires="p14">
-      <p:transition spd="med" p14:dur="700">
-        <p:fade/>
-      </p:transition>
-    </mc:Choice>
-    <mc:Fallback>
-      <p:transition spd="med">
-        <p:fade/>
-      </p:transition>
-    </mc:Fallback>
-  </mc:AlternateContent>
+  <p:transition>
+    <p:fade/>
+  </p:transition>
   <p:timing>
     <p:tnLst>
       <p:par>
@@ -9573,18 +10622,9 @@
   <p:clrMapOvr>
     <a:masterClrMapping/>
   </p:clrMapOvr>
-  <mc:AlternateContent xmlns:mc="http://schemas.openxmlformats.org/markup-compatibility/2006">
-    <mc:Choice xmlns:p14="http://schemas.microsoft.com/office/powerpoint/2010/main" Requires="p14">
-      <p:transition spd="med" p14:dur="700">
-        <p:fade/>
-      </p:transition>
-    </mc:Choice>
-    <mc:Fallback>
-      <p:transition spd="med">
-        <p:fade/>
-      </p:transition>
-    </mc:Fallback>
-  </mc:AlternateContent>
+  <p:transition>
+    <p:fade/>
+  </p:transition>
   <p:timing>
     <p:tnLst>
       <p:par>
@@ -9629,7 +10669,7 @@
           <a:p>
             <a:r>
               <a:rPr lang="sv-SE" dirty="0" smtClean="0"/>
-              <a:t>Verify no interactions</a:t>
+              <a:t>When verification fails</a:t>
             </a:r>
             <a:endParaRPr lang="sv-SE" dirty="0"/>
           </a:p>
@@ -9648,7 +10688,7 @@
         <p:spPr/>
         <p:txBody>
           <a:bodyPr>
-            <a:normAutofit/>
+            <a:normAutofit fontScale="77500" lnSpcReduction="20000"/>
           </a:bodyPr>
           <a:lstStyle/>
           <a:p>
@@ -9680,7 +10720,7 @@
                 <a:latin typeface="Courier New" panose="02070309020205020404" pitchFamily="49" charset="0"/>
                 <a:cs typeface="Courier New" panose="02070309020205020404" pitchFamily="49" charset="0"/>
               </a:rPr>
-              <a:t> </a:t>
+              <a:t> = </a:t>
             </a:r>
             <a:r>
               <a:rPr lang="sv-SE" sz="2400" dirty="0" smtClean="0">
@@ -9690,19 +10730,62 @@
                 <a:latin typeface="Courier New" panose="02070309020205020404" pitchFamily="49" charset="0"/>
                 <a:cs typeface="Courier New" panose="02070309020205020404" pitchFamily="49" charset="0"/>
               </a:rPr>
-              <a:t>= mock(Context.class);</a:t>
-            </a:r>
-          </a:p>
-          <a:p>
-            <a:endParaRPr lang="sv-SE" sz="2400" dirty="0">
-              <a:solidFill>
-                <a:schemeClr val="tx1"/>
-              </a:solidFill>
-              <a:latin typeface="Courier New" panose="02070309020205020404" pitchFamily="49" charset="0"/>
-              <a:cs typeface="Courier New" panose="02070309020205020404" pitchFamily="49" charset="0"/>
-            </a:endParaRPr>
-          </a:p>
-          <a:p>
+              <a:t>mock(Context.class);</a:t>
+            </a:r>
+          </a:p>
+          <a:p>
+            <a:r>
+              <a:rPr lang="sv-SE" sz="2400" b="1" dirty="0">
+                <a:solidFill>
+                  <a:schemeClr val="tx1"/>
+                </a:solidFill>
+                <a:latin typeface="Courier New" panose="02070309020205020404" pitchFamily="49" charset="0"/>
+                <a:cs typeface="Courier New" panose="02070309020205020404" pitchFamily="49" charset="0"/>
+              </a:rPr>
+              <a:t>ctx</a:t>
+            </a:r>
+            <a:r>
+              <a:rPr lang="sv-SE" sz="2400" dirty="0">
+                <a:solidFill>
+                  <a:schemeClr val="tx1"/>
+                </a:solidFill>
+                <a:latin typeface="Courier New" panose="02070309020205020404" pitchFamily="49" charset="0"/>
+                <a:cs typeface="Courier New" panose="02070309020205020404" pitchFamily="49" charset="0"/>
+              </a:rPr>
+              <a:t>.getResources();</a:t>
+            </a:r>
+          </a:p>
+          <a:p>
+            <a:r>
+              <a:rPr lang="sv-SE" sz="2400" dirty="0">
+                <a:solidFill>
+                  <a:schemeClr val="tx1"/>
+                </a:solidFill>
+                <a:latin typeface="Courier New" panose="02070309020205020404" pitchFamily="49" charset="0"/>
+                <a:cs typeface="Courier New" panose="02070309020205020404" pitchFamily="49" charset="0"/>
+              </a:rPr>
+              <a:t>verify(</a:t>
+            </a:r>
+            <a:r>
+              <a:rPr lang="sv-SE" sz="2400" b="1" dirty="0">
+                <a:solidFill>
+                  <a:schemeClr val="tx1"/>
+                </a:solidFill>
+                <a:latin typeface="Courier New" panose="02070309020205020404" pitchFamily="49" charset="0"/>
+                <a:cs typeface="Courier New" panose="02070309020205020404" pitchFamily="49" charset="0"/>
+              </a:rPr>
+              <a:t>ctx</a:t>
+            </a:r>
+            <a:r>
+              <a:rPr lang="sv-SE" sz="2400" dirty="0">
+                <a:solidFill>
+                  <a:schemeClr val="tx1"/>
+                </a:solidFill>
+                <a:latin typeface="Courier New" panose="02070309020205020404" pitchFamily="49" charset="0"/>
+                <a:cs typeface="Courier New" panose="02070309020205020404" pitchFamily="49" charset="0"/>
+              </a:rPr>
+              <a:t>,times(2)).getResources</a:t>
+            </a:r>
             <a:r>
               <a:rPr lang="sv-SE" sz="2400" dirty="0" smtClean="0">
                 <a:solidFill>
@@ -9711,38 +10794,18 @@
                 <a:latin typeface="Courier New" panose="02070309020205020404" pitchFamily="49" charset="0"/>
                 <a:cs typeface="Courier New" panose="02070309020205020404" pitchFamily="49" charset="0"/>
               </a:rPr>
-              <a:t>verifyZeroInteractions(</a:t>
-            </a:r>
-            <a:r>
-              <a:rPr lang="sv-SE" sz="2400" b="1" dirty="0" smtClean="0">
-                <a:solidFill>
-                  <a:schemeClr val="tx1"/>
-                </a:solidFill>
-                <a:latin typeface="Courier New" panose="02070309020205020404" pitchFamily="49" charset="0"/>
-                <a:cs typeface="Courier New" panose="02070309020205020404" pitchFamily="49" charset="0"/>
-              </a:rPr>
-              <a:t>ctx</a:t>
-            </a:r>
-            <a:r>
-              <a:rPr lang="sv-SE" sz="2400" dirty="0" smtClean="0">
-                <a:solidFill>
-                  <a:schemeClr val="tx1"/>
-                </a:solidFill>
-                <a:latin typeface="Courier New" panose="02070309020205020404" pitchFamily="49" charset="0"/>
-                <a:cs typeface="Courier New" panose="02070309020205020404" pitchFamily="49" charset="0"/>
-              </a:rPr>
-              <a:t>); </a:t>
-            </a:r>
-            <a:r>
-              <a:rPr lang="sv-SE" b="1" dirty="0">
-                <a:solidFill>
-                  <a:srgbClr val="00B050"/>
+              <a:t>();</a:t>
+            </a:r>
+            <a:r>
+              <a:rPr lang="sv-SE" dirty="0" smtClean="0">
+                <a:solidFill>
+                  <a:srgbClr val="FF0000"/>
                 </a:solidFill>
                 <a:latin typeface="Courier New" panose="02070309020205020404" pitchFamily="49" charset="0"/>
                 <a:cs typeface="Courier New" panose="02070309020205020404" pitchFamily="49" charset="0"/>
                 <a:sym typeface="Wingdings" panose="05000000000000000000" pitchFamily="2" charset="2"/>
               </a:rPr>
-              <a:t></a:t>
+              <a:t></a:t>
             </a:r>
             <a:endParaRPr lang="sv-SE" dirty="0" smtClean="0">
               <a:solidFill>
@@ -9753,120 +10816,121 @@
             </a:endParaRPr>
           </a:p>
           <a:p>
-            <a:endParaRPr lang="sv-SE" sz="2400" dirty="0">
-              <a:solidFill>
-                <a:schemeClr val="tx1"/>
-              </a:solidFill>
-              <a:latin typeface="Courier New" panose="02070309020205020404" pitchFamily="49" charset="0"/>
-              <a:cs typeface="Courier New" panose="02070309020205020404" pitchFamily="49" charset="0"/>
-            </a:endParaRPr>
-          </a:p>
-          <a:p>
-            <a:r>
-              <a:rPr lang="sv-SE" sz="2400" b="1" dirty="0">
-                <a:solidFill>
-                  <a:schemeClr val="tx1"/>
-                </a:solidFill>
-                <a:latin typeface="Courier New" panose="02070309020205020404" pitchFamily="49" charset="0"/>
-                <a:cs typeface="Courier New" panose="02070309020205020404" pitchFamily="49" charset="0"/>
-              </a:rPr>
-              <a:t>ctx</a:t>
-            </a:r>
-            <a:r>
-              <a:rPr lang="sv-SE" sz="2400" dirty="0">
-                <a:solidFill>
-                  <a:schemeClr val="tx1"/>
-                </a:solidFill>
-                <a:latin typeface="Courier New" panose="02070309020205020404" pitchFamily="49" charset="0"/>
-                <a:cs typeface="Courier New" panose="02070309020205020404" pitchFamily="49" charset="0"/>
-              </a:rPr>
-              <a:t>.getResources();</a:t>
-            </a:r>
-          </a:p>
-          <a:p>
             <a:endParaRPr lang="sv-SE" sz="2400" dirty="0" smtClean="0">
               <a:solidFill>
                 <a:schemeClr val="tx1"/>
               </a:solidFill>
-              <a:latin typeface="Courier New" panose="02070309020205020404" pitchFamily="49" charset="0"/>
-              <a:cs typeface="Courier New" panose="02070309020205020404" pitchFamily="49" charset="0"/>
             </a:endParaRPr>
           </a:p>
           <a:p>
             <a:r>
-              <a:rPr lang="sv-SE" sz="2400" dirty="0">
-                <a:solidFill>
-                  <a:schemeClr val="tx1"/>
-                </a:solidFill>
-                <a:latin typeface="Courier New" panose="02070309020205020404" pitchFamily="49" charset="0"/>
-                <a:cs typeface="Courier New" panose="02070309020205020404" pitchFamily="49" charset="0"/>
-              </a:rPr>
-              <a:t>verifyZeroInteractions(</a:t>
-            </a:r>
-            <a:r>
-              <a:rPr lang="sv-SE" sz="2400" b="1" dirty="0">
-                <a:solidFill>
-                  <a:schemeClr val="tx1"/>
-                </a:solidFill>
-                <a:latin typeface="Courier New" panose="02070309020205020404" pitchFamily="49" charset="0"/>
-                <a:cs typeface="Courier New" panose="02070309020205020404" pitchFamily="49" charset="0"/>
-              </a:rPr>
-              <a:t>ctx</a:t>
-            </a:r>
-            <a:r>
-              <a:rPr lang="sv-SE" sz="2400" dirty="0" smtClean="0">
-                <a:solidFill>
-                  <a:schemeClr val="tx1"/>
-                </a:solidFill>
-                <a:latin typeface="Courier New" panose="02070309020205020404" pitchFamily="49" charset="0"/>
-                <a:cs typeface="Courier New" panose="02070309020205020404" pitchFamily="49" charset="0"/>
-              </a:rPr>
-              <a:t>); </a:t>
-            </a:r>
-            <a:r>
-              <a:rPr lang="sv-SE" b="1" dirty="0">
+              <a:rPr lang="sv-SE" sz="2300" dirty="0" smtClean="0">
                 <a:solidFill>
                   <a:srgbClr val="FF0000"/>
                 </a:solidFill>
                 <a:latin typeface="Courier New" panose="02070309020205020404" pitchFamily="49" charset="0"/>
                 <a:cs typeface="Courier New" panose="02070309020205020404" pitchFamily="49" charset="0"/>
-                <a:sym typeface="Wingdings" panose="05000000000000000000" pitchFamily="2" charset="2"/>
-              </a:rPr>
-              <a:t></a:t>
-            </a:r>
-            <a:endParaRPr lang="sv-SE" b="1" dirty="0">
-              <a:solidFill>
-                <a:schemeClr val="tx1"/>
-              </a:solidFill>
-              <a:latin typeface="Courier New" panose="02070309020205020404" pitchFamily="49" charset="0"/>
-              <a:cs typeface="Courier New" panose="02070309020205020404" pitchFamily="49" charset="0"/>
-            </a:endParaRPr>
+              </a:rPr>
+              <a:t>org.mockito.exceptions.verification</a:t>
+            </a:r>
+          </a:p>
+          <a:p>
+            <a:r>
+              <a:rPr lang="sv-SE" sz="2300" dirty="0">
+                <a:solidFill>
+                  <a:srgbClr val="FF0000"/>
+                </a:solidFill>
+                <a:latin typeface="Courier New" panose="02070309020205020404" pitchFamily="49" charset="0"/>
+                <a:cs typeface="Courier New" panose="02070309020205020404" pitchFamily="49" charset="0"/>
+              </a:rPr>
+              <a:t> </a:t>
+            </a:r>
+            <a:r>
+              <a:rPr lang="sv-SE" sz="2300" dirty="0" smtClean="0">
+                <a:solidFill>
+                  <a:srgbClr val="FF0000"/>
+                </a:solidFill>
+                <a:latin typeface="Courier New" panose="02070309020205020404" pitchFamily="49" charset="0"/>
+                <a:cs typeface="Courier New" panose="02070309020205020404" pitchFamily="49" charset="0"/>
+              </a:rPr>
+              <a:t>                     .TooLittleActualInvocations</a:t>
+            </a:r>
+            <a:r>
+              <a:rPr lang="sv-SE" sz="2300" dirty="0">
+                <a:solidFill>
+                  <a:srgbClr val="FF0000"/>
+                </a:solidFill>
+                <a:latin typeface="Courier New" panose="02070309020205020404" pitchFamily="49" charset="0"/>
+                <a:cs typeface="Courier New" panose="02070309020205020404" pitchFamily="49" charset="0"/>
+              </a:rPr>
+              <a:t>:</a:t>
+            </a:r>
+          </a:p>
+          <a:p>
+            <a:r>
+              <a:rPr lang="sv-SE" sz="2300" dirty="0">
+                <a:solidFill>
+                  <a:srgbClr val="FF0000"/>
+                </a:solidFill>
+                <a:latin typeface="Courier New" panose="02070309020205020404" pitchFamily="49" charset="0"/>
+                <a:cs typeface="Courier New" panose="02070309020205020404" pitchFamily="49" charset="0"/>
+              </a:rPr>
+              <a:t>context.getResources();</a:t>
+            </a:r>
+          </a:p>
+          <a:p>
+            <a:r>
+              <a:rPr lang="sv-SE" sz="2300" dirty="0">
+                <a:solidFill>
+                  <a:srgbClr val="FF0000"/>
+                </a:solidFill>
+                <a:latin typeface="Courier New" panose="02070309020205020404" pitchFamily="49" charset="0"/>
+                <a:cs typeface="Courier New" panose="02070309020205020404" pitchFamily="49" charset="0"/>
+              </a:rPr>
+              <a:t>Wanted 2 times:</a:t>
+            </a:r>
+          </a:p>
+          <a:p>
+            <a:r>
+              <a:rPr lang="sv-SE" sz="2300" dirty="0">
+                <a:solidFill>
+                  <a:srgbClr val="FF0000"/>
+                </a:solidFill>
+                <a:latin typeface="Courier New" panose="02070309020205020404" pitchFamily="49" charset="0"/>
+                <a:cs typeface="Courier New" panose="02070309020205020404" pitchFamily="49" charset="0"/>
+              </a:rPr>
+              <a:t>-&gt; at se.jayway.apptotest.test.PresentationExamples.testPresentationExamples(PresentationExamples.java:106)</a:t>
+            </a:r>
+          </a:p>
+          <a:p>
+            <a:r>
+              <a:rPr lang="sv-SE" sz="2300" dirty="0">
+                <a:solidFill>
+                  <a:srgbClr val="FF0000"/>
+                </a:solidFill>
+                <a:latin typeface="Courier New" panose="02070309020205020404" pitchFamily="49" charset="0"/>
+                <a:cs typeface="Courier New" panose="02070309020205020404" pitchFamily="49" charset="0"/>
+              </a:rPr>
+              <a:t>But was 1 time:</a:t>
+            </a:r>
+          </a:p>
+          <a:p>
+            <a:r>
+              <a:rPr lang="sv-SE" sz="2300" dirty="0">
+                <a:solidFill>
+                  <a:srgbClr val="FF0000"/>
+                </a:solidFill>
+                <a:latin typeface="Courier New" panose="02070309020205020404" pitchFamily="49" charset="0"/>
+                <a:cs typeface="Courier New" panose="02070309020205020404" pitchFamily="49" charset="0"/>
+              </a:rPr>
+              <a:t>-&gt; at se.jayway.apptotest.test.PresentationExamples.testPresentationExamples(PresentationExamples.java:105)</a:t>
+            </a:r>
           </a:p>
           <a:p>
             <a:endParaRPr lang="sv-SE" sz="2400" dirty="0" smtClean="0">
               <a:solidFill>
                 <a:schemeClr val="tx1"/>
               </a:solidFill>
-              <a:latin typeface="Courier New" panose="02070309020205020404" pitchFamily="49" charset="0"/>
-              <a:cs typeface="Courier New" panose="02070309020205020404" pitchFamily="49" charset="0"/>
-            </a:endParaRPr>
-          </a:p>
-          <a:p>
-            <a:endParaRPr lang="sv-SE" sz="2400" dirty="0">
-              <a:solidFill>
-                <a:schemeClr val="tx1"/>
-              </a:solidFill>
-              <a:latin typeface="Courier New" panose="02070309020205020404" pitchFamily="49" charset="0"/>
-              <a:cs typeface="Courier New" panose="02070309020205020404" pitchFamily="49" charset="0"/>
-            </a:endParaRPr>
-          </a:p>
-          <a:p>
-            <a:endParaRPr lang="sv-SE" sz="2400" dirty="0">
-              <a:solidFill>
-                <a:schemeClr val="tx1"/>
-              </a:solidFill>
-              <a:latin typeface="Courier New" panose="02070309020205020404" pitchFamily="49" charset="0"/>
-              <a:cs typeface="Courier New" panose="02070309020205020404" pitchFamily="49" charset="0"/>
             </a:endParaRPr>
           </a:p>
         </p:txBody>
@@ -9874,25 +10938,16 @@
     </p:spTree>
     <p:extLst>
       <p:ext uri="{BB962C8B-B14F-4D97-AF65-F5344CB8AC3E}">
-        <p14:creationId xmlns:p14="http://schemas.microsoft.com/office/powerpoint/2010/main" val="1328686971"/>
+        <p14:creationId xmlns:p14="http://schemas.microsoft.com/office/powerpoint/2010/main" val="594496003"/>
       </p:ext>
     </p:extLst>
   </p:cSld>
   <p:clrMapOvr>
     <a:masterClrMapping/>
   </p:clrMapOvr>
-  <mc:AlternateContent xmlns:mc="http://schemas.openxmlformats.org/markup-compatibility/2006">
-    <mc:Choice xmlns:p14="http://schemas.microsoft.com/office/powerpoint/2010/main" Requires="p14">
-      <p:transition spd="med" p14:dur="700">
-        <p:fade/>
-      </p:transition>
-    </mc:Choice>
-    <mc:Fallback>
-      <p:transition spd="med">
-        <p:fade/>
-      </p:transition>
-    </mc:Fallback>
-  </mc:AlternateContent>
+  <p:transition>
+    <p:fade/>
+  </p:transition>
   <p:timing>
     <p:tnLst>
       <p:par>

--- a/mockito-presentation.pptx
+++ b/mockito-presentation.pptx
@@ -162,6 +162,18 @@
 </p:presentation>
 </file>
 
+<file path=ppt/commentAuthors.xml><?xml version="1.0" encoding="utf-8"?>
+<p:cmAuthorLst xmlns:a="http://schemas.openxmlformats.org/drawingml/2006/main" xmlns:r="http://schemas.openxmlformats.org/officeDocument/2006/relationships" xmlns:p="http://schemas.openxmlformats.org/presentationml/2006/main">
+  <p:cmAuthor id="1" name="erik" initials="e" lastIdx="3" clrIdx="0">
+    <p:extLst>
+      <p:ext uri="{19B8F6BF-5375-455C-9EA6-DF929625EA0E}">
+        <p15:presenceInfo xmlns:p15="http://schemas.microsoft.com/office/powerpoint/2012/main" userId="erik" providerId="None"/>
+      </p:ext>
+    </p:extLst>
+  </p:cmAuthor>
+</p:cmAuthorLst>
+</file>
+
 <file path=ppt/handoutMasters/handoutMaster1.xml><?xml version="1.0" encoding="utf-8"?>
 <p:handoutMaster xmlns:a="http://schemas.openxmlformats.org/drawingml/2006/main" xmlns:r="http://schemas.openxmlformats.org/officeDocument/2006/relationships" xmlns:p="http://schemas.openxmlformats.org/presentationml/2006/main">
   <p:cSld>
@@ -245,7 +257,7 @@
             <a:fld id="{7FF124E7-E08C-4A1F-B4FC-72D6609097A9}" type="datetimeFigureOut">
               <a:rPr lang="en-US" smtClean="0"/>
               <a:pPr/>
-              <a:t>4/8/2014</a:t>
+              <a:t>4/10/2014</a:t>
             </a:fld>
             <a:endParaRPr lang="en-US"/>
           </a:p>
@@ -412,7 +424,7 @@
             <a:fld id="{C754077B-E038-4881-9183-8AE27FD3E7C1}" type="datetimeFigureOut">
               <a:rPr lang="en-US" smtClean="0"/>
               <a:pPr/>
-              <a:t>4/8/2014</a:t>
+              <a:t>4/10/2014</a:t>
             </a:fld>
             <a:endParaRPr lang="en-US"/>
           </a:p>
@@ -683,6 +695,1125 @@
 </p:notesMaster>
 </file>
 
+<file path=ppt/notesSlides/notesSlide1.xml><?xml version="1.0" encoding="utf-8"?>
+<p:notes xmlns:a="http://schemas.openxmlformats.org/drawingml/2006/main" xmlns:r="http://schemas.openxmlformats.org/officeDocument/2006/relationships" xmlns:p="http://schemas.openxmlformats.org/presentationml/2006/main">
+  <p:cSld>
+    <p:spTree>
+      <p:nvGrpSpPr>
+        <p:cNvPr id="1" name=""/>
+        <p:cNvGrpSpPr/>
+        <p:nvPr/>
+      </p:nvGrpSpPr>
+      <p:grpSpPr>
+        <a:xfrm>
+          <a:off x="0" y="0"/>
+          <a:ext cx="0" cy="0"/>
+          <a:chOff x="0" y="0"/>
+          <a:chExt cx="0" cy="0"/>
+        </a:xfrm>
+      </p:grpSpPr>
+      <p:sp>
+        <p:nvSpPr>
+          <p:cNvPr id="2" name="Slide Image Placeholder 1"/>
+          <p:cNvSpPr>
+            <a:spLocks noGrp="1" noRot="1" noChangeAspect="1"/>
+          </p:cNvSpPr>
+          <p:nvPr>
+            <p:ph type="sldImg"/>
+          </p:nvPr>
+        </p:nvSpPr>
+        <p:spPr/>
+      </p:sp>
+      <p:sp>
+        <p:nvSpPr>
+          <p:cNvPr id="3" name="Notes Placeholder 2"/>
+          <p:cNvSpPr>
+            <a:spLocks noGrp="1"/>
+          </p:cNvSpPr>
+          <p:nvPr>
+            <p:ph type="body" idx="1"/>
+          </p:nvPr>
+        </p:nvSpPr>
+        <p:spPr/>
+        <p:txBody>
+          <a:bodyPr/>
+          <a:lstStyle/>
+          <a:p>
+            <a:endParaRPr lang="sv-SE"/>
+          </a:p>
+        </p:txBody>
+      </p:sp>
+      <p:sp>
+        <p:nvSpPr>
+          <p:cNvPr id="4" name="Slide Number Placeholder 3"/>
+          <p:cNvSpPr>
+            <a:spLocks noGrp="1"/>
+          </p:cNvSpPr>
+          <p:nvPr>
+            <p:ph type="sldNum" sz="quarter" idx="10"/>
+          </p:nvPr>
+        </p:nvSpPr>
+        <p:spPr/>
+        <p:txBody>
+          <a:bodyPr/>
+          <a:lstStyle/>
+          <a:p>
+            <a:fld id="{D8AB7BB1-0015-4544-870D-C9E66CC0031D}" type="slidenum">
+              <a:rPr lang="en-US" smtClean="0"/>
+              <a:pPr/>
+              <a:t>1</a:t>
+            </a:fld>
+            <a:endParaRPr lang="en-US"/>
+          </a:p>
+        </p:txBody>
+      </p:sp>
+    </p:spTree>
+    <p:extLst>
+      <p:ext uri="{BB962C8B-B14F-4D97-AF65-F5344CB8AC3E}">
+        <p14:creationId xmlns:p14="http://schemas.microsoft.com/office/powerpoint/2010/main" val="4132093795"/>
+      </p:ext>
+    </p:extLst>
+  </p:cSld>
+  <p:clrMapOvr>
+    <a:masterClrMapping/>
+  </p:clrMapOvr>
+</p:notes>
+</file>
+
+<file path=ppt/notesSlides/notesSlide10.xml><?xml version="1.0" encoding="utf-8"?>
+<p:notes xmlns:a="http://schemas.openxmlformats.org/drawingml/2006/main" xmlns:r="http://schemas.openxmlformats.org/officeDocument/2006/relationships" xmlns:p="http://schemas.openxmlformats.org/presentationml/2006/main">
+  <p:cSld>
+    <p:spTree>
+      <p:nvGrpSpPr>
+        <p:cNvPr id="1" name=""/>
+        <p:cNvGrpSpPr/>
+        <p:nvPr/>
+      </p:nvGrpSpPr>
+      <p:grpSpPr>
+        <a:xfrm>
+          <a:off x="0" y="0"/>
+          <a:ext cx="0" cy="0"/>
+          <a:chOff x="0" y="0"/>
+          <a:chExt cx="0" cy="0"/>
+        </a:xfrm>
+      </p:grpSpPr>
+      <p:sp>
+        <p:nvSpPr>
+          <p:cNvPr id="2" name="Slide Image Placeholder 1"/>
+          <p:cNvSpPr>
+            <a:spLocks noGrp="1" noRot="1" noChangeAspect="1"/>
+          </p:cNvSpPr>
+          <p:nvPr>
+            <p:ph type="sldImg"/>
+          </p:nvPr>
+        </p:nvSpPr>
+        <p:spPr/>
+      </p:sp>
+      <p:sp>
+        <p:nvSpPr>
+          <p:cNvPr id="3" name="Notes Placeholder 2"/>
+          <p:cNvSpPr>
+            <a:spLocks noGrp="1"/>
+          </p:cNvSpPr>
+          <p:nvPr>
+            <p:ph type="body" idx="1"/>
+          </p:nvPr>
+        </p:nvSpPr>
+        <p:spPr/>
+        <p:txBody>
+          <a:bodyPr/>
+          <a:lstStyle/>
+          <a:p>
+            <a:endParaRPr lang="sv-SE"/>
+          </a:p>
+        </p:txBody>
+      </p:sp>
+      <p:sp>
+        <p:nvSpPr>
+          <p:cNvPr id="4" name="Slide Number Placeholder 3"/>
+          <p:cNvSpPr>
+            <a:spLocks noGrp="1"/>
+          </p:cNvSpPr>
+          <p:nvPr>
+            <p:ph type="sldNum" sz="quarter" idx="10"/>
+          </p:nvPr>
+        </p:nvSpPr>
+        <p:spPr/>
+        <p:txBody>
+          <a:bodyPr/>
+          <a:lstStyle/>
+          <a:p>
+            <a:fld id="{D8AB7BB1-0015-4544-870D-C9E66CC0031D}" type="slidenum">
+              <a:rPr lang="en-US" smtClean="0"/>
+              <a:pPr/>
+              <a:t>10</a:t>
+            </a:fld>
+            <a:endParaRPr lang="en-US"/>
+          </a:p>
+        </p:txBody>
+      </p:sp>
+    </p:spTree>
+    <p:extLst>
+      <p:ext uri="{BB962C8B-B14F-4D97-AF65-F5344CB8AC3E}">
+        <p14:creationId xmlns:p14="http://schemas.microsoft.com/office/powerpoint/2010/main" val="1841611481"/>
+      </p:ext>
+    </p:extLst>
+  </p:cSld>
+  <p:clrMapOvr>
+    <a:masterClrMapping/>
+  </p:clrMapOvr>
+</p:notes>
+</file>
+
+<file path=ppt/notesSlides/notesSlide11.xml><?xml version="1.0" encoding="utf-8"?>
+<p:notes xmlns:a="http://schemas.openxmlformats.org/drawingml/2006/main" xmlns:r="http://schemas.openxmlformats.org/officeDocument/2006/relationships" xmlns:p="http://schemas.openxmlformats.org/presentationml/2006/main">
+  <p:cSld>
+    <p:spTree>
+      <p:nvGrpSpPr>
+        <p:cNvPr id="1" name=""/>
+        <p:cNvGrpSpPr/>
+        <p:nvPr/>
+      </p:nvGrpSpPr>
+      <p:grpSpPr>
+        <a:xfrm>
+          <a:off x="0" y="0"/>
+          <a:ext cx="0" cy="0"/>
+          <a:chOff x="0" y="0"/>
+          <a:chExt cx="0" cy="0"/>
+        </a:xfrm>
+      </p:grpSpPr>
+      <p:sp>
+        <p:nvSpPr>
+          <p:cNvPr id="2" name="Slide Image Placeholder 1"/>
+          <p:cNvSpPr>
+            <a:spLocks noGrp="1" noRot="1" noChangeAspect="1"/>
+          </p:cNvSpPr>
+          <p:nvPr>
+            <p:ph type="sldImg"/>
+          </p:nvPr>
+        </p:nvSpPr>
+        <p:spPr/>
+      </p:sp>
+      <p:sp>
+        <p:nvSpPr>
+          <p:cNvPr id="3" name="Notes Placeholder 2"/>
+          <p:cNvSpPr>
+            <a:spLocks noGrp="1"/>
+          </p:cNvSpPr>
+          <p:nvPr>
+            <p:ph type="body" idx="1"/>
+          </p:nvPr>
+        </p:nvSpPr>
+        <p:spPr/>
+        <p:txBody>
+          <a:bodyPr/>
+          <a:lstStyle/>
+          <a:p>
+            <a:endParaRPr lang="sv-SE"/>
+          </a:p>
+        </p:txBody>
+      </p:sp>
+      <p:sp>
+        <p:nvSpPr>
+          <p:cNvPr id="4" name="Slide Number Placeholder 3"/>
+          <p:cNvSpPr>
+            <a:spLocks noGrp="1"/>
+          </p:cNvSpPr>
+          <p:nvPr>
+            <p:ph type="sldNum" sz="quarter" idx="10"/>
+          </p:nvPr>
+        </p:nvSpPr>
+        <p:spPr/>
+        <p:txBody>
+          <a:bodyPr/>
+          <a:lstStyle/>
+          <a:p>
+            <a:fld id="{D8AB7BB1-0015-4544-870D-C9E66CC0031D}" type="slidenum">
+              <a:rPr lang="en-US" smtClean="0"/>
+              <a:pPr/>
+              <a:t>11</a:t>
+            </a:fld>
+            <a:endParaRPr lang="en-US"/>
+          </a:p>
+        </p:txBody>
+      </p:sp>
+    </p:spTree>
+    <p:extLst>
+      <p:ext uri="{BB962C8B-B14F-4D97-AF65-F5344CB8AC3E}">
+        <p14:creationId xmlns:p14="http://schemas.microsoft.com/office/powerpoint/2010/main" val="650918274"/>
+      </p:ext>
+    </p:extLst>
+  </p:cSld>
+  <p:clrMapOvr>
+    <a:masterClrMapping/>
+  </p:clrMapOvr>
+</p:notes>
+</file>
+
+<file path=ppt/notesSlides/notesSlide12.xml><?xml version="1.0" encoding="utf-8"?>
+<p:notes xmlns:a="http://schemas.openxmlformats.org/drawingml/2006/main" xmlns:r="http://schemas.openxmlformats.org/officeDocument/2006/relationships" xmlns:p="http://schemas.openxmlformats.org/presentationml/2006/main">
+  <p:cSld>
+    <p:spTree>
+      <p:nvGrpSpPr>
+        <p:cNvPr id="1" name=""/>
+        <p:cNvGrpSpPr/>
+        <p:nvPr/>
+      </p:nvGrpSpPr>
+      <p:grpSpPr>
+        <a:xfrm>
+          <a:off x="0" y="0"/>
+          <a:ext cx="0" cy="0"/>
+          <a:chOff x="0" y="0"/>
+          <a:chExt cx="0" cy="0"/>
+        </a:xfrm>
+      </p:grpSpPr>
+      <p:sp>
+        <p:nvSpPr>
+          <p:cNvPr id="2" name="Slide Image Placeholder 1"/>
+          <p:cNvSpPr>
+            <a:spLocks noGrp="1" noRot="1" noChangeAspect="1"/>
+          </p:cNvSpPr>
+          <p:nvPr>
+            <p:ph type="sldImg"/>
+          </p:nvPr>
+        </p:nvSpPr>
+        <p:spPr/>
+      </p:sp>
+      <p:sp>
+        <p:nvSpPr>
+          <p:cNvPr id="3" name="Notes Placeholder 2"/>
+          <p:cNvSpPr>
+            <a:spLocks noGrp="1"/>
+          </p:cNvSpPr>
+          <p:nvPr>
+            <p:ph type="body" idx="1"/>
+          </p:nvPr>
+        </p:nvSpPr>
+        <p:spPr/>
+        <p:txBody>
+          <a:bodyPr/>
+          <a:lstStyle/>
+          <a:p>
+            <a:r>
+              <a:rPr lang="sv-SE" dirty="0" smtClean="0"/>
+              <a:t>Two</a:t>
+            </a:r>
+            <a:r>
+              <a:rPr lang="sv-SE" baseline="0" dirty="0" smtClean="0"/>
+              <a:t> alternative ways- first using standard verify with equals(), then doing a custom equality check.</a:t>
+            </a:r>
+            <a:endParaRPr lang="sv-SE" dirty="0"/>
+          </a:p>
+        </p:txBody>
+      </p:sp>
+      <p:sp>
+        <p:nvSpPr>
+          <p:cNvPr id="4" name="Slide Number Placeholder 3"/>
+          <p:cNvSpPr>
+            <a:spLocks noGrp="1"/>
+          </p:cNvSpPr>
+          <p:nvPr>
+            <p:ph type="sldNum" sz="quarter" idx="10"/>
+          </p:nvPr>
+        </p:nvSpPr>
+        <p:spPr/>
+        <p:txBody>
+          <a:bodyPr/>
+          <a:lstStyle/>
+          <a:p>
+            <a:fld id="{D8AB7BB1-0015-4544-870D-C9E66CC0031D}" type="slidenum">
+              <a:rPr lang="en-US" smtClean="0"/>
+              <a:pPr/>
+              <a:t>13</a:t>
+            </a:fld>
+            <a:endParaRPr lang="en-US"/>
+          </a:p>
+        </p:txBody>
+      </p:sp>
+    </p:spTree>
+    <p:extLst>
+      <p:ext uri="{BB962C8B-B14F-4D97-AF65-F5344CB8AC3E}">
+        <p14:creationId xmlns:p14="http://schemas.microsoft.com/office/powerpoint/2010/main" val="3137554968"/>
+      </p:ext>
+    </p:extLst>
+  </p:cSld>
+  <p:clrMapOvr>
+    <a:masterClrMapping/>
+  </p:clrMapOvr>
+</p:notes>
+</file>
+
+<file path=ppt/notesSlides/notesSlide2.xml><?xml version="1.0" encoding="utf-8"?>
+<p:notes xmlns:a="http://schemas.openxmlformats.org/drawingml/2006/main" xmlns:r="http://schemas.openxmlformats.org/officeDocument/2006/relationships" xmlns:p="http://schemas.openxmlformats.org/presentationml/2006/main">
+  <p:cSld>
+    <p:spTree>
+      <p:nvGrpSpPr>
+        <p:cNvPr id="1" name=""/>
+        <p:cNvGrpSpPr/>
+        <p:nvPr/>
+      </p:nvGrpSpPr>
+      <p:grpSpPr>
+        <a:xfrm>
+          <a:off x="0" y="0"/>
+          <a:ext cx="0" cy="0"/>
+          <a:chOff x="0" y="0"/>
+          <a:chExt cx="0" cy="0"/>
+        </a:xfrm>
+      </p:grpSpPr>
+      <p:sp>
+        <p:nvSpPr>
+          <p:cNvPr id="2" name="Slide Image Placeholder 1"/>
+          <p:cNvSpPr>
+            <a:spLocks noGrp="1" noRot="1" noChangeAspect="1"/>
+          </p:cNvSpPr>
+          <p:nvPr>
+            <p:ph type="sldImg"/>
+          </p:nvPr>
+        </p:nvSpPr>
+        <p:spPr/>
+      </p:sp>
+      <p:sp>
+        <p:nvSpPr>
+          <p:cNvPr id="3" name="Notes Placeholder 2"/>
+          <p:cNvSpPr>
+            <a:spLocks noGrp="1"/>
+          </p:cNvSpPr>
+          <p:nvPr>
+            <p:ph type="body" idx="1"/>
+          </p:nvPr>
+        </p:nvSpPr>
+        <p:spPr/>
+        <p:txBody>
+          <a:bodyPr/>
+          <a:lstStyle/>
+          <a:p>
+            <a:r>
+              <a:rPr lang="sv-SE" dirty="0" smtClean="0"/>
+              <a:t>Typically</a:t>
+            </a:r>
+            <a:r>
+              <a:rPr lang="sv-SE" baseline="0" dirty="0" smtClean="0"/>
+              <a:t> used with Junit but not necessarily.</a:t>
+            </a:r>
+          </a:p>
+          <a:p>
+            <a:endParaRPr lang="sv-SE" dirty="0"/>
+          </a:p>
+        </p:txBody>
+      </p:sp>
+      <p:sp>
+        <p:nvSpPr>
+          <p:cNvPr id="4" name="Slide Number Placeholder 3"/>
+          <p:cNvSpPr>
+            <a:spLocks noGrp="1"/>
+          </p:cNvSpPr>
+          <p:nvPr>
+            <p:ph type="sldNum" sz="quarter" idx="10"/>
+          </p:nvPr>
+        </p:nvSpPr>
+        <p:spPr/>
+        <p:txBody>
+          <a:bodyPr/>
+          <a:lstStyle/>
+          <a:p>
+            <a:fld id="{D8AB7BB1-0015-4544-870D-C9E66CC0031D}" type="slidenum">
+              <a:rPr lang="en-US" smtClean="0"/>
+              <a:pPr/>
+              <a:t>2</a:t>
+            </a:fld>
+            <a:endParaRPr lang="en-US"/>
+          </a:p>
+        </p:txBody>
+      </p:sp>
+    </p:spTree>
+    <p:extLst>
+      <p:ext uri="{BB962C8B-B14F-4D97-AF65-F5344CB8AC3E}">
+        <p14:creationId xmlns:p14="http://schemas.microsoft.com/office/powerpoint/2010/main" val="4039252632"/>
+      </p:ext>
+    </p:extLst>
+  </p:cSld>
+  <p:clrMapOvr>
+    <a:masterClrMapping/>
+  </p:clrMapOvr>
+</p:notes>
+</file>
+
+<file path=ppt/notesSlides/notesSlide3.xml><?xml version="1.0" encoding="utf-8"?>
+<p:notes xmlns:a="http://schemas.openxmlformats.org/drawingml/2006/main" xmlns:r="http://schemas.openxmlformats.org/officeDocument/2006/relationships" xmlns:p="http://schemas.openxmlformats.org/presentationml/2006/main">
+  <p:cSld>
+    <p:spTree>
+      <p:nvGrpSpPr>
+        <p:cNvPr id="1" name=""/>
+        <p:cNvGrpSpPr/>
+        <p:nvPr/>
+      </p:nvGrpSpPr>
+      <p:grpSpPr>
+        <a:xfrm>
+          <a:off x="0" y="0"/>
+          <a:ext cx="0" cy="0"/>
+          <a:chOff x="0" y="0"/>
+          <a:chExt cx="0" cy="0"/>
+        </a:xfrm>
+      </p:grpSpPr>
+      <p:sp>
+        <p:nvSpPr>
+          <p:cNvPr id="2" name="Slide Image Placeholder 1"/>
+          <p:cNvSpPr>
+            <a:spLocks noGrp="1" noRot="1" noChangeAspect="1"/>
+          </p:cNvSpPr>
+          <p:nvPr>
+            <p:ph type="sldImg"/>
+          </p:nvPr>
+        </p:nvSpPr>
+        <p:spPr/>
+      </p:sp>
+      <p:sp>
+        <p:nvSpPr>
+          <p:cNvPr id="3" name="Notes Placeholder 2"/>
+          <p:cNvSpPr>
+            <a:spLocks noGrp="1"/>
+          </p:cNvSpPr>
+          <p:nvPr>
+            <p:ph type="body" idx="1"/>
+          </p:nvPr>
+        </p:nvSpPr>
+        <p:spPr/>
+        <p:txBody>
+          <a:bodyPr/>
+          <a:lstStyle/>
+          <a:p>
+            <a:r>
+              <a:rPr lang="sv-SE" dirty="0" smtClean="0"/>
+              <a:t>Example:</a:t>
+            </a:r>
+            <a:r>
+              <a:rPr lang="sv-SE" baseline="0" dirty="0" smtClean="0"/>
+              <a:t> send a database mock to a method and verify that data is inserted.</a:t>
+            </a:r>
+          </a:p>
+          <a:p>
+            <a:r>
+              <a:rPr lang="sv-SE" baseline="0" smtClean="0"/>
+              <a:t>Mockito provides a range of methods used to verify how an object has been interacted with.</a:t>
+            </a:r>
+            <a:endParaRPr lang="sv-SE" dirty="0"/>
+          </a:p>
+        </p:txBody>
+      </p:sp>
+      <p:sp>
+        <p:nvSpPr>
+          <p:cNvPr id="4" name="Slide Number Placeholder 3"/>
+          <p:cNvSpPr>
+            <a:spLocks noGrp="1"/>
+          </p:cNvSpPr>
+          <p:nvPr>
+            <p:ph type="sldNum" sz="quarter" idx="10"/>
+          </p:nvPr>
+        </p:nvSpPr>
+        <p:spPr/>
+        <p:txBody>
+          <a:bodyPr/>
+          <a:lstStyle/>
+          <a:p>
+            <a:fld id="{D8AB7BB1-0015-4544-870D-C9E66CC0031D}" type="slidenum">
+              <a:rPr lang="en-US" smtClean="0"/>
+              <a:pPr/>
+              <a:t>3</a:t>
+            </a:fld>
+            <a:endParaRPr lang="en-US"/>
+          </a:p>
+        </p:txBody>
+      </p:sp>
+    </p:spTree>
+    <p:extLst>
+      <p:ext uri="{BB962C8B-B14F-4D97-AF65-F5344CB8AC3E}">
+        <p14:creationId xmlns:p14="http://schemas.microsoft.com/office/powerpoint/2010/main" val="1399373439"/>
+      </p:ext>
+    </p:extLst>
+  </p:cSld>
+  <p:clrMapOvr>
+    <a:masterClrMapping/>
+  </p:clrMapOvr>
+</p:notes>
+</file>
+
+<file path=ppt/notesSlides/notesSlide4.xml><?xml version="1.0" encoding="utf-8"?>
+<p:notes xmlns:a="http://schemas.openxmlformats.org/drawingml/2006/main" xmlns:r="http://schemas.openxmlformats.org/officeDocument/2006/relationships" xmlns:p="http://schemas.openxmlformats.org/presentationml/2006/main">
+  <p:cSld>
+    <p:spTree>
+      <p:nvGrpSpPr>
+        <p:cNvPr id="1" name=""/>
+        <p:cNvGrpSpPr/>
+        <p:nvPr/>
+      </p:nvGrpSpPr>
+      <p:grpSpPr>
+        <a:xfrm>
+          <a:off x="0" y="0"/>
+          <a:ext cx="0" cy="0"/>
+          <a:chOff x="0" y="0"/>
+          <a:chExt cx="0" cy="0"/>
+        </a:xfrm>
+      </p:grpSpPr>
+      <p:sp>
+        <p:nvSpPr>
+          <p:cNvPr id="2" name="Slide Image Placeholder 1"/>
+          <p:cNvSpPr>
+            <a:spLocks noGrp="1" noRot="1" noChangeAspect="1"/>
+          </p:cNvSpPr>
+          <p:nvPr>
+            <p:ph type="sldImg"/>
+          </p:nvPr>
+        </p:nvSpPr>
+        <p:spPr/>
+      </p:sp>
+      <p:sp>
+        <p:nvSpPr>
+          <p:cNvPr id="3" name="Notes Placeholder 2"/>
+          <p:cNvSpPr>
+            <a:spLocks noGrp="1"/>
+          </p:cNvSpPr>
+          <p:nvPr>
+            <p:ph type="body" idx="1"/>
+          </p:nvPr>
+        </p:nvSpPr>
+        <p:spPr/>
+        <p:txBody>
+          <a:bodyPr/>
+          <a:lstStyle/>
+          <a:p>
+            <a:r>
+              <a:rPr lang="sv-SE" dirty="0" smtClean="0"/>
+              <a:t>Stubbing probably more useful than mocking.</a:t>
+            </a:r>
+            <a:endParaRPr lang="sv-SE" dirty="0"/>
+          </a:p>
+        </p:txBody>
+      </p:sp>
+      <p:sp>
+        <p:nvSpPr>
+          <p:cNvPr id="4" name="Slide Number Placeholder 3"/>
+          <p:cNvSpPr>
+            <a:spLocks noGrp="1"/>
+          </p:cNvSpPr>
+          <p:nvPr>
+            <p:ph type="sldNum" sz="quarter" idx="10"/>
+          </p:nvPr>
+        </p:nvSpPr>
+        <p:spPr/>
+        <p:txBody>
+          <a:bodyPr/>
+          <a:lstStyle/>
+          <a:p>
+            <a:fld id="{D8AB7BB1-0015-4544-870D-C9E66CC0031D}" type="slidenum">
+              <a:rPr lang="en-US" smtClean="0"/>
+              <a:pPr/>
+              <a:t>4</a:t>
+            </a:fld>
+            <a:endParaRPr lang="en-US"/>
+          </a:p>
+        </p:txBody>
+      </p:sp>
+    </p:spTree>
+    <p:extLst>
+      <p:ext uri="{BB962C8B-B14F-4D97-AF65-F5344CB8AC3E}">
+        <p14:creationId xmlns:p14="http://schemas.microsoft.com/office/powerpoint/2010/main" val="3333630188"/>
+      </p:ext>
+    </p:extLst>
+  </p:cSld>
+  <p:clrMapOvr>
+    <a:masterClrMapping/>
+  </p:clrMapOvr>
+</p:notes>
+</file>
+
+<file path=ppt/notesSlides/notesSlide5.xml><?xml version="1.0" encoding="utf-8"?>
+<p:notes xmlns:a="http://schemas.openxmlformats.org/drawingml/2006/main" xmlns:r="http://schemas.openxmlformats.org/officeDocument/2006/relationships" xmlns:p="http://schemas.openxmlformats.org/presentationml/2006/main">
+  <p:cSld>
+    <p:spTree>
+      <p:nvGrpSpPr>
+        <p:cNvPr id="1" name=""/>
+        <p:cNvGrpSpPr/>
+        <p:nvPr/>
+      </p:nvGrpSpPr>
+      <p:grpSpPr>
+        <a:xfrm>
+          <a:off x="0" y="0"/>
+          <a:ext cx="0" cy="0"/>
+          <a:chOff x="0" y="0"/>
+          <a:chExt cx="0" cy="0"/>
+        </a:xfrm>
+      </p:grpSpPr>
+      <p:sp>
+        <p:nvSpPr>
+          <p:cNvPr id="2" name="Slide Image Placeholder 1"/>
+          <p:cNvSpPr>
+            <a:spLocks noGrp="1" noRot="1" noChangeAspect="1"/>
+          </p:cNvSpPr>
+          <p:nvPr>
+            <p:ph type="sldImg"/>
+          </p:nvPr>
+        </p:nvSpPr>
+        <p:spPr/>
+      </p:sp>
+      <p:sp>
+        <p:nvSpPr>
+          <p:cNvPr id="3" name="Notes Placeholder 2"/>
+          <p:cNvSpPr>
+            <a:spLocks noGrp="1"/>
+          </p:cNvSpPr>
+          <p:nvPr>
+            <p:ph type="body" idx="1"/>
+          </p:nvPr>
+        </p:nvSpPr>
+        <p:spPr/>
+        <p:txBody>
+          <a:bodyPr/>
+          <a:lstStyle/>
+          <a:p>
+            <a:r>
+              <a:rPr lang="sv-SE" dirty="0" smtClean="0"/>
+              <a:t>Abstract class and interface</a:t>
+            </a:r>
+            <a:r>
+              <a:rPr lang="sv-SE" baseline="0" dirty="0" smtClean="0"/>
+              <a:t> - OK </a:t>
+            </a:r>
+          </a:p>
+          <a:p>
+            <a:r>
+              <a:rPr lang="sv-SE" baseline="0" dirty="0" smtClean="0"/>
+              <a:t>Static methods not – NO</a:t>
+            </a:r>
+          </a:p>
+          <a:p>
+            <a:r>
+              <a:rPr lang="sv-SE" baseline="0" dirty="0" smtClean="0"/>
+              <a:t>Private methods – NO</a:t>
+            </a:r>
+          </a:p>
+          <a:p>
+            <a:r>
+              <a:rPr lang="sv-SE" baseline="0" dirty="0" smtClean="0"/>
+              <a:t>Final methods – NO</a:t>
+            </a:r>
+          </a:p>
+          <a:p>
+            <a:pPr marL="0" marR="0" indent="0" algn="l" defTabSz="914400" rtl="0" eaLnBrk="1" fontAlgn="auto" latinLnBrk="0" hangingPunct="1">
+              <a:lnSpc>
+                <a:spcPct val="100000"/>
+              </a:lnSpc>
+              <a:spcBef>
+                <a:spcPts val="0"/>
+              </a:spcBef>
+              <a:spcAft>
+                <a:spcPts val="0"/>
+              </a:spcAft>
+              <a:buClrTx/>
+              <a:buSzTx/>
+              <a:buFontTx/>
+              <a:buNone/>
+              <a:tabLst/>
+              <a:defRPr/>
+            </a:pPr>
+            <a:r>
+              <a:rPr lang="sv-SE" baseline="0" dirty="0" smtClean="0"/>
+              <a:t>(Mockito proxy class extends mocked class)</a:t>
+            </a:r>
+            <a:endParaRPr lang="sv-SE" baseline="0" dirty="0" smtClean="0"/>
+          </a:p>
+          <a:p>
+            <a:r>
+              <a:rPr lang="sv-SE" baseline="0" dirty="0" smtClean="0"/>
+              <a:t>PowerMock supports all cases.</a:t>
+            </a:r>
+          </a:p>
+        </p:txBody>
+      </p:sp>
+      <p:sp>
+        <p:nvSpPr>
+          <p:cNvPr id="4" name="Slide Number Placeholder 3"/>
+          <p:cNvSpPr>
+            <a:spLocks noGrp="1"/>
+          </p:cNvSpPr>
+          <p:nvPr>
+            <p:ph type="sldNum" sz="quarter" idx="10"/>
+          </p:nvPr>
+        </p:nvSpPr>
+        <p:spPr/>
+        <p:txBody>
+          <a:bodyPr/>
+          <a:lstStyle/>
+          <a:p>
+            <a:fld id="{D8AB7BB1-0015-4544-870D-C9E66CC0031D}" type="slidenum">
+              <a:rPr lang="en-US" smtClean="0"/>
+              <a:pPr/>
+              <a:t>5</a:t>
+            </a:fld>
+            <a:endParaRPr lang="en-US"/>
+          </a:p>
+        </p:txBody>
+      </p:sp>
+    </p:spTree>
+    <p:extLst>
+      <p:ext uri="{BB962C8B-B14F-4D97-AF65-F5344CB8AC3E}">
+        <p14:creationId xmlns:p14="http://schemas.microsoft.com/office/powerpoint/2010/main" val="4123239919"/>
+      </p:ext>
+    </p:extLst>
+  </p:cSld>
+  <p:clrMapOvr>
+    <a:masterClrMapping/>
+  </p:clrMapOvr>
+</p:notes>
+</file>
+
+<file path=ppt/notesSlides/notesSlide6.xml><?xml version="1.0" encoding="utf-8"?>
+<p:notes xmlns:a="http://schemas.openxmlformats.org/drawingml/2006/main" xmlns:r="http://schemas.openxmlformats.org/officeDocument/2006/relationships" xmlns:p="http://schemas.openxmlformats.org/presentationml/2006/main">
+  <p:cSld>
+    <p:spTree>
+      <p:nvGrpSpPr>
+        <p:cNvPr id="1" name=""/>
+        <p:cNvGrpSpPr/>
+        <p:nvPr/>
+      </p:nvGrpSpPr>
+      <p:grpSpPr>
+        <a:xfrm>
+          <a:off x="0" y="0"/>
+          <a:ext cx="0" cy="0"/>
+          <a:chOff x="0" y="0"/>
+          <a:chExt cx="0" cy="0"/>
+        </a:xfrm>
+      </p:grpSpPr>
+      <p:sp>
+        <p:nvSpPr>
+          <p:cNvPr id="2" name="Slide Image Placeholder 1"/>
+          <p:cNvSpPr>
+            <a:spLocks noGrp="1" noRot="1" noChangeAspect="1"/>
+          </p:cNvSpPr>
+          <p:nvPr>
+            <p:ph type="sldImg"/>
+          </p:nvPr>
+        </p:nvSpPr>
+        <p:spPr/>
+      </p:sp>
+      <p:sp>
+        <p:nvSpPr>
+          <p:cNvPr id="3" name="Notes Placeholder 2"/>
+          <p:cNvSpPr>
+            <a:spLocks noGrp="1"/>
+          </p:cNvSpPr>
+          <p:nvPr>
+            <p:ph type="body" idx="1"/>
+          </p:nvPr>
+        </p:nvSpPr>
+        <p:spPr/>
+        <p:txBody>
+          <a:bodyPr/>
+          <a:lstStyle/>
+          <a:p>
+            <a:endParaRPr lang="sv-SE"/>
+          </a:p>
+        </p:txBody>
+      </p:sp>
+      <p:sp>
+        <p:nvSpPr>
+          <p:cNvPr id="4" name="Slide Number Placeholder 3"/>
+          <p:cNvSpPr>
+            <a:spLocks noGrp="1"/>
+          </p:cNvSpPr>
+          <p:nvPr>
+            <p:ph type="sldNum" sz="quarter" idx="10"/>
+          </p:nvPr>
+        </p:nvSpPr>
+        <p:spPr/>
+        <p:txBody>
+          <a:bodyPr/>
+          <a:lstStyle/>
+          <a:p>
+            <a:fld id="{D8AB7BB1-0015-4544-870D-C9E66CC0031D}" type="slidenum">
+              <a:rPr lang="en-US" smtClean="0"/>
+              <a:pPr/>
+              <a:t>6</a:t>
+            </a:fld>
+            <a:endParaRPr lang="en-US"/>
+          </a:p>
+        </p:txBody>
+      </p:sp>
+    </p:spTree>
+    <p:extLst>
+      <p:ext uri="{BB962C8B-B14F-4D97-AF65-F5344CB8AC3E}">
+        <p14:creationId xmlns:p14="http://schemas.microsoft.com/office/powerpoint/2010/main" val="3735468485"/>
+      </p:ext>
+    </p:extLst>
+  </p:cSld>
+  <p:clrMapOvr>
+    <a:masterClrMapping/>
+  </p:clrMapOvr>
+</p:notes>
+</file>
+
+<file path=ppt/notesSlides/notesSlide7.xml><?xml version="1.0" encoding="utf-8"?>
+<p:notes xmlns:a="http://schemas.openxmlformats.org/drawingml/2006/main" xmlns:r="http://schemas.openxmlformats.org/officeDocument/2006/relationships" xmlns:p="http://schemas.openxmlformats.org/presentationml/2006/main">
+  <p:cSld>
+    <p:spTree>
+      <p:nvGrpSpPr>
+        <p:cNvPr id="1" name=""/>
+        <p:cNvGrpSpPr/>
+        <p:nvPr/>
+      </p:nvGrpSpPr>
+      <p:grpSpPr>
+        <a:xfrm>
+          <a:off x="0" y="0"/>
+          <a:ext cx="0" cy="0"/>
+          <a:chOff x="0" y="0"/>
+          <a:chExt cx="0" cy="0"/>
+        </a:xfrm>
+      </p:grpSpPr>
+      <p:sp>
+        <p:nvSpPr>
+          <p:cNvPr id="2" name="Slide Image Placeholder 1"/>
+          <p:cNvSpPr>
+            <a:spLocks noGrp="1" noRot="1" noChangeAspect="1"/>
+          </p:cNvSpPr>
+          <p:nvPr>
+            <p:ph type="sldImg"/>
+          </p:nvPr>
+        </p:nvSpPr>
+        <p:spPr/>
+      </p:sp>
+      <p:sp>
+        <p:nvSpPr>
+          <p:cNvPr id="3" name="Notes Placeholder 2"/>
+          <p:cNvSpPr>
+            <a:spLocks noGrp="1"/>
+          </p:cNvSpPr>
+          <p:nvPr>
+            <p:ph type="body" idx="1"/>
+          </p:nvPr>
+        </p:nvSpPr>
+        <p:spPr/>
+        <p:txBody>
+          <a:bodyPr/>
+          <a:lstStyle/>
+          <a:p>
+            <a:endParaRPr lang="sv-SE"/>
+          </a:p>
+        </p:txBody>
+      </p:sp>
+      <p:sp>
+        <p:nvSpPr>
+          <p:cNvPr id="4" name="Slide Number Placeholder 3"/>
+          <p:cNvSpPr>
+            <a:spLocks noGrp="1"/>
+          </p:cNvSpPr>
+          <p:nvPr>
+            <p:ph type="sldNum" sz="quarter" idx="10"/>
+          </p:nvPr>
+        </p:nvSpPr>
+        <p:spPr/>
+        <p:txBody>
+          <a:bodyPr/>
+          <a:lstStyle/>
+          <a:p>
+            <a:fld id="{D8AB7BB1-0015-4544-870D-C9E66CC0031D}" type="slidenum">
+              <a:rPr lang="en-US" smtClean="0"/>
+              <a:pPr/>
+              <a:t>7</a:t>
+            </a:fld>
+            <a:endParaRPr lang="en-US"/>
+          </a:p>
+        </p:txBody>
+      </p:sp>
+    </p:spTree>
+    <p:extLst>
+      <p:ext uri="{BB962C8B-B14F-4D97-AF65-F5344CB8AC3E}">
+        <p14:creationId xmlns:p14="http://schemas.microsoft.com/office/powerpoint/2010/main" val="1229608585"/>
+      </p:ext>
+    </p:extLst>
+  </p:cSld>
+  <p:clrMapOvr>
+    <a:masterClrMapping/>
+  </p:clrMapOvr>
+</p:notes>
+</file>
+
+<file path=ppt/notesSlides/notesSlide8.xml><?xml version="1.0" encoding="utf-8"?>
+<p:notes xmlns:a="http://schemas.openxmlformats.org/drawingml/2006/main" xmlns:r="http://schemas.openxmlformats.org/officeDocument/2006/relationships" xmlns:p="http://schemas.openxmlformats.org/presentationml/2006/main">
+  <p:cSld>
+    <p:spTree>
+      <p:nvGrpSpPr>
+        <p:cNvPr id="1" name=""/>
+        <p:cNvGrpSpPr/>
+        <p:nvPr/>
+      </p:nvGrpSpPr>
+      <p:grpSpPr>
+        <a:xfrm>
+          <a:off x="0" y="0"/>
+          <a:ext cx="0" cy="0"/>
+          <a:chOff x="0" y="0"/>
+          <a:chExt cx="0" cy="0"/>
+        </a:xfrm>
+      </p:grpSpPr>
+      <p:sp>
+        <p:nvSpPr>
+          <p:cNvPr id="2" name="Slide Image Placeholder 1"/>
+          <p:cNvSpPr>
+            <a:spLocks noGrp="1" noRot="1" noChangeAspect="1"/>
+          </p:cNvSpPr>
+          <p:nvPr>
+            <p:ph type="sldImg"/>
+          </p:nvPr>
+        </p:nvSpPr>
+        <p:spPr/>
+      </p:sp>
+      <p:sp>
+        <p:nvSpPr>
+          <p:cNvPr id="3" name="Notes Placeholder 2"/>
+          <p:cNvSpPr>
+            <a:spLocks noGrp="1"/>
+          </p:cNvSpPr>
+          <p:nvPr>
+            <p:ph type="body" idx="1"/>
+          </p:nvPr>
+        </p:nvSpPr>
+        <p:spPr/>
+        <p:txBody>
+          <a:bodyPr/>
+          <a:lstStyle/>
+          <a:p>
+            <a:r>
+              <a:rPr lang="sv-SE" dirty="0" smtClean="0"/>
+              <a:t>Order of verify calls</a:t>
+            </a:r>
+            <a:r>
+              <a:rPr lang="sv-SE" baseline="0" dirty="0" smtClean="0"/>
+              <a:t> not important by default. Also allowed to verify something more than once.</a:t>
+            </a:r>
+            <a:endParaRPr lang="sv-SE" dirty="0"/>
+          </a:p>
+        </p:txBody>
+      </p:sp>
+      <p:sp>
+        <p:nvSpPr>
+          <p:cNvPr id="4" name="Slide Number Placeholder 3"/>
+          <p:cNvSpPr>
+            <a:spLocks noGrp="1"/>
+          </p:cNvSpPr>
+          <p:nvPr>
+            <p:ph type="sldNum" sz="quarter" idx="10"/>
+          </p:nvPr>
+        </p:nvSpPr>
+        <p:spPr/>
+        <p:txBody>
+          <a:bodyPr/>
+          <a:lstStyle/>
+          <a:p>
+            <a:fld id="{D8AB7BB1-0015-4544-870D-C9E66CC0031D}" type="slidenum">
+              <a:rPr lang="en-US" smtClean="0"/>
+              <a:pPr/>
+              <a:t>8</a:t>
+            </a:fld>
+            <a:endParaRPr lang="en-US"/>
+          </a:p>
+        </p:txBody>
+      </p:sp>
+    </p:spTree>
+    <p:extLst>
+      <p:ext uri="{BB962C8B-B14F-4D97-AF65-F5344CB8AC3E}">
+        <p14:creationId xmlns:p14="http://schemas.microsoft.com/office/powerpoint/2010/main" val="2285977247"/>
+      </p:ext>
+    </p:extLst>
+  </p:cSld>
+  <p:clrMapOvr>
+    <a:masterClrMapping/>
+  </p:clrMapOvr>
+</p:notes>
+</file>
+
+<file path=ppt/notesSlides/notesSlide9.xml><?xml version="1.0" encoding="utf-8"?>
+<p:notes xmlns:a="http://schemas.openxmlformats.org/drawingml/2006/main" xmlns:r="http://schemas.openxmlformats.org/officeDocument/2006/relationships" xmlns:p="http://schemas.openxmlformats.org/presentationml/2006/main">
+  <p:cSld>
+    <p:spTree>
+      <p:nvGrpSpPr>
+        <p:cNvPr id="1" name=""/>
+        <p:cNvGrpSpPr/>
+        <p:nvPr/>
+      </p:nvGrpSpPr>
+      <p:grpSpPr>
+        <a:xfrm>
+          <a:off x="0" y="0"/>
+          <a:ext cx="0" cy="0"/>
+          <a:chOff x="0" y="0"/>
+          <a:chExt cx="0" cy="0"/>
+        </a:xfrm>
+      </p:grpSpPr>
+      <p:sp>
+        <p:nvSpPr>
+          <p:cNvPr id="2" name="Slide Image Placeholder 1"/>
+          <p:cNvSpPr>
+            <a:spLocks noGrp="1" noRot="1" noChangeAspect="1"/>
+          </p:cNvSpPr>
+          <p:nvPr>
+            <p:ph type="sldImg"/>
+          </p:nvPr>
+        </p:nvSpPr>
+        <p:spPr/>
+      </p:sp>
+      <p:sp>
+        <p:nvSpPr>
+          <p:cNvPr id="3" name="Notes Placeholder 2"/>
+          <p:cNvSpPr>
+            <a:spLocks noGrp="1"/>
+          </p:cNvSpPr>
+          <p:nvPr>
+            <p:ph type="body" idx="1"/>
+          </p:nvPr>
+        </p:nvSpPr>
+        <p:spPr/>
+        <p:txBody>
+          <a:bodyPr/>
+          <a:lstStyle/>
+          <a:p>
+            <a:endParaRPr lang="sv-SE"/>
+          </a:p>
+        </p:txBody>
+      </p:sp>
+      <p:sp>
+        <p:nvSpPr>
+          <p:cNvPr id="4" name="Slide Number Placeholder 3"/>
+          <p:cNvSpPr>
+            <a:spLocks noGrp="1"/>
+          </p:cNvSpPr>
+          <p:nvPr>
+            <p:ph type="sldNum" sz="quarter" idx="10"/>
+          </p:nvPr>
+        </p:nvSpPr>
+        <p:spPr/>
+        <p:txBody>
+          <a:bodyPr/>
+          <a:lstStyle/>
+          <a:p>
+            <a:fld id="{D8AB7BB1-0015-4544-870D-C9E66CC0031D}" type="slidenum">
+              <a:rPr lang="en-US" smtClean="0"/>
+              <a:pPr/>
+              <a:t>9</a:t>
+            </a:fld>
+            <a:endParaRPr lang="en-US"/>
+          </a:p>
+        </p:txBody>
+      </p:sp>
+    </p:spTree>
+    <p:extLst>
+      <p:ext uri="{BB962C8B-B14F-4D97-AF65-F5344CB8AC3E}">
+        <p14:creationId xmlns:p14="http://schemas.microsoft.com/office/powerpoint/2010/main" val="3013612100"/>
+      </p:ext>
+    </p:extLst>
+  </p:cSld>
+  <p:clrMapOvr>
+    <a:masterClrMapping/>
+  </p:clrMapOvr>
+</p:notes>
+</file>
+
 <file path=ppt/slideLayouts/slideLayout1.xml><?xml version="1.0" encoding="utf-8"?>
 <p:sldLayout xmlns:a="http://schemas.openxmlformats.org/drawingml/2006/main" xmlns:r="http://schemas.openxmlformats.org/officeDocument/2006/relationships" xmlns:p="http://schemas.openxmlformats.org/presentationml/2006/main" preserve="1" userDrawn="1">
   <p:cSld name="Title">
@@ -717,7 +1848,7 @@
           <a:p>
             <a:fld id="{BB2F15DA-CD26-4F10-A17A-669B0BE31A12}" type="datetime1">
               <a:rPr lang="sv-SE" smtClean="0"/>
-              <a:t>2014-04-08</a:t>
+              <a:t>2014-04-10</a:t>
             </a:fld>
             <a:endParaRPr lang="en-US" dirty="0"/>
           </a:p>
@@ -949,7 +2080,7 @@
           <a:p>
             <a:fld id="{E1107469-0E63-45AD-82AB-6878B61403D7}" type="datetime1">
               <a:rPr lang="sv-SE" smtClean="0"/>
-              <a:t>2014-04-08</a:t>
+              <a:t>2014-04-10</a:t>
             </a:fld>
             <a:endParaRPr lang="en-US"/>
           </a:p>
@@ -1792,7 +2923,7 @@
           <a:p>
             <a:fld id="{0138D373-B218-4ABB-A23B-B4E288587143}" type="datetime1">
               <a:rPr lang="sv-SE" smtClean="0"/>
-              <a:t>2014-04-08</a:t>
+              <a:t>2014-04-10</a:t>
             </a:fld>
             <a:endParaRPr lang="en-US"/>
           </a:p>
@@ -1972,7 +3103,7 @@
           <a:p>
             <a:fld id="{6304F3B4-786D-4A21-8A4B-CB2908F0DF2A}" type="datetime1">
               <a:rPr lang="sv-SE" smtClean="0"/>
-              <a:t>2014-04-08</a:t>
+              <a:t>2014-04-10</a:t>
             </a:fld>
             <a:endParaRPr lang="en-US"/>
           </a:p>
@@ -2257,7 +3388,7 @@
           <a:p>
             <a:fld id="{96701F8D-F9AE-40A4-9E3F-8179E4F6EB7F}" type="datetime1">
               <a:rPr lang="sv-SE" smtClean="0"/>
-              <a:t>2014-04-08</a:t>
+              <a:t>2014-04-10</a:t>
             </a:fld>
             <a:endParaRPr lang="en-US"/>
           </a:p>
@@ -2411,7 +3542,7 @@
           <a:p>
             <a:fld id="{B6EDA5A2-2229-4195-B779-AC8887551CA9}" type="datetime1">
               <a:rPr lang="sv-SE" smtClean="0"/>
-              <a:t>2014-04-08</a:t>
+              <a:t>2014-04-10</a:t>
             </a:fld>
             <a:endParaRPr lang="en-US"/>
           </a:p>
@@ -2610,7 +3741,7 @@
           <a:p>
             <a:fld id="{7B78EC91-18F0-438E-82D6-612BE058332E}" type="datetime1">
               <a:rPr lang="sv-SE" smtClean="0"/>
-              <a:t>2014-04-08</a:t>
+              <a:t>2014-04-10</a:t>
             </a:fld>
             <a:endParaRPr lang="en-US"/>
           </a:p>
@@ -3052,7 +4183,7 @@
           <a:p>
             <a:fld id="{C7FE8BB7-FDC7-44CE-A088-E22F788EE23C}" type="datetime1">
               <a:rPr lang="sv-SE" smtClean="0"/>
-              <a:t>2014-04-08</a:t>
+              <a:t>2014-04-10</a:t>
             </a:fld>
             <a:endParaRPr lang="en-US"/>
           </a:p>
@@ -3139,7 +4270,7 @@
           <a:p>
             <a:fld id="{EB6EE6DF-F95C-4D95-BC06-A14C6431D141}" type="datetime1">
               <a:rPr lang="sv-SE" smtClean="0"/>
-              <a:t>2014-04-08</a:t>
+              <a:t>2014-04-10</a:t>
             </a:fld>
             <a:endParaRPr lang="en-US"/>
           </a:p>
@@ -3408,7 +4539,7 @@
           <a:p>
             <a:fld id="{8149B227-7C22-4D7C-87D3-8A25707A5B3D}" type="datetime1">
               <a:rPr lang="sv-SE" smtClean="0"/>
-              <a:t>2014-04-08</a:t>
+              <a:t>2014-04-10</a:t>
             </a:fld>
             <a:endParaRPr lang="en-US" dirty="0"/>
           </a:p>
@@ -3616,7 +4747,7 @@
           <a:p>
             <a:fld id="{473B9B78-5BE3-4D5E-96C7-641B79BFB780}" type="datetime1">
               <a:rPr lang="sv-SE" smtClean="0"/>
-              <a:t>2014-04-08</a:t>
+              <a:t>2014-04-10</a:t>
             </a:fld>
             <a:endParaRPr lang="en-US" dirty="0"/>
           </a:p>
@@ -3727,7 +4858,7 @@
           <a:p>
             <a:fld id="{74EE0B27-396F-4399-A5C3-F89247484EDC}" type="datetime1">
               <a:rPr lang="sv-SE" smtClean="0"/>
-              <a:t>2014-04-08</a:t>
+              <a:t>2014-04-10</a:t>
             </a:fld>
             <a:endParaRPr lang="en-US" dirty="0"/>
           </a:p>
@@ -3910,7 +5041,7 @@
           <a:p>
             <a:fld id="{69ECEFFC-5899-414D-A895-DB8CD819531D}" type="datetime1">
               <a:rPr lang="sv-SE" smtClean="0"/>
-              <a:t>2014-04-08</a:t>
+              <a:t>2014-04-10</a:t>
             </a:fld>
             <a:endParaRPr lang="en-US" dirty="0"/>
           </a:p>
@@ -4235,7 +5366,7 @@
           <a:p>
             <a:fld id="{8C30DF56-5AFC-4D1F-A64B-10876D9B5A32}" type="datetime1">
               <a:rPr lang="sv-SE" smtClean="0"/>
-              <a:t>2014-04-08</a:t>
+              <a:t>2014-04-10</a:t>
             </a:fld>
             <a:endParaRPr lang="en-US" dirty="0"/>
           </a:p>
@@ -4725,7 +5856,7 @@
           <a:p>
             <a:fld id="{B50428A0-1002-4CB5-8581-CA0CD0B3AFF3}" type="datetime1">
               <a:rPr lang="sv-SE" smtClean="0"/>
-              <a:t>2014-04-08</a:t>
+              <a:t>2014-04-10</a:t>
             </a:fld>
             <a:endParaRPr lang="en-US" dirty="0"/>
           </a:p>
@@ -4812,7 +5943,7 @@
           <a:p>
             <a:fld id="{5D7E495D-B5D6-4A52-AEA7-47196AFA98DE}" type="datetime1">
               <a:rPr lang="sv-SE" smtClean="0"/>
-              <a:t>2014-04-08</a:t>
+              <a:t>2014-04-10</a:t>
             </a:fld>
             <a:endParaRPr lang="en-US" dirty="0"/>
           </a:p>
@@ -5105,7 +6236,7 @@
           <a:p>
             <a:fld id="{BF7D7031-45D4-4926-932E-6F44239CD5BE}" type="datetime1">
               <a:rPr lang="sv-SE" smtClean="0"/>
-              <a:t>2014-04-08</a:t>
+              <a:t>2014-04-10</a:t>
             </a:fld>
             <a:endParaRPr lang="en-US"/>
           </a:p>
@@ -5465,7 +6596,7 @@
           <a:p>
             <a:fld id="{80A7162C-D27F-401C-977B-08D8D142632F}" type="datetime1">
               <a:rPr lang="sv-SE" smtClean="0"/>
-              <a:t>2014-04-08</a:t>
+              <a:t>2014-04-10</a:t>
             </a:fld>
             <a:endParaRPr lang="en-US" dirty="0"/>
           </a:p>
@@ -5994,7 +7125,7 @@
           <a:p>
             <a:fld id="{3712D359-8E67-4AAC-A073-790C6B99EA2E}" type="datetime1">
               <a:rPr lang="sv-SE" smtClean="0"/>
-              <a:t>2014-04-08</a:t>
+              <a:t>2014-04-10</a:t>
             </a:fld>
             <a:endParaRPr lang="en-US"/>
           </a:p>
@@ -7042,17 +8173,7 @@
                 <a:latin typeface="Courier New" panose="02070309020205020404" pitchFamily="49" charset="0"/>
                 <a:cs typeface="Courier New" panose="02070309020205020404" pitchFamily="49" charset="0"/>
               </a:rPr>
-              <a:t>).getResources</a:t>
-            </a:r>
-            <a:r>
-              <a:rPr lang="sv-SE" sz="2400" dirty="0" smtClean="0">
-                <a:solidFill>
-                  <a:schemeClr val="tx1"/>
-                </a:solidFill>
-                <a:latin typeface="Courier New" panose="02070309020205020404" pitchFamily="49" charset="0"/>
-                <a:cs typeface="Courier New" panose="02070309020205020404" pitchFamily="49" charset="0"/>
-              </a:rPr>
-              <a:t>(); </a:t>
+              <a:t>).getResources(); </a:t>
             </a:r>
             <a:r>
               <a:rPr lang="sv-SE" b="1" dirty="0">
@@ -7112,17 +8233,7 @@
                 <a:latin typeface="Courier New" panose="02070309020205020404" pitchFamily="49" charset="0"/>
                 <a:cs typeface="Courier New" panose="02070309020205020404" pitchFamily="49" charset="0"/>
               </a:rPr>
-              <a:t>getAssets</a:t>
-            </a:r>
-            <a:r>
-              <a:rPr lang="sv-SE" sz="2400" dirty="0" smtClean="0">
-                <a:solidFill>
-                  <a:schemeClr val="tx1"/>
-                </a:solidFill>
-                <a:latin typeface="Courier New" panose="02070309020205020404" pitchFamily="49" charset="0"/>
-                <a:cs typeface="Courier New" panose="02070309020205020404" pitchFamily="49" charset="0"/>
-              </a:rPr>
-              <a:t>(); </a:t>
+              <a:t>getAssets(); </a:t>
             </a:r>
             <a:r>
               <a:rPr lang="sv-SE" b="1" dirty="0">
@@ -7318,27 +8429,7 @@
                 <a:latin typeface="Courier New" panose="02070309020205020404" pitchFamily="49" charset="0"/>
                 <a:cs typeface="Courier New" panose="02070309020205020404" pitchFamily="49" charset="0"/>
               </a:rPr>
-              <a:t>when(ctx.openFileInput(anyString())).doThrow(new </a:t>
-            </a:r>
-            <a:r>
-              <a:rPr lang="sv-SE" sz="2400" dirty="0" smtClean="0">
-                <a:solidFill>
-                  <a:schemeClr val="tx1"/>
-                </a:solidFill>
-                <a:latin typeface="Courier New" panose="02070309020205020404" pitchFamily="49" charset="0"/>
-                <a:cs typeface="Courier New" panose="02070309020205020404" pitchFamily="49" charset="0"/>
-              </a:rPr>
-              <a:t>IOException</a:t>
-            </a:r>
-            <a:r>
-              <a:rPr lang="sv-SE" sz="2400" dirty="0" smtClean="0">
-                <a:solidFill>
-                  <a:schemeClr val="tx1"/>
-                </a:solidFill>
-                <a:latin typeface="Courier New" panose="02070309020205020404" pitchFamily="49" charset="0"/>
-                <a:cs typeface="Courier New" panose="02070309020205020404" pitchFamily="49" charset="0"/>
-              </a:rPr>
-              <a:t>())</a:t>
+              <a:t>when(ctx.openFileInput(anyString())).doThrow(new IOException())</a:t>
             </a:r>
           </a:p>
           <a:p>
@@ -7392,6 +8483,102 @@
       </p:grpSpPr>
       <p:sp>
         <p:nvSpPr>
+          <p:cNvPr id="6" name="Rounded Rectangle 5"/>
+          <p:cNvSpPr/>
+          <p:nvPr/>
+        </p:nvSpPr>
+        <p:spPr>
+          <a:xfrm>
+            <a:off x="457200" y="3861048"/>
+            <a:ext cx="8229600" cy="2304256"/>
+          </a:xfrm>
+          <a:prstGeom prst="roundRect">
+            <a:avLst/>
+          </a:prstGeom>
+          <a:solidFill>
+            <a:schemeClr val="tx2">
+              <a:alpha val="31000"/>
+            </a:schemeClr>
+          </a:solidFill>
+          <a:ln>
+            <a:noFill/>
+          </a:ln>
+        </p:spPr>
+        <p:style>
+          <a:lnRef idx="2">
+            <a:schemeClr val="accent1">
+              <a:shade val="50000"/>
+            </a:schemeClr>
+          </a:lnRef>
+          <a:fillRef idx="1">
+            <a:schemeClr val="accent1"/>
+          </a:fillRef>
+          <a:effectRef idx="0">
+            <a:schemeClr val="accent1"/>
+          </a:effectRef>
+          <a:fontRef idx="minor">
+            <a:schemeClr val="lt1"/>
+          </a:fontRef>
+        </p:style>
+        <p:txBody>
+          <a:bodyPr rtlCol="0" anchor="ctr"/>
+          <a:lstStyle/>
+          <a:p>
+            <a:pPr algn="ctr"/>
+            <a:endParaRPr lang="sv-SE"/>
+          </a:p>
+        </p:txBody>
+      </p:sp>
+      <p:sp>
+        <p:nvSpPr>
+          <p:cNvPr id="5" name="Rounded Rectangle 4"/>
+          <p:cNvSpPr/>
+          <p:nvPr/>
+        </p:nvSpPr>
+        <p:spPr>
+          <a:xfrm>
+            <a:off x="457200" y="2708920"/>
+            <a:ext cx="8229600" cy="1008112"/>
+          </a:xfrm>
+          <a:prstGeom prst="roundRect">
+            <a:avLst/>
+          </a:prstGeom>
+          <a:solidFill>
+            <a:srgbClr val="FFFF00">
+              <a:alpha val="42000"/>
+            </a:srgbClr>
+          </a:solidFill>
+          <a:ln>
+            <a:noFill/>
+          </a:ln>
+        </p:spPr>
+        <p:style>
+          <a:lnRef idx="2">
+            <a:schemeClr val="accent1">
+              <a:shade val="50000"/>
+            </a:schemeClr>
+          </a:lnRef>
+          <a:fillRef idx="1">
+            <a:schemeClr val="accent1"/>
+          </a:fillRef>
+          <a:effectRef idx="0">
+            <a:schemeClr val="accent1"/>
+          </a:effectRef>
+          <a:fontRef idx="minor">
+            <a:schemeClr val="lt1"/>
+          </a:fontRef>
+        </p:style>
+        <p:txBody>
+          <a:bodyPr rtlCol="0" anchor="ctr"/>
+          <a:lstStyle/>
+          <a:p>
+            <a:pPr algn="ctr"/>
+            <a:endParaRPr lang="sv-SE"/>
+          </a:p>
+        </p:txBody>
+      </p:sp>
+      <p:sp>
+        <p:nvSpPr>
           <p:cNvPr id="2" name="Title 1"/>
           <p:cNvSpPr>
             <a:spLocks noGrp="1"/>
@@ -7426,7 +8613,7 @@
         <p:spPr/>
         <p:txBody>
           <a:bodyPr>
-            <a:normAutofit/>
+            <a:normAutofit lnSpcReduction="10000"/>
           </a:bodyPr>
           <a:lstStyle/>
           <a:p>
@@ -7531,8 +8718,67 @@
                 <a:latin typeface="Courier New" panose="02070309020205020404" pitchFamily="49" charset="0"/>
                 <a:cs typeface="Courier New" panose="02070309020205020404" pitchFamily="49" charset="0"/>
               </a:rPr>
-              <a:t>).add(”hello”);</a:t>
-            </a:r>
+              <a:t>).add(”hello</a:t>
+            </a:r>
+            <a:r>
+              <a:rPr lang="sv-SE" sz="2400" dirty="0" smtClean="0">
+                <a:solidFill>
+                  <a:schemeClr val="tx1"/>
+                </a:solidFill>
+                <a:latin typeface="Courier New" panose="02070309020205020404" pitchFamily="49" charset="0"/>
+                <a:cs typeface="Courier New" panose="02070309020205020404" pitchFamily="49" charset="0"/>
+              </a:rPr>
+              <a:t>”);</a:t>
+            </a:r>
+          </a:p>
+          <a:p>
+            <a:r>
+              <a:rPr lang="sv-SE" sz="2400" dirty="0">
+                <a:solidFill>
+                  <a:schemeClr val="tx1"/>
+                </a:solidFill>
+                <a:latin typeface="Courier New" panose="02070309020205020404" pitchFamily="49" charset="0"/>
+                <a:cs typeface="Courier New" panose="02070309020205020404" pitchFamily="49" charset="0"/>
+              </a:rPr>
+              <a:t>v</a:t>
+            </a:r>
+            <a:r>
+              <a:rPr lang="sv-SE" sz="2400" dirty="0" smtClean="0">
+                <a:solidFill>
+                  <a:schemeClr val="tx1"/>
+                </a:solidFill>
+                <a:latin typeface="Courier New" panose="02070309020205020404" pitchFamily="49" charset="0"/>
+                <a:cs typeface="Courier New" panose="02070309020205020404" pitchFamily="49" charset="0"/>
+              </a:rPr>
+              <a:t>erify(</a:t>
+            </a:r>
+            <a:r>
+              <a:rPr lang="sv-SE" sz="2400" b="1" dirty="0" smtClean="0">
+                <a:solidFill>
+                  <a:schemeClr val="tx1"/>
+                </a:solidFill>
+                <a:latin typeface="Courier New" panose="02070309020205020404" pitchFamily="49" charset="0"/>
+                <a:cs typeface="Courier New" panose="02070309020205020404" pitchFamily="49" charset="0"/>
+              </a:rPr>
+              <a:t>list</a:t>
+            </a:r>
+            <a:r>
+              <a:rPr lang="sv-SE" sz="2400" dirty="0" smtClean="0">
+                <a:solidFill>
+                  <a:schemeClr val="tx1"/>
+                </a:solidFill>
+                <a:latin typeface="Courier New" panose="02070309020205020404" pitchFamily="49" charset="0"/>
+                <a:cs typeface="Courier New" panose="02070309020205020404" pitchFamily="49" charset="0"/>
+              </a:rPr>
+              <a:t>).add(anyString());</a:t>
+            </a:r>
+            <a:endParaRPr lang="sv-SE" sz="2400" dirty="0" smtClean="0">
+              <a:solidFill>
+                <a:schemeClr val="tx1"/>
+              </a:solidFill>
+              <a:latin typeface="Courier New" panose="02070309020205020404" pitchFamily="49" charset="0"/>
+              <a:cs typeface="Courier New" panose="02070309020205020404" pitchFamily="49" charset="0"/>
+            </a:endParaRPr>
           </a:p>
           <a:p>
             <a:endParaRPr lang="sv-SE" sz="2400" dirty="0">
@@ -7753,7 +8999,7 @@
         <p:spPr/>
         <p:txBody>
           <a:bodyPr>
-            <a:normAutofit/>
+            <a:normAutofit lnSpcReduction="10000"/>
           </a:bodyPr>
           <a:lstStyle/>
           <a:p>
@@ -7765,7 +9011,131 @@
                 <a:latin typeface="Courier New" panose="02070309020205020404" pitchFamily="49" charset="0"/>
                 <a:cs typeface="Courier New" panose="02070309020205020404" pitchFamily="49" charset="0"/>
               </a:rPr>
-              <a:t>List&lt;String&gt; </a:t>
+              <a:t>List&lt;String</a:t>
+            </a:r>
+            <a:r>
+              <a:rPr lang="sv-SE" sz="2400" dirty="0">
+                <a:solidFill>
+                  <a:schemeClr val="tx1"/>
+                </a:solidFill>
+                <a:latin typeface="Courier New" panose="02070309020205020404" pitchFamily="49" charset="0"/>
+                <a:cs typeface="Courier New" panose="02070309020205020404" pitchFamily="49" charset="0"/>
+              </a:rPr>
+              <a:t>&gt; </a:t>
+            </a:r>
+            <a:r>
+              <a:rPr lang="sv-SE" sz="2400" b="1" dirty="0">
+                <a:solidFill>
+                  <a:schemeClr val="tx1"/>
+                </a:solidFill>
+                <a:latin typeface="Courier New" panose="02070309020205020404" pitchFamily="49" charset="0"/>
+                <a:cs typeface="Courier New" panose="02070309020205020404" pitchFamily="49" charset="0"/>
+              </a:rPr>
+              <a:t>list</a:t>
+            </a:r>
+            <a:r>
+              <a:rPr lang="sv-SE" sz="2400" dirty="0">
+                <a:solidFill>
+                  <a:schemeClr val="tx1"/>
+                </a:solidFill>
+                <a:latin typeface="Courier New" panose="02070309020205020404" pitchFamily="49" charset="0"/>
+                <a:cs typeface="Courier New" panose="02070309020205020404" pitchFamily="49" charset="0"/>
+              </a:rPr>
+              <a:t> = </a:t>
+            </a:r>
+            <a:r>
+              <a:rPr lang="sv-SE" sz="2400" dirty="0" smtClean="0">
+                <a:solidFill>
+                  <a:schemeClr val="tx1"/>
+                </a:solidFill>
+                <a:latin typeface="Courier New" panose="02070309020205020404" pitchFamily="49" charset="0"/>
+                <a:cs typeface="Courier New" panose="02070309020205020404" pitchFamily="49" charset="0"/>
+              </a:rPr>
+              <a:t>new ArrayList&lt;String</a:t>
+            </a:r>
+            <a:r>
+              <a:rPr lang="sv-SE" sz="2400" dirty="0">
+                <a:solidFill>
+                  <a:schemeClr val="tx1"/>
+                </a:solidFill>
+                <a:latin typeface="Courier New" panose="02070309020205020404" pitchFamily="49" charset="0"/>
+                <a:cs typeface="Courier New" panose="02070309020205020404" pitchFamily="49" charset="0"/>
+              </a:rPr>
+              <a:t>&gt;();</a:t>
+            </a:r>
+          </a:p>
+          <a:p>
+            <a:r>
+              <a:rPr lang="sv-SE" sz="2400" dirty="0" smtClean="0">
+                <a:solidFill>
+                  <a:schemeClr val="tx1"/>
+                </a:solidFill>
+                <a:latin typeface="Courier New" panose="02070309020205020404" pitchFamily="49" charset="0"/>
+                <a:cs typeface="Courier New" panose="02070309020205020404" pitchFamily="49" charset="0"/>
+              </a:rPr>
+              <a:t>List&lt;String</a:t>
+            </a:r>
+            <a:r>
+              <a:rPr lang="sv-SE" sz="2400" dirty="0">
+                <a:solidFill>
+                  <a:schemeClr val="tx1"/>
+                </a:solidFill>
+                <a:latin typeface="Courier New" panose="02070309020205020404" pitchFamily="49" charset="0"/>
+                <a:cs typeface="Courier New" panose="02070309020205020404" pitchFamily="49" charset="0"/>
+              </a:rPr>
+              <a:t>&gt; </a:t>
+            </a:r>
+            <a:r>
+              <a:rPr lang="sv-SE" sz="2400" b="1" dirty="0">
+                <a:solidFill>
+                  <a:schemeClr val="tx1"/>
+                </a:solidFill>
+                <a:latin typeface="Courier New" panose="02070309020205020404" pitchFamily="49" charset="0"/>
+                <a:cs typeface="Courier New" panose="02070309020205020404" pitchFamily="49" charset="0"/>
+              </a:rPr>
+              <a:t>spiedList</a:t>
+            </a:r>
+            <a:r>
+              <a:rPr lang="sv-SE" sz="2400" dirty="0">
+                <a:solidFill>
+                  <a:schemeClr val="tx1"/>
+                </a:solidFill>
+                <a:latin typeface="Courier New" panose="02070309020205020404" pitchFamily="49" charset="0"/>
+                <a:cs typeface="Courier New" panose="02070309020205020404" pitchFamily="49" charset="0"/>
+              </a:rPr>
+              <a:t> = spy(</a:t>
+            </a:r>
+            <a:r>
+              <a:rPr lang="sv-SE" sz="2400" b="1" dirty="0">
+                <a:solidFill>
+                  <a:schemeClr val="tx1"/>
+                </a:solidFill>
+                <a:latin typeface="Courier New" panose="02070309020205020404" pitchFamily="49" charset="0"/>
+                <a:cs typeface="Courier New" panose="02070309020205020404" pitchFamily="49" charset="0"/>
+              </a:rPr>
+              <a:t>list</a:t>
+            </a:r>
+            <a:r>
+              <a:rPr lang="sv-SE" sz="2400" dirty="0">
+                <a:solidFill>
+                  <a:schemeClr val="tx1"/>
+                </a:solidFill>
+                <a:latin typeface="Courier New" panose="02070309020205020404" pitchFamily="49" charset="0"/>
+                <a:cs typeface="Courier New" panose="02070309020205020404" pitchFamily="49" charset="0"/>
+              </a:rPr>
+              <a:t>);</a:t>
+            </a:r>
+          </a:p>
+          <a:p>
+            <a:r>
+              <a:rPr lang="sv-SE" sz="2400" dirty="0" smtClean="0">
+                <a:solidFill>
+                  <a:schemeClr val="tx1"/>
+                </a:solidFill>
+                <a:latin typeface="Courier New" panose="02070309020205020404" pitchFamily="49" charset="0"/>
+                <a:cs typeface="Courier New" panose="02070309020205020404" pitchFamily="49" charset="0"/>
+              </a:rPr>
+              <a:t>when(</a:t>
             </a:r>
             <a:r>
               <a:rPr lang="sv-SE" sz="2400" b="1" dirty="0" smtClean="0">
@@ -7775,7 +9145,7 @@
                 <a:latin typeface="Courier New" panose="02070309020205020404" pitchFamily="49" charset="0"/>
                 <a:cs typeface="Courier New" panose="02070309020205020404" pitchFamily="49" charset="0"/>
               </a:rPr>
-              <a:t>list</a:t>
+              <a:t>spiedList</a:t>
             </a:r>
             <a:r>
               <a:rPr lang="sv-SE" sz="2400" dirty="0" smtClean="0">
@@ -7785,19 +9155,42 @@
                 <a:latin typeface="Courier New" panose="02070309020205020404" pitchFamily="49" charset="0"/>
                 <a:cs typeface="Courier New" panose="02070309020205020404" pitchFamily="49" charset="0"/>
               </a:rPr>
-              <a:t> = new ArrayList&lt;String&gt;();</a:t>
-            </a:r>
-          </a:p>
-          <a:p>
-            <a:endParaRPr lang="sv-SE" sz="2400" dirty="0" smtClean="0">
-              <a:solidFill>
-                <a:schemeClr val="tx1"/>
-              </a:solidFill>
-              <a:latin typeface="Courier New" panose="02070309020205020404" pitchFamily="49" charset="0"/>
-              <a:cs typeface="Courier New" panose="02070309020205020404" pitchFamily="49" charset="0"/>
-            </a:endParaRPr>
-          </a:p>
-          <a:p>
+              <a:t>.size</a:t>
+            </a:r>
+            <a:r>
+              <a:rPr lang="sv-SE" sz="2400" dirty="0">
+                <a:solidFill>
+                  <a:schemeClr val="tx1"/>
+                </a:solidFill>
+                <a:latin typeface="Courier New" panose="02070309020205020404" pitchFamily="49" charset="0"/>
+                <a:cs typeface="Courier New" panose="02070309020205020404" pitchFamily="49" charset="0"/>
+              </a:rPr>
+              <a:t>()).thenReturn(0);</a:t>
+            </a:r>
+          </a:p>
+          <a:p>
+            <a:r>
+              <a:rPr lang="sv-SE" sz="2400" dirty="0">
+                <a:solidFill>
+                  <a:schemeClr val="tx1"/>
+                </a:solidFill>
+                <a:latin typeface="Courier New" panose="02070309020205020404" pitchFamily="49" charset="0"/>
+                <a:cs typeface="Courier New" panose="02070309020205020404" pitchFamily="49" charset="0"/>
+              </a:rPr>
+              <a:t>		</a:t>
+            </a:r>
+          </a:p>
+          <a:p>
+            <a:r>
+              <a:rPr lang="sv-SE" sz="2400" b="1" dirty="0" smtClean="0">
+                <a:solidFill>
+                  <a:schemeClr val="tx1"/>
+                </a:solidFill>
+                <a:latin typeface="Courier New" panose="02070309020205020404" pitchFamily="49" charset="0"/>
+                <a:cs typeface="Courier New" panose="02070309020205020404" pitchFamily="49" charset="0"/>
+              </a:rPr>
+              <a:t>spiedList</a:t>
+            </a:r>
             <a:r>
               <a:rPr lang="sv-SE" sz="2400" dirty="0" smtClean="0">
                 <a:solidFill>
@@ -7806,47 +9199,17 @@
                 <a:latin typeface="Courier New" panose="02070309020205020404" pitchFamily="49" charset="0"/>
                 <a:cs typeface="Courier New" panose="02070309020205020404" pitchFamily="49" charset="0"/>
               </a:rPr>
-              <a:t>List&lt;String&gt; </a:t>
-            </a:r>
-            <a:r>
-              <a:rPr lang="sv-SE" sz="2400" b="1" dirty="0" smtClean="0">
-                <a:solidFill>
-                  <a:schemeClr val="tx1"/>
-                </a:solidFill>
-                <a:latin typeface="Courier New" panose="02070309020205020404" pitchFamily="49" charset="0"/>
-                <a:cs typeface="Courier New" panose="02070309020205020404" pitchFamily="49" charset="0"/>
-              </a:rPr>
-              <a:t>spiedList</a:t>
-            </a:r>
-            <a:r>
-              <a:rPr lang="sv-SE" sz="2400" dirty="0" smtClean="0">
-                <a:solidFill>
-                  <a:schemeClr val="tx1"/>
-                </a:solidFill>
-                <a:latin typeface="Courier New" panose="02070309020205020404" pitchFamily="49" charset="0"/>
-                <a:cs typeface="Courier New" panose="02070309020205020404" pitchFamily="49" charset="0"/>
-              </a:rPr>
-              <a:t> = spy(</a:t>
-            </a:r>
-            <a:r>
-              <a:rPr lang="sv-SE" sz="2400" b="1" dirty="0" smtClean="0">
-                <a:solidFill>
-                  <a:schemeClr val="tx1"/>
-                </a:solidFill>
-                <a:latin typeface="Courier New" panose="02070309020205020404" pitchFamily="49" charset="0"/>
-                <a:cs typeface="Courier New" panose="02070309020205020404" pitchFamily="49" charset="0"/>
-              </a:rPr>
-              <a:t>list</a:t>
-            </a:r>
-            <a:r>
-              <a:rPr lang="sv-SE" sz="2400" dirty="0" smtClean="0">
-                <a:solidFill>
-                  <a:schemeClr val="tx1"/>
-                </a:solidFill>
-                <a:latin typeface="Courier New" panose="02070309020205020404" pitchFamily="49" charset="0"/>
-                <a:cs typeface="Courier New" panose="02070309020205020404" pitchFamily="49" charset="0"/>
-              </a:rPr>
-              <a:t>);</a:t>
+              <a:t>.add</a:t>
+            </a:r>
+            <a:r>
+              <a:rPr lang="sv-SE" sz="2400" dirty="0">
+                <a:solidFill>
+                  <a:schemeClr val="tx1"/>
+                </a:solidFill>
+                <a:latin typeface="Courier New" panose="02070309020205020404" pitchFamily="49" charset="0"/>
+                <a:cs typeface="Courier New" panose="02070309020205020404" pitchFamily="49" charset="0"/>
+              </a:rPr>
+              <a:t>("hello");</a:t>
             </a:r>
           </a:p>
           <a:p>
@@ -7877,10 +9240,19 @@
                 <a:latin typeface="Courier New" panose="02070309020205020404" pitchFamily="49" charset="0"/>
                 <a:cs typeface="Courier New" panose="02070309020205020404" pitchFamily="49" charset="0"/>
               </a:rPr>
-              <a:t>.add(”hello”);</a:t>
-            </a:r>
-          </a:p>
-          <a:p>
+              <a:t>.size() </a:t>
+            </a:r>
+            <a:r>
+              <a:rPr lang="sv-SE" sz="2400" dirty="0" smtClean="0">
+                <a:solidFill>
+                  <a:schemeClr val="tx1"/>
+                </a:solidFill>
+                <a:latin typeface="Courier New" panose="02070309020205020404" pitchFamily="49" charset="0"/>
+                <a:cs typeface="Courier New" panose="02070309020205020404" pitchFamily="49" charset="0"/>
+                <a:sym typeface="Wingdings" panose="05000000000000000000" pitchFamily="2" charset="2"/>
+              </a:rPr>
+              <a:t> 0</a:t>
+            </a:r>
             <a:endParaRPr lang="sv-SE" sz="2400" dirty="0">
               <a:solidFill>
                 <a:schemeClr val="tx1"/>
@@ -7908,7 +9280,7 @@
                 <a:latin typeface="Courier New" panose="02070309020205020404" pitchFamily="49" charset="0"/>
                 <a:cs typeface="Courier New" panose="02070309020205020404" pitchFamily="49" charset="0"/>
               </a:rPr>
-              <a:t>.size() </a:t>
+              <a:t>.isEmpty() </a:t>
             </a:r>
             <a:r>
               <a:rPr lang="sv-SE" sz="2400" dirty="0" smtClean="0">
@@ -7919,20 +9291,26 @@
                 <a:cs typeface="Courier New" panose="02070309020205020404" pitchFamily="49" charset="0"/>
                 <a:sym typeface="Wingdings" panose="05000000000000000000" pitchFamily="2" charset="2"/>
               </a:rPr>
-              <a:t> 1</a:t>
-            </a:r>
-          </a:p>
-          <a:p>
+              <a:t> false</a:t>
+            </a:r>
             <a:endParaRPr lang="sv-SE" sz="2400" dirty="0">
               <a:solidFill>
                 <a:schemeClr val="tx1"/>
               </a:solidFill>
               <a:latin typeface="Courier New" panose="02070309020205020404" pitchFamily="49" charset="0"/>
               <a:cs typeface="Courier New" panose="02070309020205020404" pitchFamily="49" charset="0"/>
-              <a:sym typeface="Wingdings" panose="05000000000000000000" pitchFamily="2" charset="2"/>
             </a:endParaRPr>
           </a:p>
           <a:p>
+            <a:endParaRPr lang="sv-SE" sz="2400" b="1" dirty="0" smtClean="0">
+              <a:solidFill>
+                <a:schemeClr val="tx1"/>
+              </a:solidFill>
+              <a:latin typeface="Courier New" panose="02070309020205020404" pitchFamily="49" charset="0"/>
+              <a:cs typeface="Courier New" panose="02070309020205020404" pitchFamily="49" charset="0"/>
+            </a:endParaRPr>
+          </a:p>
+          <a:p>
             <a:r>
               <a:rPr lang="sv-SE" sz="2400" b="1" dirty="0" smtClean="0">
                 <a:solidFill>
@@ -7940,20 +9318,29 @@
                 </a:solidFill>
                 <a:latin typeface="Courier New" panose="02070309020205020404" pitchFamily="49" charset="0"/>
                 <a:cs typeface="Courier New" panose="02070309020205020404" pitchFamily="49" charset="0"/>
+              </a:rPr>
+              <a:t>list</a:t>
+            </a:r>
+            <a:r>
+              <a:rPr lang="sv-SE" sz="2400" dirty="0" smtClean="0">
+                <a:solidFill>
+                  <a:schemeClr val="tx1"/>
+                </a:solidFill>
+                <a:latin typeface="Courier New" panose="02070309020205020404" pitchFamily="49" charset="0"/>
+                <a:cs typeface="Courier New" panose="02070309020205020404" pitchFamily="49" charset="0"/>
+              </a:rPr>
+              <a:t>.isEmpty() </a:t>
+            </a:r>
+            <a:r>
+              <a:rPr lang="sv-SE" sz="2400" dirty="0" smtClean="0">
+                <a:solidFill>
+                  <a:schemeClr val="tx1"/>
+                </a:solidFill>
+                <a:latin typeface="Courier New" panose="02070309020205020404" pitchFamily="49" charset="0"/>
+                <a:cs typeface="Courier New" panose="02070309020205020404" pitchFamily="49" charset="0"/>
                 <a:sym typeface="Wingdings" panose="05000000000000000000" pitchFamily="2" charset="2"/>
               </a:rPr>
-              <a:t>list</a:t>
-            </a:r>
-            <a:r>
-              <a:rPr lang="sv-SE" sz="2400" dirty="0" smtClean="0">
-                <a:solidFill>
-                  <a:schemeClr val="tx1"/>
-                </a:solidFill>
-                <a:latin typeface="Courier New" panose="02070309020205020404" pitchFamily="49" charset="0"/>
-                <a:cs typeface="Courier New" panose="02070309020205020404" pitchFamily="49" charset="0"/>
-                <a:sym typeface="Wingdings" panose="05000000000000000000" pitchFamily="2" charset="2"/>
-              </a:rPr>
-              <a:t>.size()  0</a:t>
+              <a:t> true</a:t>
             </a:r>
             <a:endParaRPr lang="sv-SE" sz="2400" dirty="0">
               <a:solidFill>
@@ -8070,7 +9457,7 @@
               <a:buChar char="•"/>
             </a:pPr>
             <a:r>
-              <a:rPr lang="sv-SE" dirty="0" smtClean="0">
+              <a:rPr lang="sv-SE" b="1" dirty="0" smtClean="0">
                 <a:solidFill>
                   <a:schemeClr val="tx1"/>
                 </a:solidFill>
@@ -8084,7 +9471,7 @@
               <a:buChar char="•"/>
             </a:pPr>
             <a:r>
-              <a:rPr lang="sv-SE" dirty="0" smtClean="0">
+              <a:rPr lang="sv-SE" b="1" dirty="0" smtClean="0">
                 <a:solidFill>
                   <a:schemeClr val="tx1"/>
                 </a:solidFill>
@@ -8098,7 +9485,7 @@
               <a:buChar char="•"/>
             </a:pPr>
             <a:r>
-              <a:rPr lang="sv-SE" dirty="0" smtClean="0">
+              <a:rPr lang="sv-SE" b="1" dirty="0" smtClean="0">
                 <a:solidFill>
                   <a:schemeClr val="tx1"/>
                 </a:solidFill>
@@ -8703,31 +10090,7 @@
                   <a:schemeClr val="tx1"/>
                 </a:solidFill>
               </a:rPr>
-              <a:t>In some software,</a:t>
-            </a:r>
-            <a:r>
-              <a:rPr lang="sv-SE" dirty="0" smtClean="0">
-                <a:solidFill>
-                  <a:schemeClr val="tx1"/>
-                </a:solidFill>
-              </a:rPr>
-              <a:t> b</a:t>
-            </a:r>
-            <a:r>
-              <a:rPr lang="sv-SE" dirty="0" smtClean="0">
-                <a:solidFill>
-                  <a:schemeClr val="tx1"/>
-                </a:solidFill>
-              </a:rPr>
-              <a:t>ugs </a:t>
-            </a:r>
-            <a:r>
-              <a:rPr lang="sv-SE" dirty="0" smtClean="0">
-                <a:solidFill>
-                  <a:schemeClr val="tx1"/>
-                </a:solidFill>
-              </a:rPr>
-              <a:t>are </a:t>
+              <a:t>In some software, bugs are </a:t>
             </a:r>
             <a:r>
               <a:rPr lang="sv-SE" b="1" dirty="0" smtClean="0">
@@ -8830,7 +10193,9 @@
         </p:nvSpPr>
         <p:spPr/>
         <p:txBody>
-          <a:bodyPr/>
+          <a:bodyPr>
+            <a:normAutofit fontScale="92500"/>
+          </a:bodyPr>
           <a:lstStyle/>
           <a:p>
             <a:pPr marL="457200" indent="-457200">
@@ -8843,7 +10208,29 @@
                   <a:schemeClr val="tx1"/>
                 </a:solidFill>
               </a:rPr>
-              <a:t>Test update() when </a:t>
+              <a:t>Warm up by mocking SignatureVerifier. Then stub verifySignature() and have it return true.</a:t>
+            </a:r>
+          </a:p>
+          <a:p>
+            <a:pPr marL="457200" indent="-457200">
+              <a:buFont typeface="Arial" panose="020B0604020202020204" pitchFamily="34" charset="0"/>
+              <a:buChar char="•"/>
+            </a:pPr>
+            <a:r>
+              <a:rPr lang="sv-SE" dirty="0" smtClean="0">
+                <a:solidFill>
+                  <a:schemeClr val="tx1"/>
+                </a:solidFill>
+              </a:rPr>
+              <a:t>Test </a:t>
+            </a:r>
+            <a:r>
+              <a:rPr lang="sv-SE" dirty="0" smtClean="0">
+                <a:solidFill>
+                  <a:schemeClr val="tx1"/>
+                </a:solidFill>
+              </a:rPr>
+              <a:t>update() when </a:t>
             </a:r>
             <a:r>
               <a:rPr lang="sv-SE" b="1" dirty="0" smtClean="0">
@@ -9673,7 +11060,29 @@
                 <a:cs typeface="Courier New" panose="02070309020205020404" pitchFamily="49" charset="0"/>
                 <a:sym typeface="Wingdings" panose="05000000000000000000" pitchFamily="2" charset="2"/>
               </a:rPr>
-              <a:t>.deleteFile(anyString());  false</a:t>
+              <a:t>.deleteFile</a:t>
+            </a:r>
+            <a:r>
+              <a:rPr lang="sv-SE" sz="2400" dirty="0" smtClean="0">
+                <a:solidFill>
+                  <a:schemeClr val="tx1"/>
+                </a:solidFill>
+                <a:latin typeface="Courier New" panose="02070309020205020404" pitchFamily="49" charset="0"/>
+                <a:cs typeface="Courier New" panose="02070309020205020404" pitchFamily="49" charset="0"/>
+                <a:sym typeface="Wingdings" panose="05000000000000000000" pitchFamily="2" charset="2"/>
+              </a:rPr>
+              <a:t>(”somefile”); </a:t>
+            </a:r>
+            <a:r>
+              <a:rPr lang="sv-SE" sz="2400" dirty="0" smtClean="0">
+                <a:solidFill>
+                  <a:schemeClr val="tx1"/>
+                </a:solidFill>
+                <a:latin typeface="Courier New" panose="02070309020205020404" pitchFamily="49" charset="0"/>
+                <a:cs typeface="Courier New" panose="02070309020205020404" pitchFamily="49" charset="0"/>
+                <a:sym typeface="Wingdings" panose="05000000000000000000" pitchFamily="2" charset="2"/>
+              </a:rPr>
+              <a:t> false</a:t>
             </a:r>
           </a:p>
           <a:p>
@@ -10036,6 +11445,46 @@
               <a:cs typeface="Courier New" panose="02070309020205020404" pitchFamily="49" charset="0"/>
             </a:endParaRPr>
           </a:p>
+          <a:p>
+            <a:r>
+              <a:rPr lang="sv-SE" sz="2400" b="1" dirty="0" smtClean="0">
+                <a:solidFill>
+                  <a:schemeClr val="tx1"/>
+                </a:solidFill>
+                <a:latin typeface="Courier New" panose="02070309020205020404" pitchFamily="49" charset="0"/>
+                <a:cs typeface="Courier New" panose="02070309020205020404" pitchFamily="49" charset="0"/>
+              </a:rPr>
+              <a:t>ctx.</a:t>
+            </a:r>
+            <a:r>
+              <a:rPr lang="sv-SE" sz="2400" dirty="0" smtClean="0">
+                <a:solidFill>
+                  <a:schemeClr val="tx1"/>
+                </a:solidFill>
+                <a:latin typeface="Courier New" panose="02070309020205020404" pitchFamily="49" charset="0"/>
+                <a:cs typeface="Courier New" panose="02070309020205020404" pitchFamily="49" charset="0"/>
+              </a:rPr>
+              <a:t>getPackageName()</a:t>
+            </a:r>
+            <a:r>
+              <a:rPr lang="sv-SE" sz="2400" dirty="0" smtClean="0">
+                <a:solidFill>
+                  <a:schemeClr val="tx1"/>
+                </a:solidFill>
+                <a:latin typeface="Courier New" panose="02070309020205020404" pitchFamily="49" charset="0"/>
+                <a:cs typeface="Courier New" panose="02070309020205020404" pitchFamily="49" charset="0"/>
+                <a:sym typeface="Wingdings" panose="05000000000000000000" pitchFamily="2" charset="2"/>
+              </a:rPr>
+              <a:t> ”com.jayway.test”</a:t>
+            </a:r>
+            <a:endParaRPr lang="sv-SE" sz="2400" dirty="0" smtClean="0">
+              <a:solidFill>
+                <a:schemeClr val="tx1"/>
+              </a:solidFill>
+              <a:latin typeface="Courier New" panose="02070309020205020404" pitchFamily="49" charset="0"/>
+              <a:cs typeface="Courier New" panose="02070309020205020404" pitchFamily="49" charset="0"/>
+            </a:endParaRPr>
+          </a:p>
         </p:txBody>
       </p:sp>
     </p:spTree>
@@ -10209,15 +11658,7 @@
                   <a:schemeClr val="tx1"/>
                 </a:solidFill>
               </a:rPr>
-              <a:t>from </a:t>
-            </a:r>
-            <a:r>
-              <a:rPr lang="sv-SE" smtClean="0">
-                <a:solidFill>
-                  <a:schemeClr val="tx1"/>
-                </a:solidFill>
-              </a:rPr>
-              <a:t>here on.</a:t>
+              <a:t>from here on.</a:t>
             </a:r>
             <a:endParaRPr lang="sv-SE" dirty="0">
               <a:solidFill>
@@ -10797,7 +12238,7 @@
               <a:t>();</a:t>
             </a:r>
             <a:r>
-              <a:rPr lang="sv-SE" dirty="0" smtClean="0">
+              <a:rPr lang="sv-SE" sz="4100" dirty="0" smtClean="0">
                 <a:solidFill>
                   <a:srgbClr val="FF0000"/>
                 </a:solidFill>
@@ -10807,7 +12248,7 @@
               </a:rPr>
               <a:t></a:t>
             </a:r>
-            <a:endParaRPr lang="sv-SE" dirty="0" smtClean="0">
+            <a:endParaRPr lang="sv-SE" sz="4100" dirty="0" smtClean="0">
               <a:solidFill>
                 <a:schemeClr val="tx1"/>
               </a:solidFill>
